--- a/Reports/Viva/VivaPresentation.pptx
+++ b/Reports/Viva/VivaPresentation.pptx
@@ -2,11 +2,19 @@
 <file path=ppt/presentation.xml><?xml version="1.0" encoding="utf-8"?>
 <p:presentation xmlns:a="http://schemas.openxmlformats.org/drawingml/2006/main" xmlns:r="http://schemas.openxmlformats.org/officeDocument/2006/relationships" xmlns:p="http://schemas.openxmlformats.org/presentationml/2006/main" autoCompressPictures="0">
   <p:sldMasterIdLst>
-    <p:sldMasterId id="2147483648" r:id="rId1"/>
+    <p:sldMasterId id="2147483868" r:id="rId1"/>
   </p:sldMasterIdLst>
   <p:sldIdLst>
     <p:sldId id="256" r:id="rId2"/>
     <p:sldId id="257" r:id="rId3"/>
+    <p:sldId id="258" r:id="rId4"/>
+    <p:sldId id="259" r:id="rId5"/>
+    <p:sldId id="260" r:id="rId6"/>
+    <p:sldId id="261" r:id="rId7"/>
+    <p:sldId id="263" r:id="rId8"/>
+    <p:sldId id="264" r:id="rId9"/>
+    <p:sldId id="265" r:id="rId10"/>
+    <p:sldId id="266" r:id="rId11"/>
   </p:sldIdLst>
   <p:sldSz cx="12192000" cy="6858000"/>
   <p:notesSz cx="6858000" cy="9144000"/>
@@ -142,15 +150,17 @@
         </p:nvSpPr>
         <p:spPr>
           <a:xfrm>
-            <a:off x="1154955" y="1447800"/>
-            <a:ext cx="8825658" cy="3329581"/>
-          </a:xfrm>
-        </p:spPr>
-        <p:txBody>
-          <a:bodyPr anchor="b"/>
+            <a:off x="1595269" y="1122363"/>
+            <a:ext cx="9001462" cy="2387600"/>
+          </a:xfrm>
+        </p:spPr>
+        <p:txBody>
+          <a:bodyPr anchor="b">
+            <a:normAutofit/>
+          </a:bodyPr>
           <a:lstStyle>
-            <a:lvl1pPr>
-              <a:defRPr sz="7200"/>
+            <a:lvl1pPr algn="ctr">
+              <a:defRPr sz="4800"/>
             </a:lvl1pPr>
           </a:lstStyle>
           <a:p>
@@ -174,100 +184,48 @@
         </p:nvSpPr>
         <p:spPr>
           <a:xfrm>
-            <a:off x="1154955" y="4777380"/>
-            <a:ext cx="8825658" cy="861420"/>
-          </a:xfrm>
-        </p:spPr>
-        <p:txBody>
-          <a:bodyPr anchor="t"/>
+            <a:off x="1595269" y="3602038"/>
+            <a:ext cx="9001462" cy="1655762"/>
+          </a:xfrm>
+        </p:spPr>
+        <p:txBody>
+          <a:bodyPr/>
           <a:lstStyle>
-            <a:lvl1pPr marL="0" indent="0" algn="l">
-              <a:buNone/>
-              <a:defRPr cap="all">
-                <a:solidFill>
-                  <a:schemeClr val="accent1"/>
-                </a:solidFill>
-              </a:defRPr>
+            <a:lvl1pPr marL="0" indent="0" algn="ctr">
+              <a:buNone/>
+              <a:defRPr sz="2400"/>
             </a:lvl1pPr>
             <a:lvl2pPr marL="457200" indent="0" algn="ctr">
               <a:buNone/>
-              <a:defRPr>
-                <a:solidFill>
-                  <a:schemeClr val="tx1">
-                    <a:tint val="75000"/>
-                  </a:schemeClr>
-                </a:solidFill>
-              </a:defRPr>
+              <a:defRPr sz="2000"/>
             </a:lvl2pPr>
             <a:lvl3pPr marL="914400" indent="0" algn="ctr">
               <a:buNone/>
-              <a:defRPr>
-                <a:solidFill>
-                  <a:schemeClr val="tx1">
-                    <a:tint val="75000"/>
-                  </a:schemeClr>
-                </a:solidFill>
-              </a:defRPr>
+              <a:defRPr sz="1800"/>
             </a:lvl3pPr>
             <a:lvl4pPr marL="1371600" indent="0" algn="ctr">
               <a:buNone/>
-              <a:defRPr>
-                <a:solidFill>
-                  <a:schemeClr val="tx1">
-                    <a:tint val="75000"/>
-                  </a:schemeClr>
-                </a:solidFill>
-              </a:defRPr>
+              <a:defRPr sz="1600"/>
             </a:lvl4pPr>
             <a:lvl5pPr marL="1828800" indent="0" algn="ctr">
               <a:buNone/>
-              <a:defRPr>
-                <a:solidFill>
-                  <a:schemeClr val="tx1">
-                    <a:tint val="75000"/>
-                  </a:schemeClr>
-                </a:solidFill>
-              </a:defRPr>
+              <a:defRPr sz="1600"/>
             </a:lvl5pPr>
             <a:lvl6pPr marL="2286000" indent="0" algn="ctr">
               <a:buNone/>
-              <a:defRPr>
-                <a:solidFill>
-                  <a:schemeClr val="tx1">
-                    <a:tint val="75000"/>
-                  </a:schemeClr>
-                </a:solidFill>
-              </a:defRPr>
+              <a:defRPr sz="1600"/>
             </a:lvl6pPr>
             <a:lvl7pPr marL="2743200" indent="0" algn="ctr">
               <a:buNone/>
-              <a:defRPr>
-                <a:solidFill>
-                  <a:schemeClr val="tx1">
-                    <a:tint val="75000"/>
-                  </a:schemeClr>
-                </a:solidFill>
-              </a:defRPr>
+              <a:defRPr sz="1600"/>
             </a:lvl7pPr>
             <a:lvl8pPr marL="3200400" indent="0" algn="ctr">
               <a:buNone/>
-              <a:defRPr>
-                <a:solidFill>
-                  <a:schemeClr val="tx1">
-                    <a:tint val="75000"/>
-                  </a:schemeClr>
-                </a:solidFill>
-              </a:defRPr>
+              <a:defRPr sz="1600"/>
             </a:lvl8pPr>
             <a:lvl9pPr marL="3657600" indent="0" algn="ctr">
               <a:buNone/>
-              <a:defRPr>
-                <a:solidFill>
-                  <a:schemeClr val="tx1">
-                    <a:tint val="75000"/>
-                  </a:schemeClr>
-                </a:solidFill>
-              </a:defRPr>
+              <a:defRPr sz="1600"/>
             </a:lvl9pPr>
           </a:lstStyle>
           <a:p>
@@ -295,8 +253,8 @@
           <a:lstStyle/>
           <a:p>
             <a:fld id="{4AAD347D-5ACD-4C99-B74B-A9C85AD731AF}" type="datetimeFigureOut">
-              <a:rPr lang="en-US" dirty="0"/>
-              <a:t>02-Apr-23</a:t>
+              <a:rPr lang="en-US" smtClean="0"/>
+              <a:t>03-Apr-23</a:t>
             </a:fld>
             <a:endParaRPr lang="en-US" dirty="0"/>
           </a:p>
@@ -337,7 +295,7 @@
           <a:lstStyle/>
           <a:p>
             <a:fld id="{D57F1E4F-1CFF-5643-939E-02111984F565}" type="slidenum">
-              <a:rPr lang="en-US" dirty="0"/>
+              <a:rPr lang="en-US" smtClean="0"/>
               <a:t>‹#›</a:t>
             </a:fld>
             <a:endParaRPr lang="en-US" dirty="0"/>
@@ -345,6 +303,11 @@
         </p:txBody>
       </p:sp>
     </p:spTree>
+    <p:extLst>
+      <p:ext uri="{BB962C8B-B14F-4D97-AF65-F5344CB8AC3E}">
+        <p14:creationId xmlns:p14="http://schemas.microsoft.com/office/powerpoint/2010/main" val="316050607"/>
+      </p:ext>
+    </p:extLst>
   </p:cSld>
   <p:clrMapOvr>
     <a:masterClrMapping/>
@@ -381,8 +344,8 @@
         </p:nvSpPr>
         <p:spPr>
           <a:xfrm>
-            <a:off x="1154956" y="4800587"/>
-            <a:ext cx="8825657" cy="566738"/>
+            <a:off x="913806" y="4289372"/>
+            <a:ext cx="10367564" cy="819355"/>
           </a:xfrm>
         </p:spPr>
         <p:txBody>
@@ -390,8 +353,8 @@
             <a:normAutofit/>
           </a:bodyPr>
           <a:lstStyle>
-            <a:lvl1pPr algn="l">
-              <a:defRPr sz="2400" b="0"/>
+            <a:lvl1pPr>
+              <a:defRPr sz="2800"/>
             </a:lvl1pPr>
           </a:lstStyle>
           <a:p>
@@ -415,132 +378,144 @@
         </p:nvSpPr>
         <p:spPr>
           <a:xfrm>
-            <a:off x="1154955" y="685800"/>
-            <a:ext cx="8825658" cy="3640666"/>
-          </a:xfrm>
-          <a:prstGeom prst="roundRect">
-            <a:avLst>
-              <a:gd name="adj" fmla="val 1858"/>
-            </a:avLst>
-          </a:prstGeom>
+            <a:off x="913806" y="621321"/>
+            <a:ext cx="10367564" cy="3379735"/>
+          </a:xfrm>
+          <a:noFill/>
+          <a:ln w="190500" cap="sq">
+            <a:solidFill>
+              <a:srgbClr val="FFFFFF"/>
+            </a:solidFill>
+            <a:miter lim="800000"/>
+          </a:ln>
           <a:effectLst>
-            <a:outerShdw blurRad="50800" dist="50800" dir="5400000" algn="tl" rotWithShape="0">
+            <a:outerShdw blurRad="55000" dist="18000" dir="5400000" algn="tl" rotWithShape="0">
               <a:srgbClr val="000000">
-                <a:alpha val="43000"/>
+                <a:alpha val="40000"/>
               </a:srgbClr>
             </a:outerShdw>
           </a:effectLst>
-        </p:spPr>
-        <p:txBody>
-          <a:bodyPr anchor="t">
+          <a:scene3d>
+            <a:camera prst="orthographicFront"/>
+            <a:lightRig rig="twoPt" dir="t">
+              <a:rot lat="0" lon="0" rev="7200000"/>
+            </a:lightRig>
+          </a:scene3d>
+          <a:sp3d>
+            <a:bevelT w="25400" h="19050"/>
+            <a:contourClr>
+              <a:srgbClr val="FFFFFF"/>
+            </a:contourClr>
+          </a:sp3d>
+        </p:spPr>
+        <p:txBody>
+          <a:bodyPr anchor="t"/>
+          <a:lstStyle>
+            <a:lvl1pPr marL="0" indent="0" algn="ctr">
+              <a:buNone/>
+              <a:defRPr sz="3200"/>
+            </a:lvl1pPr>
+            <a:lvl2pPr marL="457200" indent="0">
+              <a:buNone/>
+              <a:defRPr sz="2800"/>
+            </a:lvl2pPr>
+            <a:lvl3pPr marL="914400" indent="0">
+              <a:buNone/>
+              <a:defRPr sz="2400"/>
+            </a:lvl3pPr>
+            <a:lvl4pPr marL="1371600" indent="0">
+              <a:buNone/>
+              <a:defRPr sz="2000"/>
+            </a:lvl4pPr>
+            <a:lvl5pPr marL="1828800" indent="0">
+              <a:buNone/>
+              <a:defRPr sz="2000"/>
+            </a:lvl5pPr>
+            <a:lvl6pPr marL="2286000" indent="0">
+              <a:buNone/>
+              <a:defRPr sz="2000"/>
+            </a:lvl6pPr>
+            <a:lvl7pPr marL="2743200" indent="0">
+              <a:buNone/>
+              <a:defRPr sz="2000"/>
+            </a:lvl7pPr>
+            <a:lvl8pPr marL="3200400" indent="0">
+              <a:buNone/>
+              <a:defRPr sz="2000"/>
+            </a:lvl8pPr>
+            <a:lvl9pPr marL="3657600" indent="0">
+              <a:buNone/>
+              <a:defRPr sz="2000"/>
+            </a:lvl9pPr>
+          </a:lstStyle>
+          <a:p>
+            <a:r>
+              <a:rPr lang="en-US"/>
+              <a:t>Click icon to add picture</a:t>
+            </a:r>
+            <a:endParaRPr lang="en-US" dirty="0"/>
+          </a:p>
+        </p:txBody>
+      </p:sp>
+      <p:sp>
+        <p:nvSpPr>
+          <p:cNvPr id="4" name="Text Placeholder 3"/>
+          <p:cNvSpPr>
+            <a:spLocks noGrp="1"/>
+          </p:cNvSpPr>
+          <p:nvPr>
+            <p:ph type="body" sz="half" idx="2"/>
+          </p:nvPr>
+        </p:nvSpPr>
+        <p:spPr>
+          <a:xfrm>
+            <a:off x="913795" y="5108728"/>
+            <a:ext cx="10365998" cy="682472"/>
+          </a:xfrm>
+        </p:spPr>
+        <p:txBody>
+          <a:bodyPr>
             <a:normAutofit/>
           </a:bodyPr>
           <a:lstStyle>
             <a:lvl1pPr marL="0" indent="0" algn="ctr">
               <a:buNone/>
-              <a:defRPr sz="1600"/>
+              <a:defRPr sz="1800"/>
             </a:lvl1pPr>
             <a:lvl2pPr marL="457200" indent="0">
               <a:buNone/>
-              <a:defRPr sz="1600"/>
+              <a:defRPr sz="1400"/>
             </a:lvl2pPr>
             <a:lvl3pPr marL="914400" indent="0">
               <a:buNone/>
-              <a:defRPr sz="1600"/>
+              <a:defRPr sz="1200"/>
             </a:lvl3pPr>
             <a:lvl4pPr marL="1371600" indent="0">
               <a:buNone/>
-              <a:defRPr sz="1600"/>
+              <a:defRPr sz="1000"/>
             </a:lvl4pPr>
             <a:lvl5pPr marL="1828800" indent="0">
               <a:buNone/>
-              <a:defRPr sz="1600"/>
+              <a:defRPr sz="1000"/>
             </a:lvl5pPr>
             <a:lvl6pPr marL="2286000" indent="0">
               <a:buNone/>
-              <a:defRPr sz="1600"/>
+              <a:defRPr sz="1000"/>
             </a:lvl6pPr>
             <a:lvl7pPr marL="2743200" indent="0">
               <a:buNone/>
-              <a:defRPr sz="1600"/>
+              <a:defRPr sz="1000"/>
             </a:lvl7pPr>
             <a:lvl8pPr marL="3200400" indent="0">
               <a:buNone/>
-              <a:defRPr sz="1600"/>
+              <a:defRPr sz="1000"/>
             </a:lvl8pPr>
             <a:lvl9pPr marL="3657600" indent="0">
               <a:buNone/>
-              <a:defRPr sz="1600"/>
+              <a:defRPr sz="1000"/>
             </a:lvl9pPr>
           </a:lstStyle>
           <a:p>
-            <a:r>
-              <a:rPr lang="en-US"/>
-              <a:t>Click icon to add picture</a:t>
-            </a:r>
-            <a:endParaRPr lang="en-US" dirty="0"/>
-          </a:p>
-        </p:txBody>
-      </p:sp>
-      <p:sp>
-        <p:nvSpPr>
-          <p:cNvPr id="4" name="Text Placeholder 3"/>
-          <p:cNvSpPr>
-            <a:spLocks noGrp="1"/>
-          </p:cNvSpPr>
-          <p:nvPr>
-            <p:ph type="body" sz="half" idx="2"/>
-          </p:nvPr>
-        </p:nvSpPr>
-        <p:spPr>
-          <a:xfrm>
-            <a:off x="1154956" y="5367325"/>
-            <a:ext cx="8825656" cy="493712"/>
-          </a:xfrm>
-        </p:spPr>
-        <p:txBody>
-          <a:bodyPr>
-            <a:normAutofit/>
-          </a:bodyPr>
-          <a:lstStyle>
-            <a:lvl1pPr marL="0" indent="0">
-              <a:buNone/>
-              <a:defRPr sz="1200"/>
-            </a:lvl1pPr>
-            <a:lvl2pPr marL="457200" indent="0">
-              <a:buNone/>
-              <a:defRPr sz="1200"/>
-            </a:lvl2pPr>
-            <a:lvl3pPr marL="914400" indent="0">
-              <a:buNone/>
-              <a:defRPr sz="1000"/>
-            </a:lvl3pPr>
-            <a:lvl4pPr marL="1371600" indent="0">
-              <a:buNone/>
-              <a:defRPr sz="900"/>
-            </a:lvl4pPr>
-            <a:lvl5pPr marL="1828800" indent="0">
-              <a:buNone/>
-              <a:defRPr sz="900"/>
-            </a:lvl5pPr>
-            <a:lvl6pPr marL="2286000" indent="0">
-              <a:buNone/>
-              <a:defRPr sz="900"/>
-            </a:lvl6pPr>
-            <a:lvl7pPr marL="2743200" indent="0">
-              <a:buNone/>
-              <a:defRPr sz="900"/>
-            </a:lvl7pPr>
-            <a:lvl8pPr marL="3200400" indent="0">
-              <a:buNone/>
-              <a:defRPr sz="900"/>
-            </a:lvl8pPr>
-            <a:lvl9pPr marL="3657600" indent="0">
-              <a:buNone/>
-              <a:defRPr sz="900"/>
-            </a:lvl9pPr>
-          </a:lstStyle>
-          <a:p>
             <a:pPr lvl="0"/>
             <a:r>
               <a:rPr lang="en-US"/>
@@ -564,9 +539,9 @@
           <a:bodyPr/>
           <a:lstStyle/>
           <a:p>
-            <a:fld id="{4509A250-FF31-4206-8172-F9D3106AACB1}" type="datetimeFigureOut">
-              <a:rPr lang="en-US" dirty="0"/>
-              <a:t>02-Apr-23</a:t>
+            <a:fld id="{4AAD347D-5ACD-4C99-B74B-A9C85AD731AF}" type="datetimeFigureOut">
+              <a:rPr lang="en-US" smtClean="0"/>
+              <a:t>03-Apr-23</a:t>
             </a:fld>
             <a:endParaRPr lang="en-US" dirty="0"/>
           </a:p>
@@ -607,7 +582,7 @@
           <a:lstStyle/>
           <a:p>
             <a:fld id="{D57F1E4F-1CFF-5643-939E-02111984F565}" type="slidenum">
-              <a:rPr lang="en-US" dirty="0"/>
+              <a:rPr lang="en-US" smtClean="0"/>
               <a:t>‹#›</a:t>
             </a:fld>
             <a:endParaRPr lang="en-US" dirty="0"/>
@@ -615,10 +590,16 @@
         </p:txBody>
       </p:sp>
     </p:spTree>
+    <p:extLst>
+      <p:ext uri="{BB962C8B-B14F-4D97-AF65-F5344CB8AC3E}">
+        <p14:creationId xmlns:p14="http://schemas.microsoft.com/office/powerpoint/2010/main" val="4160839015"/>
+      </p:ext>
+    </p:extLst>
   </p:cSld>
   <p:clrMapOvr>
     <a:masterClrMapping/>
   </p:clrMapOvr>
+  <p:hf sldNum="0" hdr="0" ftr="0" dt="0"/>
 </p:sldLayout>
 </file>
 
@@ -651,15 +632,15 @@
         </p:nvSpPr>
         <p:spPr>
           <a:xfrm>
-            <a:off x="1154954" y="1447800"/>
-            <a:ext cx="8825659" cy="1981200"/>
-          </a:xfrm>
-        </p:spPr>
-        <p:txBody>
-          <a:bodyPr/>
+            <a:off x="913795" y="609600"/>
+            <a:ext cx="10353762" cy="3424859"/>
+          </a:xfrm>
+        </p:spPr>
+        <p:txBody>
+          <a:bodyPr anchor="ctr"/>
           <a:lstStyle>
             <a:lvl1pPr>
-              <a:defRPr sz="4800"/>
+              <a:defRPr sz="3200"/>
             </a:lvl1pPr>
           </a:lstStyle>
           <a:p>
@@ -673,7 +654,7 @@
       </p:sp>
       <p:sp>
         <p:nvSpPr>
-          <p:cNvPr id="8" name="Text Placeholder 3"/>
+          <p:cNvPr id="4" name="Text Placeholder 3"/>
           <p:cNvSpPr>
             <a:spLocks noGrp="1"/>
           </p:cNvSpPr>
@@ -683,50 +664,48 @@
         </p:nvSpPr>
         <p:spPr>
           <a:xfrm>
-            <a:off x="1154954" y="3657600"/>
-            <a:ext cx="8825659" cy="2362200"/>
-          </a:xfrm>
-        </p:spPr>
-        <p:txBody>
-          <a:bodyPr anchor="ctr">
-            <a:normAutofit/>
-          </a:bodyPr>
+            <a:off x="913795" y="4204820"/>
+            <a:ext cx="10353761" cy="1592186"/>
+          </a:xfrm>
+        </p:spPr>
+        <p:txBody>
+          <a:bodyPr anchor="ctr"/>
           <a:lstStyle>
-            <a:lvl1pPr marL="0" indent="0">
-              <a:buNone/>
-              <a:defRPr sz="1800"/>
+            <a:lvl1pPr marL="0" indent="0" algn="ctr">
+              <a:buNone/>
+              <a:defRPr sz="1600"/>
             </a:lvl1pPr>
             <a:lvl2pPr marL="457200" indent="0">
               <a:buNone/>
-              <a:defRPr sz="1200"/>
+              <a:defRPr sz="1400"/>
             </a:lvl2pPr>
             <a:lvl3pPr marL="914400" indent="0">
               <a:buNone/>
-              <a:defRPr sz="1000"/>
+              <a:defRPr sz="1200"/>
             </a:lvl3pPr>
             <a:lvl4pPr marL="1371600" indent="0">
               <a:buNone/>
-              <a:defRPr sz="900"/>
+              <a:defRPr sz="1000"/>
             </a:lvl4pPr>
             <a:lvl5pPr marL="1828800" indent="0">
               <a:buNone/>
-              <a:defRPr sz="900"/>
+              <a:defRPr sz="1000"/>
             </a:lvl5pPr>
             <a:lvl6pPr marL="2286000" indent="0">
               <a:buNone/>
-              <a:defRPr sz="900"/>
+              <a:defRPr sz="1000"/>
             </a:lvl6pPr>
             <a:lvl7pPr marL="2743200" indent="0">
               <a:buNone/>
-              <a:defRPr sz="900"/>
+              <a:defRPr sz="1000"/>
             </a:lvl7pPr>
             <a:lvl8pPr marL="3200400" indent="0">
               <a:buNone/>
-              <a:defRPr sz="900"/>
+              <a:defRPr sz="1000"/>
             </a:lvl8pPr>
             <a:lvl9pPr marL="3657600" indent="0">
               <a:buNone/>
-              <a:defRPr sz="900"/>
+              <a:defRPr sz="1000"/>
             </a:lvl9pPr>
           </a:lstStyle>
           <a:p>
@@ -740,7 +719,7 @@
       </p:sp>
       <p:sp>
         <p:nvSpPr>
-          <p:cNvPr id="4" name="Date Placeholder 3"/>
+          <p:cNvPr id="5" name="Date Placeholder 4"/>
           <p:cNvSpPr>
             <a:spLocks noGrp="1"/>
           </p:cNvSpPr>
@@ -753,9 +732,9 @@
           <a:bodyPr/>
           <a:lstStyle/>
           <a:p>
-            <a:fld id="{4509A250-FF31-4206-8172-F9D3106AACB1}" type="datetimeFigureOut">
-              <a:rPr lang="en-US" dirty="0"/>
-              <a:t>02-Apr-23</a:t>
+            <a:fld id="{4AAD347D-5ACD-4C99-B74B-A9C85AD731AF}" type="datetimeFigureOut">
+              <a:rPr lang="en-US" smtClean="0"/>
+              <a:t>03-Apr-23</a:t>
             </a:fld>
             <a:endParaRPr lang="en-US" dirty="0"/>
           </a:p>
@@ -763,7 +742,7 @@
       </p:sp>
       <p:sp>
         <p:nvSpPr>
-          <p:cNvPr id="5" name="Footer Placeholder 4"/>
+          <p:cNvPr id="6" name="Footer Placeholder 5"/>
           <p:cNvSpPr>
             <a:spLocks noGrp="1"/>
           </p:cNvSpPr>
@@ -782,7 +761,7 @@
       </p:sp>
       <p:sp>
         <p:nvSpPr>
-          <p:cNvPr id="6" name="Slide Number Placeholder 5"/>
+          <p:cNvPr id="7" name="Slide Number Placeholder 6"/>
           <p:cNvSpPr>
             <a:spLocks noGrp="1"/>
           </p:cNvSpPr>
@@ -796,7 +775,7 @@
           <a:lstStyle/>
           <a:p>
             <a:fld id="{D57F1E4F-1CFF-5643-939E-02111984F565}" type="slidenum">
-              <a:rPr lang="en-US" dirty="0"/>
+              <a:rPr lang="en-US" smtClean="0"/>
               <a:t>‹#›</a:t>
             </a:fld>
             <a:endParaRPr lang="en-US" dirty="0"/>
@@ -804,10 +783,16 @@
         </p:txBody>
       </p:sp>
     </p:spTree>
+    <p:extLst>
+      <p:ext uri="{BB962C8B-B14F-4D97-AF65-F5344CB8AC3E}">
+        <p14:creationId xmlns:p14="http://schemas.microsoft.com/office/powerpoint/2010/main" val="123011233"/>
+      </p:ext>
+    </p:extLst>
   </p:cSld>
   <p:clrMapOvr>
     <a:masterClrMapping/>
   </p:clrMapOvr>
+  <p:hf sldNum="0" hdr="0" ftr="0" dt="0"/>
 </p:sldLayout>
 </file>
 
@@ -840,15 +825,15 @@
         </p:nvSpPr>
         <p:spPr>
           <a:xfrm>
-            <a:off x="1574801" y="1447800"/>
-            <a:ext cx="7999315" cy="2323374"/>
-          </a:xfrm>
-        </p:spPr>
-        <p:txBody>
-          <a:bodyPr/>
+            <a:off x="1446212" y="609600"/>
+            <a:ext cx="9302752" cy="2992904"/>
+          </a:xfrm>
+        </p:spPr>
+        <p:txBody>
+          <a:bodyPr anchor="ctr"/>
           <a:lstStyle>
             <a:lvl1pPr>
-              <a:defRPr sz="4800"/>
+              <a:defRPr sz="3200"/>
             </a:lvl1pPr>
           </a:lstStyle>
           <a:p>
@@ -862,7 +847,7 @@
       </p:sp>
       <p:sp>
         <p:nvSpPr>
-          <p:cNvPr id="14" name="Text Placeholder 3"/>
+          <p:cNvPr id="12" name="Text Placeholder 3"/>
           <p:cNvSpPr>
             <a:spLocks noGrp="1"/>
           </p:cNvSpPr>
@@ -872,8 +857,8 @@
         </p:nvSpPr>
         <p:spPr>
           <a:xfrm>
-            <a:off x="1930400" y="3771174"/>
-            <a:ext cx="7385828" cy="342174"/>
+            <a:off x="1720644" y="3610032"/>
+            <a:ext cx="8752299" cy="426812"/>
           </a:xfrm>
         </p:spPr>
         <p:txBody>
@@ -881,48 +866,41 @@
             <a:normAutofit/>
           </a:bodyPr>
           <a:lstStyle>
-            <a:lvl1pPr marL="0" indent="0">
-              <a:buNone/>
-              <a:defRPr lang="en-US" sz="1400" b="0" i="0" kern="1200" cap="small" dirty="0">
-                <a:solidFill>
-                  <a:schemeClr val="accent1"/>
-                </a:solidFill>
-                <a:latin typeface="+mj-lt"/>
-                <a:ea typeface="+mj-ea"/>
-                <a:cs typeface="+mj-cs"/>
-              </a:defRPr>
+            <a:lvl1pPr marL="0" indent="0" algn="r">
+              <a:buNone/>
+              <a:defRPr sz="1400"/>
             </a:lvl1pPr>
             <a:lvl2pPr marL="457200" indent="0">
               <a:buNone/>
-              <a:defRPr sz="1200"/>
+              <a:defRPr sz="1400"/>
             </a:lvl2pPr>
             <a:lvl3pPr marL="914400" indent="0">
               <a:buNone/>
-              <a:defRPr sz="1000"/>
+              <a:defRPr sz="1200"/>
             </a:lvl3pPr>
             <a:lvl4pPr marL="1371600" indent="0">
               <a:buNone/>
-              <a:defRPr sz="900"/>
+              <a:defRPr sz="1000"/>
             </a:lvl4pPr>
             <a:lvl5pPr marL="1828800" indent="0">
               <a:buNone/>
-              <a:defRPr sz="900"/>
+              <a:defRPr sz="1000"/>
             </a:lvl5pPr>
             <a:lvl6pPr marL="2286000" indent="0">
               <a:buNone/>
-              <a:defRPr sz="900"/>
+              <a:defRPr sz="1000"/>
             </a:lvl6pPr>
             <a:lvl7pPr marL="2743200" indent="0">
               <a:buNone/>
-              <a:defRPr sz="900"/>
+              <a:defRPr sz="1000"/>
             </a:lvl7pPr>
             <a:lvl8pPr marL="3200400" indent="0">
               <a:buNone/>
-              <a:defRPr sz="900"/>
+              <a:defRPr sz="1000"/>
             </a:lvl8pPr>
             <a:lvl9pPr marL="3657600" indent="0">
               <a:buNone/>
-              <a:defRPr sz="900"/>
+              <a:defRPr sz="1000"/>
             </a:lvl9pPr>
           </a:lstStyle>
           <a:p>
@@ -936,7 +914,7 @@
       </p:sp>
       <p:sp>
         <p:nvSpPr>
-          <p:cNvPr id="10" name="Text Placeholder 3"/>
+          <p:cNvPr id="4" name="Text Placeholder 3"/>
           <p:cNvSpPr>
             <a:spLocks noGrp="1"/>
           </p:cNvSpPr>
@@ -946,8 +924,8 @@
         </p:nvSpPr>
         <p:spPr>
           <a:xfrm>
-            <a:off x="1154954" y="4350657"/>
-            <a:ext cx="8825659" cy="1676400"/>
+            <a:off x="913794" y="4204821"/>
+            <a:ext cx="10353762" cy="1586380"/>
           </a:xfrm>
         </p:spPr>
         <p:txBody>
@@ -955,41 +933,41 @@
             <a:normAutofit/>
           </a:bodyPr>
           <a:lstStyle>
-            <a:lvl1pPr marL="0" indent="0">
-              <a:buNone/>
-              <a:defRPr sz="1800"/>
+            <a:lvl1pPr marL="0" indent="0" algn="ctr">
+              <a:buNone/>
+              <a:defRPr sz="1600"/>
             </a:lvl1pPr>
             <a:lvl2pPr marL="457200" indent="0">
               <a:buNone/>
-              <a:defRPr sz="1200"/>
+              <a:defRPr sz="1400"/>
             </a:lvl2pPr>
             <a:lvl3pPr marL="914400" indent="0">
               <a:buNone/>
-              <a:defRPr sz="1000"/>
+              <a:defRPr sz="1200"/>
             </a:lvl3pPr>
             <a:lvl4pPr marL="1371600" indent="0">
               <a:buNone/>
-              <a:defRPr sz="900"/>
+              <a:defRPr sz="1000"/>
             </a:lvl4pPr>
             <a:lvl5pPr marL="1828800" indent="0">
               <a:buNone/>
-              <a:defRPr sz="900"/>
+              <a:defRPr sz="1000"/>
             </a:lvl5pPr>
             <a:lvl6pPr marL="2286000" indent="0">
               <a:buNone/>
-              <a:defRPr sz="900"/>
+              <a:defRPr sz="1000"/>
             </a:lvl6pPr>
             <a:lvl7pPr marL="2743200" indent="0">
               <a:buNone/>
-              <a:defRPr sz="900"/>
+              <a:defRPr sz="1000"/>
             </a:lvl7pPr>
             <a:lvl8pPr marL="3200400" indent="0">
               <a:buNone/>
-              <a:defRPr sz="900"/>
+              <a:defRPr sz="1000"/>
             </a:lvl8pPr>
             <a:lvl9pPr marL="3657600" indent="0">
               <a:buNone/>
-              <a:defRPr sz="900"/>
+              <a:defRPr sz="1000"/>
             </a:lvl9pPr>
           </a:lstStyle>
           <a:p>
@@ -1003,7 +981,7 @@
       </p:sp>
       <p:sp>
         <p:nvSpPr>
-          <p:cNvPr id="4" name="Date Placeholder 3"/>
+          <p:cNvPr id="5" name="Date Placeholder 4"/>
           <p:cNvSpPr>
             <a:spLocks noGrp="1"/>
           </p:cNvSpPr>
@@ -1016,9 +994,9 @@
           <a:bodyPr/>
           <a:lstStyle/>
           <a:p>
-            <a:fld id="{4509A250-FF31-4206-8172-F9D3106AACB1}" type="datetimeFigureOut">
-              <a:rPr lang="en-US" dirty="0"/>
-              <a:t>02-Apr-23</a:t>
+            <a:fld id="{4AAD347D-5ACD-4C99-B74B-A9C85AD731AF}" type="datetimeFigureOut">
+              <a:rPr lang="en-US" smtClean="0"/>
+              <a:t>03-Apr-23</a:t>
             </a:fld>
             <a:endParaRPr lang="en-US" dirty="0"/>
           </a:p>
@@ -1026,7 +1004,7 @@
       </p:sp>
       <p:sp>
         <p:nvSpPr>
-          <p:cNvPr id="5" name="Footer Placeholder 4"/>
+          <p:cNvPr id="6" name="Footer Placeholder 5"/>
           <p:cNvSpPr>
             <a:spLocks noGrp="1"/>
           </p:cNvSpPr>
@@ -1045,7 +1023,7 @@
       </p:sp>
       <p:sp>
         <p:nvSpPr>
-          <p:cNvPr id="6" name="Slide Number Placeholder 5"/>
+          <p:cNvPr id="7" name="Slide Number Placeholder 6"/>
           <p:cNvSpPr>
             <a:spLocks noGrp="1"/>
           </p:cNvSpPr>
@@ -1059,7 +1037,7 @@
           <a:lstStyle/>
           <a:p>
             <a:fld id="{D57F1E4F-1CFF-5643-939E-02111984F565}" type="slidenum">
-              <a:rPr lang="en-US" dirty="0"/>
+              <a:rPr lang="en-US" smtClean="0"/>
               <a:t>‹#›</a:t>
             </a:fld>
             <a:endParaRPr lang="en-US" dirty="0"/>
@@ -1074,37 +1052,109 @@
         </p:nvSpPr>
         <p:spPr>
           <a:xfrm>
-            <a:off x="898295" y="971253"/>
-            <a:ext cx="801912" cy="1969770"/>
+            <a:off x="836612" y="735241"/>
+            <a:ext cx="609600" cy="584776"/>
           </a:xfrm>
           <a:prstGeom prst="rect">
             <a:avLst/>
           </a:prstGeom>
-          <a:noFill/>
-        </p:spPr>
-        <p:txBody>
-          <a:bodyPr wrap="square" rtlCol="0">
-            <a:spAutoFit/>
+        </p:spPr>
+        <p:txBody>
+          <a:bodyPr vert="horz" lIns="91440" tIns="45720" rIns="91440" bIns="45720" rtlCol="0" anchor="ctr">
+            <a:noAutofit/>
           </a:bodyPr>
           <a:lstStyle>
-            <a:defPPr>
-              <a:defRPr lang="en-US"/>
-            </a:defPPr>
-            <a:lvl1pPr algn="r">
-              <a:defRPr sz="12200" b="0" i="0">
-                <a:solidFill>
-                  <a:schemeClr val="accent1"/>
-                </a:solidFill>
-                <a:latin typeface="Arial"/>
-                <a:ea typeface="+mj-ea"/>
-                <a:cs typeface="+mj-cs"/>
+            <a:lvl1pPr>
+              <a:spcBef>
+                <a:spcPct val="0"/>
+              </a:spcBef>
+              <a:buNone/>
+              <a:defRPr sz="3200" b="0" cap="all">
+                <a:ln w="3175" cmpd="sng">
+                  <a:noFill/>
+                </a:ln>
+                <a:effectLst>
+                  <a:glow rad="38100">
+                    <a:schemeClr val="bg1">
+                      <a:lumMod val="65000"/>
+                      <a:lumOff val="35000"/>
+                      <a:alpha val="40000"/>
+                    </a:schemeClr>
+                  </a:glow>
+                  <a:outerShdw blurRad="28575" dist="38100" dir="14040000" algn="tl" rotWithShape="0">
+                    <a:srgbClr val="000000">
+                      <a:alpha val="25000"/>
+                    </a:srgbClr>
+                  </a:outerShdw>
+                </a:effectLst>
               </a:defRPr>
             </a:lvl1pPr>
+            <a:lvl2pPr>
+              <a:defRPr>
+                <a:solidFill>
+                  <a:schemeClr val="tx2"/>
+                </a:solidFill>
+              </a:defRPr>
+            </a:lvl2pPr>
+            <a:lvl3pPr>
+              <a:defRPr>
+                <a:solidFill>
+                  <a:schemeClr val="tx2"/>
+                </a:solidFill>
+              </a:defRPr>
+            </a:lvl3pPr>
+            <a:lvl4pPr>
+              <a:defRPr>
+                <a:solidFill>
+                  <a:schemeClr val="tx2"/>
+                </a:solidFill>
+              </a:defRPr>
+            </a:lvl4pPr>
+            <a:lvl5pPr>
+              <a:defRPr>
+                <a:solidFill>
+                  <a:schemeClr val="tx2"/>
+                </a:solidFill>
+              </a:defRPr>
+            </a:lvl5pPr>
+            <a:lvl6pPr>
+              <a:defRPr>
+                <a:solidFill>
+                  <a:schemeClr val="tx2"/>
+                </a:solidFill>
+              </a:defRPr>
+            </a:lvl6pPr>
+            <a:lvl7pPr>
+              <a:defRPr>
+                <a:solidFill>
+                  <a:schemeClr val="tx2"/>
+                </a:solidFill>
+              </a:defRPr>
+            </a:lvl7pPr>
+            <a:lvl8pPr>
+              <a:defRPr>
+                <a:solidFill>
+                  <a:schemeClr val="tx2"/>
+                </a:solidFill>
+              </a:defRPr>
+            </a:lvl8pPr>
+            <a:lvl9pPr>
+              <a:defRPr>
+                <a:solidFill>
+                  <a:schemeClr val="tx2"/>
+                </a:solidFill>
+              </a:defRPr>
+            </a:lvl9pPr>
           </a:lstStyle>
           <a:p>
             <a:pPr lvl="0"/>
             <a:r>
-              <a:rPr lang="en-US" dirty="0"/>
+              <a:rPr lang="en-US" sz="8000" dirty="0">
+                <a:solidFill>
+                  <a:schemeClr val="tx1"/>
+                </a:solidFill>
+                <a:effectLst/>
+              </a:rPr>
               <a:t>“</a:t>
             </a:r>
           </a:p>
@@ -1118,47 +1168,125 @@
         </p:nvSpPr>
         <p:spPr>
           <a:xfrm>
-            <a:off x="9330490" y="2613787"/>
-            <a:ext cx="801912" cy="1969770"/>
+            <a:off x="10657956" y="2972093"/>
+            <a:ext cx="609600" cy="584776"/>
           </a:xfrm>
           <a:prstGeom prst="rect">
             <a:avLst/>
           </a:prstGeom>
-          <a:noFill/>
-        </p:spPr>
-        <p:txBody>
-          <a:bodyPr wrap="square" rtlCol="0">
-            <a:spAutoFit/>
+        </p:spPr>
+        <p:txBody>
+          <a:bodyPr vert="horz" lIns="91440" tIns="45720" rIns="91440" bIns="45720" rtlCol="0" anchor="ctr">
+            <a:noAutofit/>
           </a:bodyPr>
           <a:lstStyle>
-            <a:defPPr>
-              <a:defRPr lang="en-US"/>
-            </a:defPPr>
-            <a:lvl1pPr algn="r">
-              <a:defRPr sz="12200" b="0" i="0">
-                <a:solidFill>
-                  <a:schemeClr val="accent1"/>
-                </a:solidFill>
-                <a:latin typeface="Arial"/>
-                <a:ea typeface="+mj-ea"/>
-                <a:cs typeface="+mj-cs"/>
+            <a:lvl1pPr>
+              <a:spcBef>
+                <a:spcPct val="0"/>
+              </a:spcBef>
+              <a:buNone/>
+              <a:defRPr sz="3200" b="0" cap="all">
+                <a:ln w="3175" cmpd="sng">
+                  <a:noFill/>
+                </a:ln>
+                <a:effectLst>
+                  <a:glow rad="38100">
+                    <a:schemeClr val="bg1">
+                      <a:lumMod val="65000"/>
+                      <a:lumOff val="35000"/>
+                      <a:alpha val="40000"/>
+                    </a:schemeClr>
+                  </a:glow>
+                  <a:outerShdw blurRad="28575" dist="38100" dir="14040000" algn="tl" rotWithShape="0">
+                    <a:srgbClr val="000000">
+                      <a:alpha val="25000"/>
+                    </a:srgbClr>
+                  </a:outerShdw>
+                </a:effectLst>
               </a:defRPr>
             </a:lvl1pPr>
+            <a:lvl2pPr>
+              <a:defRPr>
+                <a:solidFill>
+                  <a:schemeClr val="tx2"/>
+                </a:solidFill>
+              </a:defRPr>
+            </a:lvl2pPr>
+            <a:lvl3pPr>
+              <a:defRPr>
+                <a:solidFill>
+                  <a:schemeClr val="tx2"/>
+                </a:solidFill>
+              </a:defRPr>
+            </a:lvl3pPr>
+            <a:lvl4pPr>
+              <a:defRPr>
+                <a:solidFill>
+                  <a:schemeClr val="tx2"/>
+                </a:solidFill>
+              </a:defRPr>
+            </a:lvl4pPr>
+            <a:lvl5pPr>
+              <a:defRPr>
+                <a:solidFill>
+                  <a:schemeClr val="tx2"/>
+                </a:solidFill>
+              </a:defRPr>
+            </a:lvl5pPr>
+            <a:lvl6pPr>
+              <a:defRPr>
+                <a:solidFill>
+                  <a:schemeClr val="tx2"/>
+                </a:solidFill>
+              </a:defRPr>
+            </a:lvl6pPr>
+            <a:lvl7pPr>
+              <a:defRPr>
+                <a:solidFill>
+                  <a:schemeClr val="tx2"/>
+                </a:solidFill>
+              </a:defRPr>
+            </a:lvl7pPr>
+            <a:lvl8pPr>
+              <a:defRPr>
+                <a:solidFill>
+                  <a:schemeClr val="tx2"/>
+                </a:solidFill>
+              </a:defRPr>
+            </a:lvl8pPr>
+            <a:lvl9pPr>
+              <a:defRPr>
+                <a:solidFill>
+                  <a:schemeClr val="tx2"/>
+                </a:solidFill>
+              </a:defRPr>
+            </a:lvl9pPr>
           </a:lstStyle>
           <a:p>
-            <a:pPr lvl="0"/>
-            <a:r>
-              <a:rPr lang="en-US" dirty="0"/>
+            <a:pPr lvl="0" algn="r"/>
+            <a:r>
+              <a:rPr lang="en-US" sz="8000" dirty="0">
+                <a:solidFill>
+                  <a:schemeClr val="tx1"/>
+                </a:solidFill>
+                <a:effectLst/>
+              </a:rPr>
               <a:t>”</a:t>
             </a:r>
           </a:p>
         </p:txBody>
       </p:sp>
     </p:spTree>
+    <p:extLst>
+      <p:ext uri="{BB962C8B-B14F-4D97-AF65-F5344CB8AC3E}">
+        <p14:creationId xmlns:p14="http://schemas.microsoft.com/office/powerpoint/2010/main" val="4046036365"/>
+      </p:ext>
+    </p:extLst>
   </p:cSld>
   <p:clrMapOvr>
     <a:masterClrMapping/>
   </p:clrMapOvr>
+  <p:hf sldNum="0" hdr="0" ftr="0" dt="0"/>
 </p:sldLayout>
 </file>
 
@@ -1191,15 +1319,15 @@
         </p:nvSpPr>
         <p:spPr>
           <a:xfrm>
-            <a:off x="1154954" y="3124201"/>
-            <a:ext cx="8825659" cy="1653180"/>
+            <a:off x="913806" y="2126942"/>
+            <a:ext cx="10355327" cy="2511835"/>
           </a:xfrm>
         </p:spPr>
         <p:txBody>
           <a:bodyPr anchor="b"/>
           <a:lstStyle>
-            <a:lvl1pPr algn="l">
-              <a:defRPr sz="4000" b="0" cap="none"/>
+            <a:lvl1pPr>
+              <a:defRPr sz="3200"/>
             </a:lvl1pPr>
           </a:lstStyle>
           <a:p>
@@ -1213,110 +1341,58 @@
       </p:sp>
       <p:sp>
         <p:nvSpPr>
-          <p:cNvPr id="3" name="Text Placeholder 2"/>
-          <p:cNvSpPr>
-            <a:spLocks noGrp="1"/>
-          </p:cNvSpPr>
-          <p:nvPr>
-            <p:ph type="body" idx="1"/>
-          </p:nvPr>
-        </p:nvSpPr>
-        <p:spPr>
-          <a:xfrm>
-            <a:off x="1154955" y="4777381"/>
-            <a:ext cx="8825658" cy="860400"/>
+          <p:cNvPr id="4" name="Text Placeholder 3"/>
+          <p:cNvSpPr>
+            <a:spLocks noGrp="1"/>
+          </p:cNvSpPr>
+          <p:nvPr>
+            <p:ph type="body" sz="half" idx="2"/>
+          </p:nvPr>
+        </p:nvSpPr>
+        <p:spPr>
+          <a:xfrm>
+            <a:off x="913794" y="4650556"/>
+            <a:ext cx="10353763" cy="1140644"/>
           </a:xfrm>
         </p:spPr>
         <p:txBody>
           <a:bodyPr anchor="t"/>
           <a:lstStyle>
-            <a:lvl1pPr marL="0" indent="0" algn="l">
-              <a:buNone/>
-              <a:defRPr sz="2000" cap="none">
-                <a:solidFill>
-                  <a:schemeClr val="accent1"/>
-                </a:solidFill>
-              </a:defRPr>
+            <a:lvl1pPr marL="0" indent="0" algn="ctr">
+              <a:buNone/>
+              <a:defRPr sz="1600"/>
             </a:lvl1pPr>
             <a:lvl2pPr marL="457200" indent="0">
               <a:buNone/>
-              <a:defRPr sz="1800">
-                <a:solidFill>
-                  <a:schemeClr val="tx1">
-                    <a:tint val="75000"/>
-                  </a:schemeClr>
-                </a:solidFill>
-              </a:defRPr>
+              <a:defRPr sz="1400"/>
             </a:lvl2pPr>
             <a:lvl3pPr marL="914400" indent="0">
               <a:buNone/>
-              <a:defRPr sz="1600">
-                <a:solidFill>
-                  <a:schemeClr val="tx1">
-                    <a:tint val="75000"/>
-                  </a:schemeClr>
-                </a:solidFill>
-              </a:defRPr>
+              <a:defRPr sz="1200"/>
             </a:lvl3pPr>
             <a:lvl4pPr marL="1371600" indent="0">
               <a:buNone/>
-              <a:defRPr sz="1400">
-                <a:solidFill>
-                  <a:schemeClr val="tx1">
-                    <a:tint val="75000"/>
-                  </a:schemeClr>
-                </a:solidFill>
-              </a:defRPr>
+              <a:defRPr sz="1000"/>
             </a:lvl4pPr>
             <a:lvl5pPr marL="1828800" indent="0">
               <a:buNone/>
-              <a:defRPr sz="1400">
-                <a:solidFill>
-                  <a:schemeClr val="tx1">
-                    <a:tint val="75000"/>
-                  </a:schemeClr>
-                </a:solidFill>
-              </a:defRPr>
+              <a:defRPr sz="1000"/>
             </a:lvl5pPr>
             <a:lvl6pPr marL="2286000" indent="0">
               <a:buNone/>
-              <a:defRPr sz="1400">
-                <a:solidFill>
-                  <a:schemeClr val="tx1">
-                    <a:tint val="75000"/>
-                  </a:schemeClr>
-                </a:solidFill>
-              </a:defRPr>
+              <a:defRPr sz="1000"/>
             </a:lvl6pPr>
             <a:lvl7pPr marL="2743200" indent="0">
               <a:buNone/>
-              <a:defRPr sz="1400">
-                <a:solidFill>
-                  <a:schemeClr val="tx1">
-                    <a:tint val="75000"/>
-                  </a:schemeClr>
-                </a:solidFill>
-              </a:defRPr>
+              <a:defRPr sz="1000"/>
             </a:lvl7pPr>
             <a:lvl8pPr marL="3200400" indent="0">
               <a:buNone/>
-              <a:defRPr sz="1400">
-                <a:solidFill>
-                  <a:schemeClr val="tx1">
-                    <a:tint val="75000"/>
-                  </a:schemeClr>
-                </a:solidFill>
-              </a:defRPr>
+              <a:defRPr sz="1000"/>
             </a:lvl8pPr>
             <a:lvl9pPr marL="3657600" indent="0">
               <a:buNone/>
-              <a:defRPr sz="1400">
-                <a:solidFill>
-                  <a:schemeClr val="tx1">
-                    <a:tint val="75000"/>
-                  </a:schemeClr>
-                </a:solidFill>
-              </a:defRPr>
+              <a:defRPr sz="1000"/>
             </a:lvl9pPr>
           </a:lstStyle>
           <a:p>
@@ -1330,7 +1406,7 @@
       </p:sp>
       <p:sp>
         <p:nvSpPr>
-          <p:cNvPr id="4" name="Date Placeholder 3"/>
+          <p:cNvPr id="5" name="Date Placeholder 4"/>
           <p:cNvSpPr>
             <a:spLocks noGrp="1"/>
           </p:cNvSpPr>
@@ -1343,9 +1419,9 @@
           <a:bodyPr/>
           <a:lstStyle/>
           <a:p>
-            <a:fld id="{4509A250-FF31-4206-8172-F9D3106AACB1}" type="datetimeFigureOut">
-              <a:rPr lang="en-US" dirty="0"/>
-              <a:t>02-Apr-23</a:t>
+            <a:fld id="{4AAD347D-5ACD-4C99-B74B-A9C85AD731AF}" type="datetimeFigureOut">
+              <a:rPr lang="en-US" smtClean="0"/>
+              <a:t>03-Apr-23</a:t>
             </a:fld>
             <a:endParaRPr lang="en-US" dirty="0"/>
           </a:p>
@@ -1353,7 +1429,7 @@
       </p:sp>
       <p:sp>
         <p:nvSpPr>
-          <p:cNvPr id="5" name="Footer Placeholder 4"/>
+          <p:cNvPr id="6" name="Footer Placeholder 5"/>
           <p:cNvSpPr>
             <a:spLocks noGrp="1"/>
           </p:cNvSpPr>
@@ -1372,7 +1448,7 @@
       </p:sp>
       <p:sp>
         <p:nvSpPr>
-          <p:cNvPr id="6" name="Slide Number Placeholder 5"/>
+          <p:cNvPr id="7" name="Slide Number Placeholder 6"/>
           <p:cNvSpPr>
             <a:spLocks noGrp="1"/>
           </p:cNvSpPr>
@@ -1386,7 +1462,7 @@
           <a:lstStyle/>
           <a:p>
             <a:fld id="{D57F1E4F-1CFF-5643-939E-02111984F565}" type="slidenum">
-              <a:rPr lang="en-US" dirty="0"/>
+              <a:rPr lang="en-US" smtClean="0"/>
               <a:t>‹#›</a:t>
             </a:fld>
             <a:endParaRPr lang="en-US" dirty="0"/>
@@ -1394,10 +1470,16 @@
         </p:txBody>
       </p:sp>
     </p:spTree>
+    <p:extLst>
+      <p:ext uri="{BB962C8B-B14F-4D97-AF65-F5344CB8AC3E}">
+        <p14:creationId xmlns:p14="http://schemas.microsoft.com/office/powerpoint/2010/main" val="1202317760"/>
+      </p:ext>
+    </p:extLst>
   </p:cSld>
   <p:clrMapOvr>
     <a:masterClrMapping/>
   </p:clrMapOvr>
+  <p:hf sldNum="0" hdr="0" ftr="0" dt="0"/>
 </p:sldLayout>
 </file>
 
@@ -1420,7 +1502,7 @@
       </p:grpSpPr>
       <p:sp>
         <p:nvSpPr>
-          <p:cNvPr id="2" name="Title 1"/>
+          <p:cNvPr id="15" name="Title 1"/>
           <p:cNvSpPr>
             <a:spLocks noGrp="1"/>
           </p:cNvSpPr>
@@ -1428,14 +1510,15 @@
             <p:ph type="title"/>
           </p:nvPr>
         </p:nvSpPr>
-        <p:spPr/>
+        <p:spPr>
+          <a:xfrm>
+            <a:off x="913794" y="609600"/>
+            <a:ext cx="10353762" cy="1325563"/>
+          </a:xfrm>
+        </p:spPr>
         <p:txBody>
           <a:bodyPr/>
-          <a:lstStyle>
-            <a:lvl1pPr>
-              <a:defRPr sz="4200"/>
-            </a:lvl1pPr>
-          </a:lstStyle>
+          <a:lstStyle/>
           <a:p>
             <a:r>
               <a:rPr lang="en-US"/>
@@ -1447,7 +1530,7 @@
       </p:sp>
       <p:sp>
         <p:nvSpPr>
-          <p:cNvPr id="3" name="Text Placeholder 2"/>
+          <p:cNvPr id="7" name="Text Placeholder 2"/>
           <p:cNvSpPr>
             <a:spLocks noGrp="1"/>
           </p:cNvSpPr>
@@ -1457,8 +1540,8 @@
         </p:nvSpPr>
         <p:spPr>
           <a:xfrm>
-            <a:off x="632947" y="1981200"/>
-            <a:ext cx="2946866" cy="576262"/>
+            <a:off x="913794" y="2088319"/>
+            <a:ext cx="3298956" cy="823305"/>
           </a:xfrm>
         </p:spPr>
         <p:txBody>
@@ -1466,11 +1549,14 @@
             <a:noAutofit/>
           </a:bodyPr>
           <a:lstStyle>
-            <a:lvl1pPr marL="0" indent="0">
+            <a:lvl1pPr marL="0" indent="0" algn="ctr">
+              <a:lnSpc>
+                <a:spcPct val="100000"/>
+              </a:lnSpc>
               <a:buNone/>
               <a:defRPr sz="2400" b="0">
                 <a:solidFill>
-                  <a:schemeClr val="accent1"/>
+                  <a:schemeClr val="tx1"/>
                 </a:solidFill>
               </a:defRPr>
             </a:lvl1pPr>
@@ -1518,7 +1604,7 @@
       </p:sp>
       <p:sp>
         <p:nvSpPr>
-          <p:cNvPr id="16" name="Text Placeholder 3"/>
+          <p:cNvPr id="8" name="Text Placeholder 3"/>
           <p:cNvSpPr>
             <a:spLocks noGrp="1"/>
           </p:cNvSpPr>
@@ -1528,8 +1614,8 @@
         </p:nvSpPr>
         <p:spPr>
           <a:xfrm>
-            <a:off x="652463" y="2667000"/>
-            <a:ext cx="2927350" cy="3589338"/>
+            <a:off x="913794" y="2911624"/>
+            <a:ext cx="3298956" cy="2879576"/>
           </a:xfrm>
         </p:spPr>
         <p:txBody>
@@ -1537,7 +1623,7 @@
             <a:normAutofit/>
           </a:bodyPr>
           <a:lstStyle>
-            <a:lvl1pPr marL="0" indent="0">
+            <a:lvl1pPr marL="0" indent="0" algn="ctr">
               <a:buNone/>
               <a:defRPr sz="1400"/>
             </a:lvl1pPr>
@@ -1585,7 +1671,7 @@
       </p:sp>
       <p:sp>
         <p:nvSpPr>
-          <p:cNvPr id="5" name="Text Placeholder 4"/>
+          <p:cNvPr id="9" name="Text Placeholder 4"/>
           <p:cNvSpPr>
             <a:spLocks noGrp="1"/>
           </p:cNvSpPr>
@@ -1595,8 +1681,8 @@
         </p:nvSpPr>
         <p:spPr>
           <a:xfrm>
-            <a:off x="3883659" y="1981200"/>
-            <a:ext cx="2936241" cy="576262"/>
+            <a:off x="4444878" y="2088320"/>
+            <a:ext cx="3298558" cy="823304"/>
           </a:xfrm>
         </p:spPr>
         <p:txBody>
@@ -1604,11 +1690,14 @@
             <a:noAutofit/>
           </a:bodyPr>
           <a:lstStyle>
-            <a:lvl1pPr marL="0" indent="0">
+            <a:lvl1pPr marL="0" indent="0" algn="ctr">
+              <a:lnSpc>
+                <a:spcPct val="100000"/>
+              </a:lnSpc>
               <a:buNone/>
               <a:defRPr sz="2400" b="0">
                 <a:solidFill>
-                  <a:schemeClr val="accent1"/>
+                  <a:schemeClr val="tx1"/>
                 </a:solidFill>
               </a:defRPr>
             </a:lvl1pPr>
@@ -1656,7 +1745,7 @@
       </p:sp>
       <p:sp>
         <p:nvSpPr>
-          <p:cNvPr id="19" name="Text Placeholder 3"/>
+          <p:cNvPr id="10" name="Text Placeholder 3"/>
           <p:cNvSpPr>
             <a:spLocks noGrp="1"/>
           </p:cNvSpPr>
@@ -1666,8 +1755,8 @@
         </p:nvSpPr>
         <p:spPr>
           <a:xfrm>
-            <a:off x="3873106" y="2667000"/>
-            <a:ext cx="2946794" cy="3589338"/>
+            <a:off x="4444878" y="2911624"/>
+            <a:ext cx="3299821" cy="2879576"/>
           </a:xfrm>
         </p:spPr>
         <p:txBody>
@@ -1675,7 +1764,7 @@
             <a:normAutofit/>
           </a:bodyPr>
           <a:lstStyle>
-            <a:lvl1pPr marL="0" indent="0">
+            <a:lvl1pPr marL="0" indent="0" algn="ctr">
               <a:buNone/>
               <a:defRPr sz="1400"/>
             </a:lvl1pPr>
@@ -1723,7 +1812,7 @@
       </p:sp>
       <p:sp>
         <p:nvSpPr>
-          <p:cNvPr id="14" name="Text Placeholder 4"/>
+          <p:cNvPr id="11" name="Text Placeholder 4"/>
           <p:cNvSpPr>
             <a:spLocks noGrp="1"/>
           </p:cNvSpPr>
@@ -1733,8 +1822,8 @@
         </p:nvSpPr>
         <p:spPr>
           <a:xfrm>
-            <a:off x="7124700" y="1981200"/>
-            <a:ext cx="2932113" cy="576262"/>
+            <a:off x="7973298" y="2088320"/>
+            <a:ext cx="3291211" cy="823304"/>
           </a:xfrm>
         </p:spPr>
         <p:txBody>
@@ -1742,11 +1831,14 @@
             <a:noAutofit/>
           </a:bodyPr>
           <a:lstStyle>
-            <a:lvl1pPr marL="0" indent="0">
+            <a:lvl1pPr marL="0" indent="0" algn="ctr">
+              <a:lnSpc>
+                <a:spcPct val="100000"/>
+              </a:lnSpc>
               <a:buNone/>
               <a:defRPr sz="2400" b="0">
                 <a:solidFill>
-                  <a:schemeClr val="accent1"/>
+                  <a:schemeClr val="tx1"/>
                 </a:solidFill>
               </a:defRPr>
             </a:lvl1pPr>
@@ -1794,7 +1886,7 @@
       </p:sp>
       <p:sp>
         <p:nvSpPr>
-          <p:cNvPr id="20" name="Text Placeholder 3"/>
+          <p:cNvPr id="12" name="Text Placeholder 3"/>
           <p:cNvSpPr>
             <a:spLocks noGrp="1"/>
           </p:cNvSpPr>
@@ -1804,8 +1896,8 @@
         </p:nvSpPr>
         <p:spPr>
           <a:xfrm>
-            <a:off x="7124700" y="2667000"/>
-            <a:ext cx="2932113" cy="3589338"/>
+            <a:off x="7976346" y="2911624"/>
+            <a:ext cx="3291211" cy="2879576"/>
           </a:xfrm>
         </p:spPr>
         <p:txBody>
@@ -1813,7 +1905,7 @@
             <a:normAutofit/>
           </a:bodyPr>
           <a:lstStyle>
-            <a:lvl1pPr marL="0" indent="0">
+            <a:lvl1pPr marL="0" indent="0" algn="ctr">
               <a:buNone/>
               <a:defRPr sz="1400"/>
             </a:lvl1pPr>
@@ -1859,83 +1951,9 @@
           </a:p>
         </p:txBody>
       </p:sp>
-      <p:cxnSp>
-        <p:nvCxnSpPr>
-          <p:cNvPr id="17" name="Straight Connector 16"/>
-          <p:cNvCxnSpPr/>
-          <p:nvPr/>
-        </p:nvCxnSpPr>
-        <p:spPr>
-          <a:xfrm>
-            <a:off x="3726142" y="2133600"/>
-            <a:ext cx="0" cy="3962400"/>
-          </a:xfrm>
-          <a:prstGeom prst="line">
-            <a:avLst/>
-          </a:prstGeom>
-          <a:ln w="12700" cmpd="sng">
-            <a:solidFill>
-              <a:schemeClr val="accent1">
-                <a:alpha val="40000"/>
-              </a:schemeClr>
-            </a:solidFill>
-          </a:ln>
-        </p:spPr>
-        <p:style>
-          <a:lnRef idx="2">
-            <a:schemeClr val="accent1"/>
-          </a:lnRef>
-          <a:fillRef idx="0">
-            <a:schemeClr val="accent1"/>
-          </a:fillRef>
-          <a:effectRef idx="1">
-            <a:schemeClr val="accent1"/>
-          </a:effectRef>
-          <a:fontRef idx="minor">
-            <a:schemeClr val="tx1"/>
-          </a:fontRef>
-        </p:style>
-      </p:cxnSp>
-      <p:cxnSp>
-        <p:nvCxnSpPr>
-          <p:cNvPr id="18" name="Straight Connector 17"/>
-          <p:cNvCxnSpPr/>
-          <p:nvPr/>
-        </p:nvCxnSpPr>
-        <p:spPr>
-          <a:xfrm>
-            <a:off x="6962227" y="2133600"/>
-            <a:ext cx="0" cy="3966882"/>
-          </a:xfrm>
-          <a:prstGeom prst="line">
-            <a:avLst/>
-          </a:prstGeom>
-          <a:ln w="12700" cmpd="sng">
-            <a:solidFill>
-              <a:schemeClr val="accent1">
-                <a:alpha val="40000"/>
-              </a:schemeClr>
-            </a:solidFill>
-          </a:ln>
-        </p:spPr>
-        <p:style>
-          <a:lnRef idx="2">
-            <a:schemeClr val="accent1"/>
-          </a:lnRef>
-          <a:fillRef idx="0">
-            <a:schemeClr val="accent1"/>
-          </a:fillRef>
-          <a:effectRef idx="1">
-            <a:schemeClr val="accent1"/>
-          </a:effectRef>
-          <a:fontRef idx="minor">
-            <a:schemeClr val="tx1"/>
-          </a:fontRef>
-        </p:style>
-      </p:cxnSp>
-      <p:sp>
-        <p:nvSpPr>
-          <p:cNvPr id="7" name="Date Placeholder 3"/>
+      <p:sp>
+        <p:nvSpPr>
+          <p:cNvPr id="3" name="Date Placeholder 2"/>
           <p:cNvSpPr>
             <a:spLocks noGrp="1"/>
           </p:cNvSpPr>
@@ -1948,9 +1966,9 @@
           <a:bodyPr/>
           <a:lstStyle/>
           <a:p>
-            <a:fld id="{4509A250-FF31-4206-8172-F9D3106AACB1}" type="datetimeFigureOut">
-              <a:rPr lang="en-US" dirty="0"/>
-              <a:t>02-Apr-23</a:t>
+            <a:fld id="{4AAD347D-5ACD-4C99-B74B-A9C85AD731AF}" type="datetimeFigureOut">
+              <a:rPr lang="en-US" smtClean="0"/>
+              <a:t>03-Apr-23</a:t>
             </a:fld>
             <a:endParaRPr lang="en-US" dirty="0"/>
           </a:p>
@@ -1958,7 +1976,7 @@
       </p:sp>
       <p:sp>
         <p:nvSpPr>
-          <p:cNvPr id="4" name="Footer Placeholder 4"/>
+          <p:cNvPr id="4" name="Footer Placeholder 3"/>
           <p:cNvSpPr>
             <a:spLocks noGrp="1"/>
           </p:cNvSpPr>
@@ -1977,7 +1995,7 @@
       </p:sp>
       <p:sp>
         <p:nvSpPr>
-          <p:cNvPr id="6" name="Slide Number Placeholder 5"/>
+          <p:cNvPr id="5" name="Slide Number Placeholder 4"/>
           <p:cNvSpPr>
             <a:spLocks noGrp="1"/>
           </p:cNvSpPr>
@@ -1991,7 +2009,7 @@
           <a:lstStyle/>
           <a:p>
             <a:fld id="{D57F1E4F-1CFF-5643-939E-02111984F565}" type="slidenum">
-              <a:rPr lang="en-US" dirty="0"/>
+              <a:rPr lang="en-US" smtClean="0"/>
               <a:t>‹#›</a:t>
             </a:fld>
             <a:endParaRPr lang="en-US" dirty="0"/>
@@ -1999,10 +2017,16 @@
         </p:txBody>
       </p:sp>
     </p:spTree>
+    <p:extLst>
+      <p:ext uri="{BB962C8B-B14F-4D97-AF65-F5344CB8AC3E}">
+        <p14:creationId xmlns:p14="http://schemas.microsoft.com/office/powerpoint/2010/main" val="2789066365"/>
+      </p:ext>
+    </p:extLst>
   </p:cSld>
   <p:clrMapOvr>
     <a:masterClrMapping/>
   </p:clrMapOvr>
+  <p:hf sldNum="0" hdr="0" ftr="0" dt="0"/>
 </p:sldLayout>
 </file>
 
@@ -2025,7 +2049,7 @@
       </p:grpSpPr>
       <p:sp>
         <p:nvSpPr>
-          <p:cNvPr id="2" name="Title 1"/>
+          <p:cNvPr id="30" name="Title 1"/>
           <p:cNvSpPr>
             <a:spLocks noGrp="1"/>
           </p:cNvSpPr>
@@ -2033,14 +2057,15 @@
             <p:ph type="title"/>
           </p:nvPr>
         </p:nvSpPr>
-        <p:spPr/>
+        <p:spPr>
+          <a:xfrm>
+            <a:off x="913795" y="609600"/>
+            <a:ext cx="10353762" cy="1325563"/>
+          </a:xfrm>
+        </p:spPr>
         <p:txBody>
           <a:bodyPr/>
-          <a:lstStyle>
-            <a:lvl1pPr>
-              <a:defRPr sz="4200"/>
-            </a:lvl1pPr>
-          </a:lstStyle>
+          <a:lstStyle/>
           <a:p>
             <a:r>
               <a:rPr lang="en-US"/>
@@ -2052,7 +2077,7 @@
       </p:sp>
       <p:sp>
         <p:nvSpPr>
-          <p:cNvPr id="3" name="Text Placeholder 2"/>
+          <p:cNvPr id="19" name="Text Placeholder 2"/>
           <p:cNvSpPr>
             <a:spLocks noGrp="1"/>
           </p:cNvSpPr>
@@ -2062,8 +2087,8 @@
         </p:nvSpPr>
         <p:spPr>
           <a:xfrm>
-            <a:off x="652463" y="4250949"/>
-            <a:ext cx="2940050" cy="576262"/>
+            <a:off x="913795" y="4195899"/>
+            <a:ext cx="3298955" cy="576262"/>
           </a:xfrm>
         </p:spPr>
         <p:txBody>
@@ -2071,11 +2096,14 @@
             <a:noAutofit/>
           </a:bodyPr>
           <a:lstStyle>
-            <a:lvl1pPr marL="0" indent="0">
-              <a:buNone/>
-              <a:defRPr sz="2400" b="0">
+            <a:lvl1pPr marL="0" indent="0" algn="ctr">
+              <a:lnSpc>
+                <a:spcPct val="100000"/>
+              </a:lnSpc>
+              <a:buNone/>
+              <a:defRPr sz="2000" b="0">
                 <a:solidFill>
-                  <a:schemeClr val="accent1"/>
+                  <a:schemeClr val="tx1"/>
                 </a:solidFill>
               </a:defRPr>
             </a:lvl1pPr>
@@ -2123,7 +2151,7 @@
       </p:sp>
       <p:sp>
         <p:nvSpPr>
-          <p:cNvPr id="29" name="Picture Placeholder 2"/>
+          <p:cNvPr id="20" name="Picture Placeholder 2"/>
           <p:cNvSpPr>
             <a:spLocks noGrp="1" noChangeAspect="1"/>
           </p:cNvSpPr>
@@ -2133,21 +2161,40 @@
         </p:nvSpPr>
         <p:spPr>
           <a:xfrm>
-            <a:off x="652463" y="2209800"/>
+            <a:off x="1092020" y="2298987"/>
             <a:ext cx="2940050" cy="1524000"/>
           </a:xfrm>
           <a:prstGeom prst="roundRect">
             <a:avLst>
-              <a:gd name="adj" fmla="val 1858"/>
+              <a:gd name="adj" fmla="val 0"/>
             </a:avLst>
           </a:prstGeom>
+          <a:noFill/>
+          <a:ln w="146050" cap="sq">
+            <a:solidFill>
+              <a:srgbClr val="FFFFFF"/>
+            </a:solidFill>
+            <a:miter lim="800000"/>
+          </a:ln>
           <a:effectLst>
-            <a:outerShdw blurRad="50800" dist="50800" dir="5400000" algn="tl" rotWithShape="0">
+            <a:outerShdw blurRad="55000" dist="18000" dir="5400000" algn="tl" rotWithShape="0">
               <a:srgbClr val="000000">
-                <a:alpha val="43000"/>
+                <a:alpha val="40000"/>
               </a:srgbClr>
             </a:outerShdw>
           </a:effectLst>
+          <a:scene3d>
+            <a:camera prst="orthographicFront"/>
+            <a:lightRig rig="twoPt" dir="t">
+              <a:rot lat="0" lon="0" rev="7200000"/>
+            </a:lightRig>
+          </a:scene3d>
+          <a:sp3d>
+            <a:bevelT w="25400" h="19050"/>
+            <a:contourClr>
+              <a:srgbClr val="FFFFFF"/>
+            </a:contourClr>
+          </a:sp3d>
         </p:spPr>
         <p:txBody>
           <a:bodyPr anchor="t">
@@ -2202,7 +2249,7 @@
       </p:sp>
       <p:sp>
         <p:nvSpPr>
-          <p:cNvPr id="22" name="Text Placeholder 3"/>
+          <p:cNvPr id="21" name="Text Placeholder 3"/>
           <p:cNvSpPr>
             <a:spLocks noGrp="1"/>
           </p:cNvSpPr>
@@ -2212,159 +2259,9 @@
         </p:nvSpPr>
         <p:spPr>
           <a:xfrm>
-            <a:off x="652463" y="4827211"/>
-            <a:ext cx="2940050" cy="659189"/>
-          </a:xfrm>
-        </p:spPr>
-        <p:txBody>
-          <a:bodyPr anchor="t">
-            <a:normAutofit/>
-          </a:bodyPr>
-          <a:lstStyle>
-            <a:lvl1pPr marL="0" indent="0">
-              <a:buNone/>
-              <a:defRPr sz="1400"/>
-            </a:lvl1pPr>
-            <a:lvl2pPr marL="457200" indent="0">
-              <a:buNone/>
-              <a:defRPr sz="1200"/>
-            </a:lvl2pPr>
-            <a:lvl3pPr marL="914400" indent="0">
-              <a:buNone/>
-              <a:defRPr sz="1000"/>
-            </a:lvl3pPr>
-            <a:lvl4pPr marL="1371600" indent="0">
-              <a:buNone/>
-              <a:defRPr sz="900"/>
-            </a:lvl4pPr>
-            <a:lvl5pPr marL="1828800" indent="0">
-              <a:buNone/>
-              <a:defRPr sz="900"/>
-            </a:lvl5pPr>
-            <a:lvl6pPr marL="2286000" indent="0">
-              <a:buNone/>
-              <a:defRPr sz="900"/>
-            </a:lvl6pPr>
-            <a:lvl7pPr marL="2743200" indent="0">
-              <a:buNone/>
-              <a:defRPr sz="900"/>
-            </a:lvl7pPr>
-            <a:lvl8pPr marL="3200400" indent="0">
-              <a:buNone/>
-              <a:defRPr sz="900"/>
-            </a:lvl8pPr>
-            <a:lvl9pPr marL="3657600" indent="0">
-              <a:buNone/>
-              <a:defRPr sz="900"/>
-            </a:lvl9pPr>
-          </a:lstStyle>
-          <a:p>
-            <a:pPr lvl="0"/>
-            <a:r>
-              <a:rPr lang="en-US"/>
-              <a:t>Click to edit Master text styles</a:t>
-            </a:r>
-          </a:p>
-        </p:txBody>
-      </p:sp>
-      <p:sp>
-        <p:nvSpPr>
-          <p:cNvPr id="5" name="Text Placeholder 4"/>
-          <p:cNvSpPr>
-            <a:spLocks noGrp="1"/>
-          </p:cNvSpPr>
-          <p:nvPr>
-            <p:ph type="body" sz="quarter" idx="3"/>
-          </p:nvPr>
-        </p:nvSpPr>
-        <p:spPr>
-          <a:xfrm>
-            <a:off x="3889375" y="4250949"/>
-            <a:ext cx="2930525" cy="576262"/>
-          </a:xfrm>
-        </p:spPr>
-        <p:txBody>
-          <a:bodyPr anchor="b">
-            <a:noAutofit/>
-          </a:bodyPr>
-          <a:lstStyle>
-            <a:lvl1pPr marL="0" indent="0">
-              <a:buNone/>
-              <a:defRPr sz="2400" b="0">
-                <a:solidFill>
-                  <a:schemeClr val="accent1"/>
-                </a:solidFill>
-              </a:defRPr>
-            </a:lvl1pPr>
-            <a:lvl2pPr marL="457200" indent="0">
-              <a:buNone/>
-              <a:defRPr sz="2000" b="1"/>
-            </a:lvl2pPr>
-            <a:lvl3pPr marL="914400" indent="0">
-              <a:buNone/>
-              <a:defRPr sz="1800" b="1"/>
-            </a:lvl3pPr>
-            <a:lvl4pPr marL="1371600" indent="0">
-              <a:buNone/>
-              <a:defRPr sz="1600" b="1"/>
-            </a:lvl4pPr>
-            <a:lvl5pPr marL="1828800" indent="0">
-              <a:buNone/>
-              <a:defRPr sz="1600" b="1"/>
-            </a:lvl5pPr>
-            <a:lvl6pPr marL="2286000" indent="0">
-              <a:buNone/>
-              <a:defRPr sz="1600" b="1"/>
-            </a:lvl6pPr>
-            <a:lvl7pPr marL="2743200" indent="0">
-              <a:buNone/>
-              <a:defRPr sz="1600" b="1"/>
-            </a:lvl7pPr>
-            <a:lvl8pPr marL="3200400" indent="0">
-              <a:buNone/>
-              <a:defRPr sz="1600" b="1"/>
-            </a:lvl8pPr>
-            <a:lvl9pPr marL="3657600" indent="0">
-              <a:buNone/>
-              <a:defRPr sz="1600" b="1"/>
-            </a:lvl9pPr>
-          </a:lstStyle>
-          <a:p>
-            <a:pPr lvl="0"/>
-            <a:r>
-              <a:rPr lang="en-US"/>
-              <a:t>Click to edit Master text styles</a:t>
-            </a:r>
-          </a:p>
-        </p:txBody>
-      </p:sp>
-      <p:sp>
-        <p:nvSpPr>
-          <p:cNvPr id="30" name="Picture Placeholder 2"/>
-          <p:cNvSpPr>
-            <a:spLocks noGrp="1" noChangeAspect="1"/>
-          </p:cNvSpPr>
-          <p:nvPr>
-            <p:ph type="pic" idx="21"/>
-          </p:nvPr>
-        </p:nvSpPr>
-        <p:spPr>
-          <a:xfrm>
-            <a:off x="3889374" y="2209800"/>
-            <a:ext cx="2930525" cy="1524000"/>
-          </a:xfrm>
-          <a:prstGeom prst="roundRect">
-            <a:avLst>
-              <a:gd name="adj" fmla="val 1858"/>
-            </a:avLst>
-          </a:prstGeom>
-          <a:effectLst>
-            <a:outerShdw blurRad="50800" dist="50800" dir="5400000" algn="tl" rotWithShape="0">
-              <a:srgbClr val="000000">
-                <a:alpha val="43000"/>
-              </a:srgbClr>
-            </a:outerShdw>
-          </a:effectLst>
+            <a:off x="913795" y="4772161"/>
+            <a:ext cx="3298955" cy="1019038"/>
+          </a:xfrm>
         </p:spPr>
         <p:txBody>
           <a:bodyPr anchor="t">
@@ -2373,73 +2270,6 @@
           <a:lstStyle>
             <a:lvl1pPr marL="0" indent="0" algn="ctr">
               <a:buNone/>
-              <a:defRPr sz="1600"/>
-            </a:lvl1pPr>
-            <a:lvl2pPr marL="457200" indent="0">
-              <a:buNone/>
-              <a:defRPr sz="1600"/>
-            </a:lvl2pPr>
-            <a:lvl3pPr marL="914400" indent="0">
-              <a:buNone/>
-              <a:defRPr sz="1600"/>
-            </a:lvl3pPr>
-            <a:lvl4pPr marL="1371600" indent="0">
-              <a:buNone/>
-              <a:defRPr sz="1600"/>
-            </a:lvl4pPr>
-            <a:lvl5pPr marL="1828800" indent="0">
-              <a:buNone/>
-              <a:defRPr sz="1600"/>
-            </a:lvl5pPr>
-            <a:lvl6pPr marL="2286000" indent="0">
-              <a:buNone/>
-              <a:defRPr sz="1600"/>
-            </a:lvl6pPr>
-            <a:lvl7pPr marL="2743200" indent="0">
-              <a:buNone/>
-              <a:defRPr sz="1600"/>
-            </a:lvl7pPr>
-            <a:lvl8pPr marL="3200400" indent="0">
-              <a:buNone/>
-              <a:defRPr sz="1600"/>
-            </a:lvl8pPr>
-            <a:lvl9pPr marL="3657600" indent="0">
-              <a:buNone/>
-              <a:defRPr sz="1600"/>
-            </a:lvl9pPr>
-          </a:lstStyle>
-          <a:p>
-            <a:r>
-              <a:rPr lang="en-US"/>
-              <a:t>Click icon to add picture</a:t>
-            </a:r>
-            <a:endParaRPr lang="en-US" dirty="0"/>
-          </a:p>
-        </p:txBody>
-      </p:sp>
-      <p:sp>
-        <p:nvSpPr>
-          <p:cNvPr id="23" name="Text Placeholder 3"/>
-          <p:cNvSpPr>
-            <a:spLocks noGrp="1"/>
-          </p:cNvSpPr>
-          <p:nvPr>
-            <p:ph type="body" sz="half" idx="19"/>
-          </p:nvPr>
-        </p:nvSpPr>
-        <p:spPr>
-          <a:xfrm>
-            <a:off x="3888022" y="4827210"/>
-            <a:ext cx="2934406" cy="659189"/>
-          </a:xfrm>
-        </p:spPr>
-        <p:txBody>
-          <a:bodyPr anchor="t">
-            <a:normAutofit/>
-          </a:bodyPr>
-          <a:lstStyle>
-            <a:lvl1pPr marL="0" indent="0">
-              <a:buNone/>
               <a:defRPr sz="1400"/>
             </a:lvl1pPr>
             <a:lvl2pPr marL="457200" indent="0">
@@ -2486,18 +2316,18 @@
       </p:sp>
       <p:sp>
         <p:nvSpPr>
-          <p:cNvPr id="14" name="Text Placeholder 4"/>
-          <p:cNvSpPr>
-            <a:spLocks noGrp="1"/>
-          </p:cNvSpPr>
-          <p:nvPr>
-            <p:ph type="body" sz="quarter" idx="13"/>
-          </p:nvPr>
-        </p:nvSpPr>
-        <p:spPr>
-          <a:xfrm>
-            <a:off x="7124700" y="4250949"/>
-            <a:ext cx="2932113" cy="576262"/>
+          <p:cNvPr id="22" name="Text Placeholder 4"/>
+          <p:cNvSpPr>
+            <a:spLocks noGrp="1"/>
+          </p:cNvSpPr>
+          <p:nvPr>
+            <p:ph type="body" sz="quarter" idx="3"/>
+          </p:nvPr>
+        </p:nvSpPr>
+        <p:spPr>
+          <a:xfrm>
+            <a:off x="4442701" y="4195899"/>
+            <a:ext cx="3298983" cy="576262"/>
           </a:xfrm>
         </p:spPr>
         <p:txBody>
@@ -2505,11 +2335,14 @@
             <a:noAutofit/>
           </a:bodyPr>
           <a:lstStyle>
-            <a:lvl1pPr marL="0" indent="0">
-              <a:buNone/>
-              <a:defRPr sz="2400" b="0">
+            <a:lvl1pPr marL="0" indent="0" algn="ctr">
+              <a:lnSpc>
+                <a:spcPct val="100000"/>
+              </a:lnSpc>
+              <a:buNone/>
+              <a:defRPr sz="2000" b="0">
                 <a:solidFill>
-                  <a:schemeClr val="accent1"/>
+                  <a:schemeClr val="tx1"/>
                 </a:solidFill>
               </a:defRPr>
             </a:lvl1pPr>
@@ -2557,31 +2390,50 @@
       </p:sp>
       <p:sp>
         <p:nvSpPr>
-          <p:cNvPr id="31" name="Picture Placeholder 2"/>
+          <p:cNvPr id="23" name="Picture Placeholder 2"/>
           <p:cNvSpPr>
             <a:spLocks noGrp="1" noChangeAspect="1"/>
           </p:cNvSpPr>
           <p:nvPr>
-            <p:ph type="pic" idx="22"/>
-          </p:nvPr>
-        </p:nvSpPr>
-        <p:spPr>
-          <a:xfrm>
-            <a:off x="7124699" y="2209800"/>
-            <a:ext cx="2932113" cy="1524000"/>
+            <p:ph type="pic" idx="21"/>
+          </p:nvPr>
+        </p:nvSpPr>
+        <p:spPr>
+          <a:xfrm>
+            <a:off x="4568996" y="2298987"/>
+            <a:ext cx="2930525" cy="1524000"/>
           </a:xfrm>
           <a:prstGeom prst="roundRect">
             <a:avLst>
-              <a:gd name="adj" fmla="val 1858"/>
+              <a:gd name="adj" fmla="val 0"/>
             </a:avLst>
           </a:prstGeom>
+          <a:noFill/>
+          <a:ln w="146050" cap="sq">
+            <a:solidFill>
+              <a:srgbClr val="FFFFFF"/>
+            </a:solidFill>
+            <a:miter lim="800000"/>
+          </a:ln>
           <a:effectLst>
-            <a:outerShdw blurRad="50800" dist="50800" dir="5400000" algn="tl" rotWithShape="0">
+            <a:outerShdw blurRad="55000" dist="18000" dir="5400000" algn="tl" rotWithShape="0">
               <a:srgbClr val="000000">
-                <a:alpha val="43000"/>
+                <a:alpha val="40000"/>
               </a:srgbClr>
             </a:outerShdw>
           </a:effectLst>
+          <a:scene3d>
+            <a:camera prst="orthographicFront"/>
+            <a:lightRig rig="twoPt" dir="t">
+              <a:rot lat="0" lon="0" rev="7200000"/>
+            </a:lightRig>
+          </a:scene3d>
+          <a:sp3d>
+            <a:bevelT w="25400" h="19050"/>
+            <a:contourClr>
+              <a:srgbClr val="FFFFFF"/>
+            </a:contourClr>
+          </a:sp3d>
         </p:spPr>
         <p:txBody>
           <a:bodyPr anchor="t">
@@ -2641,13 +2493,13 @@
             <a:spLocks noGrp="1"/>
           </p:cNvSpPr>
           <p:nvPr>
-            <p:ph type="body" sz="half" idx="20"/>
-          </p:nvPr>
-        </p:nvSpPr>
-        <p:spPr>
-          <a:xfrm>
-            <a:off x="7124575" y="4827208"/>
-            <a:ext cx="2935997" cy="659189"/>
+            <p:ph type="body" sz="half" idx="19"/>
+          </p:nvPr>
+        </p:nvSpPr>
+        <p:spPr>
+          <a:xfrm>
+            <a:off x="4441348" y="4772160"/>
+            <a:ext cx="3300336" cy="1019038"/>
           </a:xfrm>
         </p:spPr>
         <p:txBody>
@@ -2655,7 +2507,7 @@
             <a:normAutofit/>
           </a:bodyPr>
           <a:lstStyle>
-            <a:lvl1pPr marL="0" indent="0">
+            <a:lvl1pPr marL="0" indent="0" algn="ctr">
               <a:buNone/>
               <a:defRPr sz="1400"/>
             </a:lvl1pPr>
@@ -2701,83 +2553,248 @@
           </a:p>
         </p:txBody>
       </p:sp>
-      <p:cxnSp>
-        <p:nvCxnSpPr>
-          <p:cNvPr id="17" name="Straight Connector 16"/>
-          <p:cNvCxnSpPr/>
-          <p:nvPr/>
-        </p:nvCxnSpPr>
-        <p:spPr>
-          <a:xfrm>
-            <a:off x="3726142" y="2133600"/>
-            <a:ext cx="0" cy="3962400"/>
-          </a:xfrm>
-          <a:prstGeom prst="line">
-            <a:avLst/>
+      <p:sp>
+        <p:nvSpPr>
+          <p:cNvPr id="25" name="Text Placeholder 4"/>
+          <p:cNvSpPr>
+            <a:spLocks noGrp="1"/>
+          </p:cNvSpPr>
+          <p:nvPr>
+            <p:ph type="body" sz="quarter" idx="13"/>
+          </p:nvPr>
+        </p:nvSpPr>
+        <p:spPr>
+          <a:xfrm>
+            <a:off x="7973423" y="4195899"/>
+            <a:ext cx="3289900" cy="576262"/>
+          </a:xfrm>
+        </p:spPr>
+        <p:txBody>
+          <a:bodyPr anchor="b">
+            <a:noAutofit/>
+          </a:bodyPr>
+          <a:lstStyle>
+            <a:lvl1pPr marL="0" indent="0" algn="ctr">
+              <a:lnSpc>
+                <a:spcPct val="100000"/>
+              </a:lnSpc>
+              <a:buNone/>
+              <a:defRPr sz="2000" b="0">
+                <a:solidFill>
+                  <a:schemeClr val="tx1"/>
+                </a:solidFill>
+              </a:defRPr>
+            </a:lvl1pPr>
+            <a:lvl2pPr marL="457200" indent="0">
+              <a:buNone/>
+              <a:defRPr sz="2000" b="1"/>
+            </a:lvl2pPr>
+            <a:lvl3pPr marL="914400" indent="0">
+              <a:buNone/>
+              <a:defRPr sz="1800" b="1"/>
+            </a:lvl3pPr>
+            <a:lvl4pPr marL="1371600" indent="0">
+              <a:buNone/>
+              <a:defRPr sz="1600" b="1"/>
+            </a:lvl4pPr>
+            <a:lvl5pPr marL="1828800" indent="0">
+              <a:buNone/>
+              <a:defRPr sz="1600" b="1"/>
+            </a:lvl5pPr>
+            <a:lvl6pPr marL="2286000" indent="0">
+              <a:buNone/>
+              <a:defRPr sz="1600" b="1"/>
+            </a:lvl6pPr>
+            <a:lvl7pPr marL="2743200" indent="0">
+              <a:buNone/>
+              <a:defRPr sz="1600" b="1"/>
+            </a:lvl7pPr>
+            <a:lvl8pPr marL="3200400" indent="0">
+              <a:buNone/>
+              <a:defRPr sz="1600" b="1"/>
+            </a:lvl8pPr>
+            <a:lvl9pPr marL="3657600" indent="0">
+              <a:buNone/>
+              <a:defRPr sz="1600" b="1"/>
+            </a:lvl9pPr>
+          </a:lstStyle>
+          <a:p>
+            <a:pPr lvl="0"/>
+            <a:r>
+              <a:rPr lang="en-US"/>
+              <a:t>Click to edit Master text styles</a:t>
+            </a:r>
+          </a:p>
+        </p:txBody>
+      </p:sp>
+      <p:sp>
+        <p:nvSpPr>
+          <p:cNvPr id="26" name="Picture Placeholder 2"/>
+          <p:cNvSpPr>
+            <a:spLocks noGrp="1" noChangeAspect="1"/>
+          </p:cNvSpPr>
+          <p:nvPr>
+            <p:ph type="pic" idx="22"/>
+          </p:nvPr>
+        </p:nvSpPr>
+        <p:spPr>
+          <a:xfrm>
+            <a:off x="8152803" y="2298987"/>
+            <a:ext cx="2932113" cy="1524000"/>
+          </a:xfrm>
+          <a:prstGeom prst="roundRect">
+            <a:avLst>
+              <a:gd name="adj" fmla="val 0"/>
+            </a:avLst>
           </a:prstGeom>
-          <a:ln w="12700" cmpd="sng">
+          <a:noFill/>
+          <a:ln w="146050" cap="sq">
             <a:solidFill>
-              <a:schemeClr val="accent1">
+              <a:srgbClr val="FFFFFF"/>
+            </a:solidFill>
+            <a:miter lim="800000"/>
+          </a:ln>
+          <a:effectLst>
+            <a:outerShdw blurRad="55000" dist="18000" dir="5400000" algn="tl" rotWithShape="0">
+              <a:srgbClr val="000000">
                 <a:alpha val="40000"/>
-              </a:schemeClr>
-            </a:solidFill>
-          </a:ln>
-        </p:spPr>
-        <p:style>
-          <a:lnRef idx="2">
-            <a:schemeClr val="accent1"/>
-          </a:lnRef>
-          <a:fillRef idx="0">
-            <a:schemeClr val="accent1"/>
-          </a:fillRef>
-          <a:effectRef idx="1">
-            <a:schemeClr val="accent1"/>
-          </a:effectRef>
-          <a:fontRef idx="minor">
-            <a:schemeClr val="tx1"/>
-          </a:fontRef>
-        </p:style>
-      </p:cxnSp>
-      <p:cxnSp>
-        <p:nvCxnSpPr>
-          <p:cNvPr id="18" name="Straight Connector 17"/>
-          <p:cNvCxnSpPr/>
-          <p:nvPr/>
-        </p:nvCxnSpPr>
-        <p:spPr>
-          <a:xfrm>
-            <a:off x="6962227" y="2133600"/>
-            <a:ext cx="0" cy="3966882"/>
-          </a:xfrm>
-          <a:prstGeom prst="line">
-            <a:avLst/>
-          </a:prstGeom>
-          <a:ln w="12700" cmpd="sng">
-            <a:solidFill>
-              <a:schemeClr val="accent1">
-                <a:alpha val="40000"/>
-              </a:schemeClr>
-            </a:solidFill>
-          </a:ln>
-        </p:spPr>
-        <p:style>
-          <a:lnRef idx="2">
-            <a:schemeClr val="accent1"/>
-          </a:lnRef>
-          <a:fillRef idx="0">
-            <a:schemeClr val="accent1"/>
-          </a:fillRef>
-          <a:effectRef idx="1">
-            <a:schemeClr val="accent1"/>
-          </a:effectRef>
-          <a:fontRef idx="minor">
-            <a:schemeClr val="tx1"/>
-          </a:fontRef>
-        </p:style>
-      </p:cxnSp>
-      <p:sp>
-        <p:nvSpPr>
-          <p:cNvPr id="7" name="Date Placeholder 3"/>
+              </a:srgbClr>
+            </a:outerShdw>
+          </a:effectLst>
+          <a:scene3d>
+            <a:camera prst="orthographicFront"/>
+            <a:lightRig rig="twoPt" dir="t">
+              <a:rot lat="0" lon="0" rev="7200000"/>
+            </a:lightRig>
+          </a:scene3d>
+          <a:sp3d>
+            <a:bevelT w="25400" h="19050"/>
+            <a:contourClr>
+              <a:srgbClr val="FFFFFF"/>
+            </a:contourClr>
+          </a:sp3d>
+        </p:spPr>
+        <p:txBody>
+          <a:bodyPr anchor="t">
+            <a:normAutofit/>
+          </a:bodyPr>
+          <a:lstStyle>
+            <a:lvl1pPr marL="0" indent="0" algn="ctr">
+              <a:buNone/>
+              <a:defRPr sz="1600"/>
+            </a:lvl1pPr>
+            <a:lvl2pPr marL="457200" indent="0">
+              <a:buNone/>
+              <a:defRPr sz="1600"/>
+            </a:lvl2pPr>
+            <a:lvl3pPr marL="914400" indent="0">
+              <a:buNone/>
+              <a:defRPr sz="1600"/>
+            </a:lvl3pPr>
+            <a:lvl4pPr marL="1371600" indent="0">
+              <a:buNone/>
+              <a:defRPr sz="1600"/>
+            </a:lvl4pPr>
+            <a:lvl5pPr marL="1828800" indent="0">
+              <a:buNone/>
+              <a:defRPr sz="1600"/>
+            </a:lvl5pPr>
+            <a:lvl6pPr marL="2286000" indent="0">
+              <a:buNone/>
+              <a:defRPr sz="1600"/>
+            </a:lvl6pPr>
+            <a:lvl7pPr marL="2743200" indent="0">
+              <a:buNone/>
+              <a:defRPr sz="1600"/>
+            </a:lvl7pPr>
+            <a:lvl8pPr marL="3200400" indent="0">
+              <a:buNone/>
+              <a:defRPr sz="1600"/>
+            </a:lvl8pPr>
+            <a:lvl9pPr marL="3657600" indent="0">
+              <a:buNone/>
+              <a:defRPr sz="1600"/>
+            </a:lvl9pPr>
+          </a:lstStyle>
+          <a:p>
+            <a:r>
+              <a:rPr lang="en-US"/>
+              <a:t>Click icon to add picture</a:t>
+            </a:r>
+            <a:endParaRPr lang="en-US" dirty="0"/>
+          </a:p>
+        </p:txBody>
+      </p:sp>
+      <p:sp>
+        <p:nvSpPr>
+          <p:cNvPr id="27" name="Text Placeholder 3"/>
+          <p:cNvSpPr>
+            <a:spLocks noGrp="1"/>
+          </p:cNvSpPr>
+          <p:nvPr>
+            <p:ph type="body" sz="half" idx="20"/>
+          </p:nvPr>
+        </p:nvSpPr>
+        <p:spPr>
+          <a:xfrm>
+            <a:off x="7973298" y="4772161"/>
+            <a:ext cx="3294258" cy="1019037"/>
+          </a:xfrm>
+        </p:spPr>
+        <p:txBody>
+          <a:bodyPr anchor="t">
+            <a:normAutofit/>
+          </a:bodyPr>
+          <a:lstStyle>
+            <a:lvl1pPr marL="0" indent="0" algn="ctr">
+              <a:buNone/>
+              <a:defRPr sz="1400"/>
+            </a:lvl1pPr>
+            <a:lvl2pPr marL="457200" indent="0">
+              <a:buNone/>
+              <a:defRPr sz="1200"/>
+            </a:lvl2pPr>
+            <a:lvl3pPr marL="914400" indent="0">
+              <a:buNone/>
+              <a:defRPr sz="1000"/>
+            </a:lvl3pPr>
+            <a:lvl4pPr marL="1371600" indent="0">
+              <a:buNone/>
+              <a:defRPr sz="900"/>
+            </a:lvl4pPr>
+            <a:lvl5pPr marL="1828800" indent="0">
+              <a:buNone/>
+              <a:defRPr sz="900"/>
+            </a:lvl5pPr>
+            <a:lvl6pPr marL="2286000" indent="0">
+              <a:buNone/>
+              <a:defRPr sz="900"/>
+            </a:lvl6pPr>
+            <a:lvl7pPr marL="2743200" indent="0">
+              <a:buNone/>
+              <a:defRPr sz="900"/>
+            </a:lvl7pPr>
+            <a:lvl8pPr marL="3200400" indent="0">
+              <a:buNone/>
+              <a:defRPr sz="900"/>
+            </a:lvl8pPr>
+            <a:lvl9pPr marL="3657600" indent="0">
+              <a:buNone/>
+              <a:defRPr sz="900"/>
+            </a:lvl9pPr>
+          </a:lstStyle>
+          <a:p>
+            <a:pPr lvl="0"/>
+            <a:r>
+              <a:rPr lang="en-US"/>
+              <a:t>Click to edit Master text styles</a:t>
+            </a:r>
+          </a:p>
+        </p:txBody>
+      </p:sp>
+      <p:sp>
+        <p:nvSpPr>
+          <p:cNvPr id="3" name="Date Placeholder 2"/>
           <p:cNvSpPr>
             <a:spLocks noGrp="1"/>
           </p:cNvSpPr>
@@ -2790,9 +2807,9 @@
           <a:bodyPr/>
           <a:lstStyle/>
           <a:p>
-            <a:fld id="{4509A250-FF31-4206-8172-F9D3106AACB1}" type="datetimeFigureOut">
-              <a:rPr lang="en-US" dirty="0"/>
-              <a:t>02-Apr-23</a:t>
+            <a:fld id="{4AAD347D-5ACD-4C99-B74B-A9C85AD731AF}" type="datetimeFigureOut">
+              <a:rPr lang="en-US" smtClean="0"/>
+              <a:t>03-Apr-23</a:t>
             </a:fld>
             <a:endParaRPr lang="en-US" dirty="0"/>
           </a:p>
@@ -2800,7 +2817,7 @@
       </p:sp>
       <p:sp>
         <p:nvSpPr>
-          <p:cNvPr id="4" name="Footer Placeholder 4"/>
+          <p:cNvPr id="4" name="Footer Placeholder 3"/>
           <p:cNvSpPr>
             <a:spLocks noGrp="1"/>
           </p:cNvSpPr>
@@ -2819,7 +2836,7 @@
       </p:sp>
       <p:sp>
         <p:nvSpPr>
-          <p:cNvPr id="6" name="Slide Number Placeholder 5"/>
+          <p:cNvPr id="5" name="Slide Number Placeholder 4"/>
           <p:cNvSpPr>
             <a:spLocks noGrp="1"/>
           </p:cNvSpPr>
@@ -2833,7 +2850,7 @@
           <a:lstStyle/>
           <a:p>
             <a:fld id="{D57F1E4F-1CFF-5643-939E-02111984F565}" type="slidenum">
-              <a:rPr lang="en-US" dirty="0"/>
+              <a:rPr lang="en-US" smtClean="0"/>
               <a:t>‹#›</a:t>
             </a:fld>
             <a:endParaRPr lang="en-US" dirty="0"/>
@@ -2841,10 +2858,16 @@
         </p:txBody>
       </p:sp>
     </p:spTree>
+    <p:extLst>
+      <p:ext uri="{BB962C8B-B14F-4D97-AF65-F5344CB8AC3E}">
+        <p14:creationId xmlns:p14="http://schemas.microsoft.com/office/powerpoint/2010/main" val="1007457776"/>
+      </p:ext>
+    </p:extLst>
   </p:cSld>
   <p:clrMapOvr>
     <a:masterClrMapping/>
   </p:clrMapOvr>
+  <p:hf sldNum="0" hdr="0" ftr="0" dt="0"/>
 </p:sldLayout>
 </file>
 
@@ -2900,7 +2923,7 @@
         </p:nvSpPr>
         <p:spPr/>
         <p:txBody>
-          <a:bodyPr vert="eaVert" anchor="t" anchorCtr="0"/>
+          <a:bodyPr vert="eaVert"/>
           <a:lstStyle/>
           <a:p>
             <a:pPr lvl="0"/>
@@ -2956,8 +2979,8 @@
           <a:lstStyle/>
           <a:p>
             <a:fld id="{4509A250-FF31-4206-8172-F9D3106AACB1}" type="datetimeFigureOut">
-              <a:rPr lang="en-US" dirty="0"/>
-              <a:t>02-Apr-23</a:t>
+              <a:rPr lang="en-US" smtClean="0"/>
+              <a:t>03-Apr-23</a:t>
             </a:fld>
             <a:endParaRPr lang="en-US" dirty="0"/>
           </a:p>
@@ -2998,7 +3021,7 @@
           <a:lstStyle/>
           <a:p>
             <a:fld id="{D57F1E4F-1CFF-5643-939E-02111984F565}" type="slidenum">
-              <a:rPr lang="en-US" dirty="0"/>
+              <a:rPr lang="en-US" smtClean="0"/>
               <a:t>‹#›</a:t>
             </a:fld>
             <a:endParaRPr lang="en-US" dirty="0"/>
@@ -3006,6 +3029,11 @@
         </p:txBody>
       </p:sp>
     </p:spTree>
+    <p:extLst>
+      <p:ext uri="{BB962C8B-B14F-4D97-AF65-F5344CB8AC3E}">
+        <p14:creationId xmlns:p14="http://schemas.microsoft.com/office/powerpoint/2010/main" val="4294759860"/>
+      </p:ext>
+    </p:extLst>
   </p:cSld>
   <p:clrMapOvr>
     <a:masterClrMapping/>
@@ -3042,13 +3070,17 @@
         </p:nvSpPr>
         <p:spPr>
           <a:xfrm>
-            <a:off x="8304212" y="430213"/>
-            <a:ext cx="1752601" cy="5826125"/>
-          </a:xfrm>
-        </p:spPr>
-        <p:txBody>
-          <a:bodyPr vert="eaVert" anchor="b" anchorCtr="0"/>
-          <a:lstStyle/>
+            <a:off x="8724900" y="609599"/>
+            <a:ext cx="2542657" cy="5181601"/>
+          </a:xfrm>
+        </p:spPr>
+        <p:txBody>
+          <a:bodyPr vert="eaVert"/>
+          <a:lstStyle>
+            <a:lvl1pPr algn="l">
+              <a:defRPr/>
+            </a:lvl1pPr>
+          </a:lstStyle>
           <a:p>
             <a:r>
               <a:rPr lang="en-US"/>
@@ -3070,8 +3102,8 @@
         </p:nvSpPr>
         <p:spPr>
           <a:xfrm>
-            <a:off x="652463" y="887414"/>
-            <a:ext cx="7423149" cy="5368924"/>
+            <a:off x="913794" y="609599"/>
+            <a:ext cx="7658705" cy="5181601"/>
           </a:xfrm>
         </p:spPr>
         <p:txBody>
@@ -3131,8 +3163,8 @@
           <a:lstStyle/>
           <a:p>
             <a:fld id="{4509A250-FF31-4206-8172-F9D3106AACB1}" type="datetimeFigureOut">
-              <a:rPr lang="en-US" dirty="0"/>
-              <a:t>02-Apr-23</a:t>
+              <a:rPr lang="en-US" smtClean="0"/>
+              <a:t>03-Apr-23</a:t>
             </a:fld>
             <a:endParaRPr lang="en-US" dirty="0"/>
           </a:p>
@@ -3173,7 +3205,7 @@
           <a:lstStyle/>
           <a:p>
             <a:fld id="{D57F1E4F-1CFF-5643-939E-02111984F565}" type="slidenum">
-              <a:rPr lang="en-US" dirty="0"/>
+              <a:rPr lang="en-US" smtClean="0"/>
               <a:t>‹#›</a:t>
             </a:fld>
             <a:endParaRPr lang="en-US" dirty="0"/>
@@ -3181,6 +3213,11 @@
         </p:txBody>
       </p:sp>
     </p:spTree>
+    <p:extLst>
+      <p:ext uri="{BB962C8B-B14F-4D97-AF65-F5344CB8AC3E}">
+        <p14:creationId xmlns:p14="http://schemas.microsoft.com/office/powerpoint/2010/main" val="2101710267"/>
+      </p:ext>
+    </p:extLst>
   </p:cSld>
   <p:clrMapOvr>
     <a:masterClrMapping/>
@@ -3282,7 +3319,7 @@
       </p:sp>
       <p:sp>
         <p:nvSpPr>
-          <p:cNvPr id="7" name="Date Placeholder 6"/>
+          <p:cNvPr id="4" name="Date Placeholder 3"/>
           <p:cNvSpPr>
             <a:spLocks noGrp="1"/>
           </p:cNvSpPr>
@@ -3296,8 +3333,8 @@
           <a:lstStyle/>
           <a:p>
             <a:fld id="{4509A250-FF31-4206-8172-F9D3106AACB1}" type="datetimeFigureOut">
-              <a:rPr lang="en-US" dirty="0"/>
-              <a:t>02-Apr-23</a:t>
+              <a:rPr lang="en-US" smtClean="0"/>
+              <a:t>03-Apr-23</a:t>
             </a:fld>
             <a:endParaRPr lang="en-US" dirty="0"/>
           </a:p>
@@ -3338,7 +3375,7 @@
           <a:lstStyle/>
           <a:p>
             <a:fld id="{D57F1E4F-1CFF-5643-939E-02111984F565}" type="slidenum">
-              <a:rPr lang="en-US" dirty="0"/>
+              <a:rPr lang="en-US" smtClean="0"/>
               <a:t>‹#›</a:t>
             </a:fld>
             <a:endParaRPr lang="en-US" dirty="0"/>
@@ -3346,6 +3383,11 @@
         </p:txBody>
       </p:sp>
     </p:spTree>
+    <p:extLst>
+      <p:ext uri="{BB962C8B-B14F-4D97-AF65-F5344CB8AC3E}">
+        <p14:creationId xmlns:p14="http://schemas.microsoft.com/office/powerpoint/2010/main" val="271794491"/>
+      </p:ext>
+    </p:extLst>
   </p:cSld>
   <p:clrMapOvr>
     <a:masterClrMapping/>
@@ -3382,15 +3424,17 @@
         </p:nvSpPr>
         <p:spPr>
           <a:xfrm>
-            <a:off x="1154956" y="2861733"/>
-            <a:ext cx="8825657" cy="1915647"/>
-          </a:xfrm>
-        </p:spPr>
-        <p:txBody>
-          <a:bodyPr anchor="b"/>
+            <a:off x="1229244" y="657226"/>
+            <a:ext cx="9733512" cy="2852737"/>
+          </a:xfrm>
+        </p:spPr>
+        <p:txBody>
+          <a:bodyPr anchor="b">
+            <a:normAutofit/>
+          </a:bodyPr>
           <a:lstStyle>
-            <a:lvl1pPr algn="l">
-              <a:defRPr sz="4000" b="0" cap="none"/>
+            <a:lvl1pPr>
+              <a:defRPr sz="3400"/>
             </a:lvl1pPr>
           </a:lstStyle>
           <a:p>
@@ -3414,24 +3458,26 @@
         </p:nvSpPr>
         <p:spPr>
           <a:xfrm>
-            <a:off x="1154955" y="4777381"/>
-            <a:ext cx="8825658" cy="860400"/>
-          </a:xfrm>
-        </p:spPr>
-        <p:txBody>
-          <a:bodyPr anchor="t"/>
+            <a:off x="1229244" y="3602038"/>
+            <a:ext cx="9733512" cy="1500187"/>
+          </a:xfrm>
+        </p:spPr>
+        <p:txBody>
+          <a:bodyPr/>
           <a:lstStyle>
-            <a:lvl1pPr marL="0" indent="0" algn="l">
-              <a:buNone/>
-              <a:defRPr sz="2000" cap="all">
+            <a:lvl1pPr marL="0" indent="0" algn="ctr">
+              <a:buNone/>
+              <a:defRPr sz="2400">
                 <a:solidFill>
-                  <a:schemeClr val="accent1"/>
+                  <a:schemeClr val="tx1">
+                    <a:tint val="75000"/>
+                  </a:schemeClr>
                 </a:solidFill>
               </a:defRPr>
             </a:lvl1pPr>
             <a:lvl2pPr marL="457200" indent="0">
               <a:buNone/>
-              <a:defRPr sz="1800">
+              <a:defRPr sz="2000">
                 <a:solidFill>
                   <a:schemeClr val="tx1">
                     <a:tint val="75000"/>
@@ -3441,7 +3487,7 @@
             </a:lvl2pPr>
             <a:lvl3pPr marL="914400" indent="0">
               <a:buNone/>
-              <a:defRPr sz="1600">
+              <a:defRPr sz="1800">
                 <a:solidFill>
                   <a:schemeClr val="tx1">
                     <a:tint val="75000"/>
@@ -3451,7 +3497,7 @@
             </a:lvl3pPr>
             <a:lvl4pPr marL="1371600" indent="0">
               <a:buNone/>
-              <a:defRPr sz="1400">
+              <a:defRPr sz="1600">
                 <a:solidFill>
                   <a:schemeClr val="tx1">
                     <a:tint val="75000"/>
@@ -3461,7 +3507,7 @@
             </a:lvl4pPr>
             <a:lvl5pPr marL="1828800" indent="0">
               <a:buNone/>
-              <a:defRPr sz="1400">
+              <a:defRPr sz="1600">
                 <a:solidFill>
                   <a:schemeClr val="tx1">
                     <a:tint val="75000"/>
@@ -3471,7 +3517,7 @@
             </a:lvl5pPr>
             <a:lvl6pPr marL="2286000" indent="0">
               <a:buNone/>
-              <a:defRPr sz="1400">
+              <a:defRPr sz="1600">
                 <a:solidFill>
                   <a:schemeClr val="tx1">
                     <a:tint val="75000"/>
@@ -3481,7 +3527,7 @@
             </a:lvl6pPr>
             <a:lvl7pPr marL="2743200" indent="0">
               <a:buNone/>
-              <a:defRPr sz="1400">
+              <a:defRPr sz="1600">
                 <a:solidFill>
                   <a:schemeClr val="tx1">
                     <a:tint val="75000"/>
@@ -3491,7 +3537,7 @@
             </a:lvl7pPr>
             <a:lvl8pPr marL="3200400" indent="0">
               <a:buNone/>
-              <a:defRPr sz="1400">
+              <a:defRPr sz="1600">
                 <a:solidFill>
                   <a:schemeClr val="tx1">
                     <a:tint val="75000"/>
@@ -3501,7 +3547,7 @@
             </a:lvl8pPr>
             <a:lvl9pPr marL="3657600" indent="0">
               <a:buNone/>
-              <a:defRPr sz="1400">
+              <a:defRPr sz="1600">
                 <a:solidFill>
                   <a:schemeClr val="tx1">
                     <a:tint val="75000"/>
@@ -3535,8 +3581,8 @@
           <a:lstStyle/>
           <a:p>
             <a:fld id="{9796027F-7875-4030-9381-8BD8C4F21935}" type="datetimeFigureOut">
-              <a:rPr lang="en-US" dirty="0"/>
-              <a:t>02-Apr-23</a:t>
+              <a:rPr lang="en-US" smtClean="0"/>
+              <a:t>03-Apr-23</a:t>
             </a:fld>
             <a:endParaRPr lang="en-US" dirty="0"/>
           </a:p>
@@ -3577,7 +3623,7 @@
           <a:lstStyle/>
           <a:p>
             <a:fld id="{D57F1E4F-1CFF-5643-939E-02111984F565}" type="slidenum">
-              <a:rPr lang="en-US" dirty="0"/>
+              <a:rPr lang="en-US" smtClean="0"/>
               <a:t>‹#›</a:t>
             </a:fld>
             <a:endParaRPr lang="en-US" dirty="0"/>
@@ -3585,6 +3631,11 @@
         </p:txBody>
       </p:sp>
     </p:spTree>
+    <p:extLst>
+      <p:ext uri="{BB962C8B-B14F-4D97-AF65-F5344CB8AC3E}">
+        <p14:creationId xmlns:p14="http://schemas.microsoft.com/office/powerpoint/2010/main" val="3085184566"/>
+      </p:ext>
+    </p:extLst>
   </p:cSld>
   <p:clrMapOvr>
     <a:masterClrMapping/>
@@ -3619,7 +3670,12 @@
             <p:ph type="title"/>
           </p:nvPr>
         </p:nvSpPr>
-        <p:spPr/>
+        <p:spPr>
+          <a:xfrm>
+            <a:off x="913795" y="609600"/>
+            <a:ext cx="10353761" cy="1326321"/>
+          </a:xfrm>
+        </p:spPr>
         <p:txBody>
           <a:bodyPr/>
           <a:lstStyle/>
@@ -3644,43 +3700,13 @@
         </p:nvSpPr>
         <p:spPr>
           <a:xfrm>
-            <a:off x="1103312" y="2060575"/>
-            <a:ext cx="4396339" cy="4195763"/>
-          </a:xfrm>
-        </p:spPr>
-        <p:txBody>
-          <a:bodyPr>
-            <a:normAutofit/>
-          </a:bodyPr>
-          <a:lstStyle>
-            <a:lvl1pPr>
-              <a:defRPr sz="1800"/>
-            </a:lvl1pPr>
-            <a:lvl2pPr>
-              <a:defRPr sz="1600"/>
-            </a:lvl2pPr>
-            <a:lvl3pPr>
-              <a:defRPr sz="1400"/>
-            </a:lvl3pPr>
-            <a:lvl4pPr>
-              <a:defRPr sz="1200"/>
-            </a:lvl4pPr>
-            <a:lvl5pPr>
-              <a:defRPr sz="1200"/>
-            </a:lvl5pPr>
-            <a:lvl6pPr>
-              <a:defRPr sz="1200"/>
-            </a:lvl6pPr>
-            <a:lvl7pPr>
-              <a:defRPr sz="1200"/>
-            </a:lvl7pPr>
-            <a:lvl8pPr>
-              <a:defRPr sz="1200"/>
-            </a:lvl8pPr>
-            <a:lvl9pPr>
-              <a:defRPr sz="1200"/>
-            </a:lvl9pPr>
-          </a:lstStyle>
+            <a:off x="913795" y="2088319"/>
+            <a:ext cx="5106004" cy="3702881"/>
+          </a:xfrm>
+        </p:spPr>
+        <p:txBody>
+          <a:bodyPr/>
+          <a:lstStyle/>
           <a:p>
             <a:pPr lvl="0"/>
             <a:r>
@@ -3731,43 +3757,13 @@
         </p:nvSpPr>
         <p:spPr>
           <a:xfrm>
-            <a:off x="5654493" y="2056092"/>
-            <a:ext cx="4396341" cy="4200245"/>
-          </a:xfrm>
-        </p:spPr>
-        <p:txBody>
-          <a:bodyPr>
-            <a:normAutofit/>
-          </a:bodyPr>
-          <a:lstStyle>
-            <a:lvl1pPr>
-              <a:defRPr sz="1800"/>
-            </a:lvl1pPr>
-            <a:lvl2pPr>
-              <a:defRPr sz="1600"/>
-            </a:lvl2pPr>
-            <a:lvl3pPr>
-              <a:defRPr sz="1400"/>
-            </a:lvl3pPr>
-            <a:lvl4pPr>
-              <a:defRPr sz="1200"/>
-            </a:lvl4pPr>
-            <a:lvl5pPr>
-              <a:defRPr sz="1200"/>
-            </a:lvl5pPr>
-            <a:lvl6pPr>
-              <a:defRPr sz="1200"/>
-            </a:lvl6pPr>
-            <a:lvl7pPr>
-              <a:defRPr sz="1200"/>
-            </a:lvl7pPr>
-            <a:lvl8pPr>
-              <a:defRPr sz="1200"/>
-            </a:lvl8pPr>
-            <a:lvl9pPr>
-              <a:defRPr sz="1200"/>
-            </a:lvl9pPr>
-          </a:lstStyle>
+            <a:off x="6173403" y="2088319"/>
+            <a:ext cx="5094154" cy="3702881"/>
+          </a:xfrm>
+        </p:spPr>
+        <p:txBody>
+          <a:bodyPr/>
+          <a:lstStyle/>
           <a:p>
             <a:pPr lvl="0"/>
             <a:r>
@@ -3822,8 +3818,8 @@
           <a:lstStyle/>
           <a:p>
             <a:fld id="{9796027F-7875-4030-9381-8BD8C4F21935}" type="datetimeFigureOut">
-              <a:rPr lang="en-US" dirty="0"/>
-              <a:t>02-Apr-23</a:t>
+              <a:rPr lang="en-US" smtClean="0"/>
+              <a:t>03-Apr-23</a:t>
             </a:fld>
             <a:endParaRPr lang="en-US" dirty="0"/>
           </a:p>
@@ -3864,7 +3860,7 @@
           <a:lstStyle/>
           <a:p>
             <a:fld id="{D57F1E4F-1CFF-5643-939E-02111984F565}" type="slidenum">
-              <a:rPr lang="en-US" dirty="0"/>
+              <a:rPr lang="en-US" smtClean="0"/>
               <a:t>‹#›</a:t>
             </a:fld>
             <a:endParaRPr lang="en-US" dirty="0"/>
@@ -3872,6 +3868,11 @@
         </p:txBody>
       </p:sp>
     </p:spTree>
+    <p:extLst>
+      <p:ext uri="{BB962C8B-B14F-4D97-AF65-F5344CB8AC3E}">
+        <p14:creationId xmlns:p14="http://schemas.microsoft.com/office/powerpoint/2010/main" val="4132154075"/>
+      </p:ext>
+    </p:extLst>
   </p:cSld>
   <p:clrMapOvr>
     <a:masterClrMapping/>
@@ -3906,14 +3907,15 @@
             <p:ph type="title"/>
           </p:nvPr>
         </p:nvSpPr>
-        <p:spPr/>
+        <p:spPr>
+          <a:xfrm>
+            <a:off x="913795" y="609600"/>
+            <a:ext cx="10353761" cy="1325563"/>
+          </a:xfrm>
+        </p:spPr>
         <p:txBody>
           <a:bodyPr/>
-          <a:lstStyle>
-            <a:lvl1pPr>
-              <a:defRPr/>
-            </a:lvl1pPr>
-          </a:lstStyle>
+          <a:lstStyle/>
           <a:p>
             <a:r>
               <a:rPr lang="en-US"/>
@@ -3935,22 +3937,19 @@
         </p:nvSpPr>
         <p:spPr>
           <a:xfrm>
-            <a:off x="1103313" y="1905000"/>
-            <a:ext cx="4396338" cy="576262"/>
-          </a:xfrm>
-        </p:spPr>
-        <p:txBody>
-          <a:bodyPr anchor="b">
-            <a:noAutofit/>
-          </a:bodyPr>
+            <a:off x="1141804" y="2088320"/>
+            <a:ext cx="4879199" cy="823912"/>
+          </a:xfrm>
+        </p:spPr>
+        <p:txBody>
+          <a:bodyPr anchor="b"/>
           <a:lstStyle>
             <a:lvl1pPr marL="0" indent="0">
-              <a:buNone/>
-              <a:defRPr sz="2400" b="0">
-                <a:solidFill>
-                  <a:schemeClr val="accent1"/>
-                </a:solidFill>
-              </a:defRPr>
+              <a:lnSpc>
+                <a:spcPct val="100000"/>
+              </a:lnSpc>
+              <a:buNone/>
+              <a:defRPr sz="2400" b="1"/>
             </a:lvl1pPr>
             <a:lvl2pPr marL="457200" indent="0">
               <a:buNone/>
@@ -4006,43 +4005,13 @@
         </p:nvSpPr>
         <p:spPr>
           <a:xfrm>
-            <a:off x="1103312" y="2514600"/>
-            <a:ext cx="4396339" cy="3741738"/>
-          </a:xfrm>
-        </p:spPr>
-        <p:txBody>
-          <a:bodyPr>
-            <a:normAutofit/>
-          </a:bodyPr>
-          <a:lstStyle>
-            <a:lvl1pPr>
-              <a:defRPr sz="1800"/>
-            </a:lvl1pPr>
-            <a:lvl2pPr>
-              <a:defRPr sz="1600"/>
-            </a:lvl2pPr>
-            <a:lvl3pPr>
-              <a:defRPr sz="1400"/>
-            </a:lvl3pPr>
-            <a:lvl4pPr>
-              <a:defRPr sz="1200"/>
-            </a:lvl4pPr>
-            <a:lvl5pPr>
-              <a:defRPr sz="1200"/>
-            </a:lvl5pPr>
-            <a:lvl6pPr>
-              <a:defRPr sz="1200"/>
-            </a:lvl6pPr>
-            <a:lvl7pPr>
-              <a:defRPr sz="1200"/>
-            </a:lvl7pPr>
-            <a:lvl8pPr>
-              <a:defRPr sz="1200"/>
-            </a:lvl8pPr>
-            <a:lvl9pPr>
-              <a:defRPr sz="1200"/>
-            </a:lvl9pPr>
-          </a:lstStyle>
+            <a:off x="913795" y="2912232"/>
+            <a:ext cx="5107208" cy="2878968"/>
+          </a:xfrm>
+        </p:spPr>
+        <p:txBody>
+          <a:bodyPr/>
+          <a:lstStyle/>
           <a:p>
             <a:pPr lvl="0"/>
             <a:r>
@@ -4093,22 +4062,19 @@
         </p:nvSpPr>
         <p:spPr>
           <a:xfrm>
-            <a:off x="5654495" y="1905000"/>
-            <a:ext cx="4396339" cy="576262"/>
-          </a:xfrm>
-        </p:spPr>
-        <p:txBody>
-          <a:bodyPr anchor="b">
-            <a:noAutofit/>
-          </a:bodyPr>
+            <a:off x="6402003" y="2088320"/>
+            <a:ext cx="4865554" cy="823912"/>
+          </a:xfrm>
+        </p:spPr>
+        <p:txBody>
+          <a:bodyPr anchor="b"/>
           <a:lstStyle>
             <a:lvl1pPr marL="0" indent="0">
-              <a:buNone/>
-              <a:defRPr sz="2400" b="0">
-                <a:solidFill>
-                  <a:schemeClr val="accent1"/>
-                </a:solidFill>
-              </a:defRPr>
+              <a:lnSpc>
+                <a:spcPct val="100000"/>
+              </a:lnSpc>
+              <a:buNone/>
+              <a:defRPr sz="2400" b="1"/>
             </a:lvl1pPr>
             <a:lvl2pPr marL="457200" indent="0">
               <a:buNone/>
@@ -4164,43 +4130,13 @@
         </p:nvSpPr>
         <p:spPr>
           <a:xfrm>
-            <a:off x="5654495" y="2514600"/>
-            <a:ext cx="4396339" cy="3741738"/>
-          </a:xfrm>
-        </p:spPr>
-        <p:txBody>
-          <a:bodyPr>
-            <a:normAutofit/>
-          </a:bodyPr>
-          <a:lstStyle>
-            <a:lvl1pPr>
-              <a:defRPr sz="1800"/>
-            </a:lvl1pPr>
-            <a:lvl2pPr>
-              <a:defRPr sz="1600"/>
-            </a:lvl2pPr>
-            <a:lvl3pPr>
-              <a:defRPr sz="1400"/>
-            </a:lvl3pPr>
-            <a:lvl4pPr>
-              <a:defRPr sz="1200"/>
-            </a:lvl4pPr>
-            <a:lvl5pPr>
-              <a:defRPr sz="1200"/>
-            </a:lvl5pPr>
-            <a:lvl6pPr>
-              <a:defRPr sz="1200"/>
-            </a:lvl6pPr>
-            <a:lvl7pPr>
-              <a:defRPr sz="1200"/>
-            </a:lvl7pPr>
-            <a:lvl8pPr>
-              <a:defRPr sz="1200"/>
-            </a:lvl8pPr>
-            <a:lvl9pPr>
-              <a:defRPr sz="1200"/>
-            </a:lvl9pPr>
-          </a:lstStyle>
+            <a:off x="6172200" y="2912232"/>
+            <a:ext cx="5095357" cy="2878968"/>
+          </a:xfrm>
+        </p:spPr>
+        <p:txBody>
+          <a:bodyPr/>
+          <a:lstStyle/>
           <a:p>
             <a:pPr lvl="0"/>
             <a:r>
@@ -4255,8 +4191,8 @@
           <a:lstStyle/>
           <a:p>
             <a:fld id="{9796027F-7875-4030-9381-8BD8C4F21935}" type="datetimeFigureOut">
-              <a:rPr lang="en-US" dirty="0"/>
-              <a:t>02-Apr-23</a:t>
+              <a:rPr lang="en-US" smtClean="0"/>
+              <a:t>03-Apr-23</a:t>
             </a:fld>
             <a:endParaRPr lang="en-US" dirty="0"/>
           </a:p>
@@ -4297,7 +4233,7 @@
           <a:lstStyle/>
           <a:p>
             <a:fld id="{D57F1E4F-1CFF-5643-939E-02111984F565}" type="slidenum">
-              <a:rPr lang="en-US" dirty="0"/>
+              <a:rPr lang="en-US" smtClean="0"/>
               <a:t>‹#›</a:t>
             </a:fld>
             <a:endParaRPr lang="en-US" dirty="0"/>
@@ -4305,6 +4241,11 @@
         </p:txBody>
       </p:sp>
     </p:spTree>
+    <p:extLst>
+      <p:ext uri="{BB962C8B-B14F-4D97-AF65-F5344CB8AC3E}">
+        <p14:creationId xmlns:p14="http://schemas.microsoft.com/office/powerpoint/2010/main" val="1691933011"/>
+      </p:ext>
+    </p:extLst>
   </p:cSld>
   <p:clrMapOvr>
     <a:masterClrMapping/>
@@ -4354,7 +4295,7 @@
       </p:sp>
       <p:sp>
         <p:nvSpPr>
-          <p:cNvPr id="7" name="Date Placeholder 2"/>
+          <p:cNvPr id="3" name="Date Placeholder 2"/>
           <p:cNvSpPr>
             <a:spLocks noGrp="1"/>
           </p:cNvSpPr>
@@ -4368,8 +4309,8 @@
           <a:lstStyle/>
           <a:p>
             <a:fld id="{4509A250-FF31-4206-8172-F9D3106AACB1}" type="datetimeFigureOut">
-              <a:rPr lang="en-US" dirty="0"/>
-              <a:t>02-Apr-23</a:t>
+              <a:rPr lang="en-US" smtClean="0"/>
+              <a:t>03-Apr-23</a:t>
             </a:fld>
             <a:endParaRPr lang="en-US" dirty="0"/>
           </a:p>
@@ -4377,7 +4318,7 @@
       </p:sp>
       <p:sp>
         <p:nvSpPr>
-          <p:cNvPr id="5" name="Footer Placeholder 3"/>
+          <p:cNvPr id="4" name="Footer Placeholder 3"/>
           <p:cNvSpPr>
             <a:spLocks noGrp="1"/>
           </p:cNvSpPr>
@@ -4396,7 +4337,7 @@
       </p:sp>
       <p:sp>
         <p:nvSpPr>
-          <p:cNvPr id="6" name="Slide Number Placeholder 4"/>
+          <p:cNvPr id="5" name="Slide Number Placeholder 4"/>
           <p:cNvSpPr>
             <a:spLocks noGrp="1"/>
           </p:cNvSpPr>
@@ -4410,7 +4351,7 @@
           <a:lstStyle/>
           <a:p>
             <a:fld id="{D57F1E4F-1CFF-5643-939E-02111984F565}" type="slidenum">
-              <a:rPr lang="en-US" dirty="0"/>
+              <a:rPr lang="en-US" smtClean="0"/>
               <a:t>‹#›</a:t>
             </a:fld>
             <a:endParaRPr lang="en-US" dirty="0"/>
@@ -4418,6 +4359,11 @@
         </p:txBody>
       </p:sp>
     </p:spTree>
+    <p:extLst>
+      <p:ext uri="{BB962C8B-B14F-4D97-AF65-F5344CB8AC3E}">
+        <p14:creationId xmlns:p14="http://schemas.microsoft.com/office/powerpoint/2010/main" val="2811764865"/>
+      </p:ext>
+    </p:extLst>
   </p:cSld>
   <p:clrMapOvr>
     <a:masterClrMapping/>
@@ -4444,7 +4390,7 @@
       </p:grpSpPr>
       <p:sp>
         <p:nvSpPr>
-          <p:cNvPr id="7" name="Date Placeholder 1"/>
+          <p:cNvPr id="2" name="Date Placeholder 1"/>
           <p:cNvSpPr>
             <a:spLocks noGrp="1"/>
           </p:cNvSpPr>
@@ -4458,8 +4404,8 @@
           <a:lstStyle/>
           <a:p>
             <a:fld id="{4509A250-FF31-4206-8172-F9D3106AACB1}" type="datetimeFigureOut">
-              <a:rPr lang="en-US" dirty="0"/>
-              <a:t>02-Apr-23</a:t>
+              <a:rPr lang="en-US" smtClean="0"/>
+              <a:t>03-Apr-23</a:t>
             </a:fld>
             <a:endParaRPr lang="en-US" dirty="0"/>
           </a:p>
@@ -4467,7 +4413,7 @@
       </p:sp>
       <p:sp>
         <p:nvSpPr>
-          <p:cNvPr id="5" name="Footer Placeholder 2"/>
+          <p:cNvPr id="3" name="Footer Placeholder 2"/>
           <p:cNvSpPr>
             <a:spLocks noGrp="1"/>
           </p:cNvSpPr>
@@ -4486,7 +4432,7 @@
       </p:sp>
       <p:sp>
         <p:nvSpPr>
-          <p:cNvPr id="6" name="Slide Number Placeholder 3"/>
+          <p:cNvPr id="4" name="Slide Number Placeholder 3"/>
           <p:cNvSpPr>
             <a:spLocks noGrp="1"/>
           </p:cNvSpPr>
@@ -4500,7 +4446,7 @@
           <a:lstStyle/>
           <a:p>
             <a:fld id="{D57F1E4F-1CFF-5643-939E-02111984F565}" type="slidenum">
-              <a:rPr lang="en-US" dirty="0"/>
+              <a:rPr lang="en-US" smtClean="0"/>
               <a:t>‹#›</a:t>
             </a:fld>
             <a:endParaRPr lang="en-US" dirty="0"/>
@@ -4508,6 +4454,11 @@
         </p:txBody>
       </p:sp>
     </p:spTree>
+    <p:extLst>
+      <p:ext uri="{BB962C8B-B14F-4D97-AF65-F5344CB8AC3E}">
+        <p14:creationId xmlns:p14="http://schemas.microsoft.com/office/powerpoint/2010/main" val="1262956932"/>
+      </p:ext>
+    </p:extLst>
   </p:cSld>
   <p:clrMapOvr>
     <a:masterClrMapping/>
@@ -4544,73 +4495,139 @@
         </p:nvSpPr>
         <p:spPr>
           <a:xfrm>
-            <a:off x="1154954" y="1447800"/>
-            <a:ext cx="3401064" cy="1447800"/>
-          </a:xfrm>
-        </p:spPr>
-        <p:txBody>
-          <a:bodyPr anchor="b"/>
-          <a:lstStyle>
-            <a:lvl1pPr algn="l">
-              <a:defRPr sz="2400" b="0"/>
-            </a:lvl1pPr>
-          </a:lstStyle>
-          <a:p>
-            <a:r>
-              <a:rPr lang="en-US"/>
-              <a:t>Click to edit Master title style</a:t>
-            </a:r>
-            <a:endParaRPr lang="en-US" dirty="0"/>
-          </a:p>
-        </p:txBody>
-      </p:sp>
-      <p:sp>
-        <p:nvSpPr>
-          <p:cNvPr id="3" name="Content Placeholder 2"/>
-          <p:cNvSpPr>
-            <a:spLocks noGrp="1"/>
-          </p:cNvSpPr>
-          <p:nvPr>
-            <p:ph idx="1"/>
-          </p:nvPr>
-        </p:nvSpPr>
-        <p:spPr>
-          <a:xfrm>
-            <a:off x="4784616" y="1447800"/>
-            <a:ext cx="5195997" cy="4572000"/>
-          </a:xfrm>
-        </p:spPr>
-        <p:txBody>
-          <a:bodyPr anchor="ctr">
+            <a:off x="917228" y="609600"/>
+            <a:ext cx="3932237" cy="2362200"/>
+          </a:xfrm>
+        </p:spPr>
+        <p:txBody>
+          <a:bodyPr anchor="b">
             <a:normAutofit/>
           </a:bodyPr>
           <a:lstStyle>
             <a:lvl1pPr>
-              <a:defRPr sz="2000"/>
+              <a:defRPr sz="2800"/>
             </a:lvl1pPr>
-            <a:lvl2pPr>
-              <a:defRPr sz="1800"/>
+          </a:lstStyle>
+          <a:p>
+            <a:r>
+              <a:rPr lang="en-US"/>
+              <a:t>Click to edit Master title style</a:t>
+            </a:r>
+            <a:endParaRPr lang="en-US" dirty="0"/>
+          </a:p>
+        </p:txBody>
+      </p:sp>
+      <p:sp>
+        <p:nvSpPr>
+          <p:cNvPr id="3" name="Content Placeholder 2"/>
+          <p:cNvSpPr>
+            <a:spLocks noGrp="1"/>
+          </p:cNvSpPr>
+          <p:nvPr>
+            <p:ph idx="1"/>
+          </p:nvPr>
+        </p:nvSpPr>
+        <p:spPr>
+          <a:xfrm>
+            <a:off x="5078064" y="609600"/>
+            <a:ext cx="6189492" cy="5181600"/>
+          </a:xfrm>
+        </p:spPr>
+        <p:txBody>
+          <a:bodyPr anchor="ctr"/>
+          <a:lstStyle/>
+          <a:p>
+            <a:pPr lvl="0"/>
+            <a:r>
+              <a:rPr lang="en-US"/>
+              <a:t>Click to edit Master text styles</a:t>
+            </a:r>
+          </a:p>
+          <a:p>
+            <a:pPr lvl="1"/>
+            <a:r>
+              <a:rPr lang="en-US"/>
+              <a:t>Second level</a:t>
+            </a:r>
+          </a:p>
+          <a:p>
+            <a:pPr lvl="2"/>
+            <a:r>
+              <a:rPr lang="en-US"/>
+              <a:t>Third level</a:t>
+            </a:r>
+          </a:p>
+          <a:p>
+            <a:pPr lvl="3"/>
+            <a:r>
+              <a:rPr lang="en-US"/>
+              <a:t>Fourth level</a:t>
+            </a:r>
+          </a:p>
+          <a:p>
+            <a:pPr lvl="4"/>
+            <a:r>
+              <a:rPr lang="en-US"/>
+              <a:t>Fifth level</a:t>
+            </a:r>
+            <a:endParaRPr lang="en-US" dirty="0"/>
+          </a:p>
+        </p:txBody>
+      </p:sp>
+      <p:sp>
+        <p:nvSpPr>
+          <p:cNvPr id="4" name="Text Placeholder 3"/>
+          <p:cNvSpPr>
+            <a:spLocks noGrp="1"/>
+          </p:cNvSpPr>
+          <p:nvPr>
+            <p:ph type="body" sz="half" idx="2"/>
+          </p:nvPr>
+        </p:nvSpPr>
+        <p:spPr>
+          <a:xfrm>
+            <a:off x="917228" y="2971800"/>
+            <a:ext cx="3932237" cy="2819399"/>
+          </a:xfrm>
+        </p:spPr>
+        <p:txBody>
+          <a:bodyPr/>
+          <a:lstStyle>
+            <a:lvl1pPr marL="0" indent="0" algn="ctr">
+              <a:buNone/>
+              <a:defRPr sz="1600"/>
+            </a:lvl1pPr>
+            <a:lvl2pPr marL="457200" indent="0">
+              <a:buNone/>
+              <a:defRPr sz="1400"/>
             </a:lvl2pPr>
-            <a:lvl3pPr>
-              <a:defRPr sz="1600"/>
+            <a:lvl3pPr marL="914400" indent="0">
+              <a:buNone/>
+              <a:defRPr sz="1200"/>
             </a:lvl3pPr>
-            <a:lvl4pPr>
-              <a:defRPr sz="1400"/>
+            <a:lvl4pPr marL="1371600" indent="0">
+              <a:buNone/>
+              <a:defRPr sz="1000"/>
             </a:lvl4pPr>
-            <a:lvl5pPr>
-              <a:defRPr sz="1400"/>
+            <a:lvl5pPr marL="1828800" indent="0">
+              <a:buNone/>
+              <a:defRPr sz="1000"/>
             </a:lvl5pPr>
-            <a:lvl6pPr>
-              <a:defRPr sz="1400"/>
+            <a:lvl6pPr marL="2286000" indent="0">
+              <a:buNone/>
+              <a:defRPr sz="1000"/>
             </a:lvl6pPr>
-            <a:lvl7pPr>
-              <a:defRPr sz="1400"/>
+            <a:lvl7pPr marL="2743200" indent="0">
+              <a:buNone/>
+              <a:defRPr sz="1000"/>
             </a:lvl7pPr>
-            <a:lvl8pPr>
-              <a:defRPr sz="1400"/>
+            <a:lvl8pPr marL="3200400" indent="0">
+              <a:buNone/>
+              <a:defRPr sz="1000"/>
             </a:lvl8pPr>
-            <a:lvl9pPr>
-              <a:defRPr sz="1400"/>
+            <a:lvl9pPr marL="3657600" indent="0">
+              <a:buNone/>
+              <a:defRPr sz="1000"/>
             </a:lvl9pPr>
           </a:lstStyle>
           <a:p>
@@ -4620,105 +4637,11 @@
               <a:t>Click to edit Master text styles</a:t>
             </a:r>
           </a:p>
-          <a:p>
-            <a:pPr lvl="1"/>
-            <a:r>
-              <a:rPr lang="en-US"/>
-              <a:t>Second level</a:t>
-            </a:r>
-          </a:p>
-          <a:p>
-            <a:pPr lvl="2"/>
-            <a:r>
-              <a:rPr lang="en-US"/>
-              <a:t>Third level</a:t>
-            </a:r>
-          </a:p>
-          <a:p>
-            <a:pPr lvl="3"/>
-            <a:r>
-              <a:rPr lang="en-US"/>
-              <a:t>Fourth level</a:t>
-            </a:r>
-          </a:p>
-          <a:p>
-            <a:pPr lvl="4"/>
-            <a:r>
-              <a:rPr lang="en-US"/>
-              <a:t>Fifth level</a:t>
-            </a:r>
-            <a:endParaRPr lang="en-US" dirty="0"/>
-          </a:p>
-        </p:txBody>
-      </p:sp>
-      <p:sp>
-        <p:nvSpPr>
-          <p:cNvPr id="4" name="Text Placeholder 3"/>
-          <p:cNvSpPr>
-            <a:spLocks noGrp="1"/>
-          </p:cNvSpPr>
-          <p:nvPr>
-            <p:ph type="body" sz="half" idx="2"/>
-          </p:nvPr>
-        </p:nvSpPr>
-        <p:spPr>
-          <a:xfrm>
-            <a:off x="1154954" y="3129280"/>
-            <a:ext cx="3401063" cy="2895599"/>
-          </a:xfrm>
-        </p:spPr>
-        <p:txBody>
-          <a:bodyPr/>
-          <a:lstStyle>
-            <a:lvl1pPr marL="0" indent="0">
-              <a:buNone/>
-              <a:defRPr sz="1400"/>
-            </a:lvl1pPr>
-            <a:lvl2pPr marL="457200" indent="0">
-              <a:buNone/>
-              <a:defRPr sz="1200"/>
-            </a:lvl2pPr>
-            <a:lvl3pPr marL="914400" indent="0">
-              <a:buNone/>
-              <a:defRPr sz="1000"/>
-            </a:lvl3pPr>
-            <a:lvl4pPr marL="1371600" indent="0">
-              <a:buNone/>
-              <a:defRPr sz="900"/>
-            </a:lvl4pPr>
-            <a:lvl5pPr marL="1828800" indent="0">
-              <a:buNone/>
-              <a:defRPr sz="900"/>
-            </a:lvl5pPr>
-            <a:lvl6pPr marL="2286000" indent="0">
-              <a:buNone/>
-              <a:defRPr sz="900"/>
-            </a:lvl6pPr>
-            <a:lvl7pPr marL="2743200" indent="0">
-              <a:buNone/>
-              <a:defRPr sz="900"/>
-            </a:lvl7pPr>
-            <a:lvl8pPr marL="3200400" indent="0">
-              <a:buNone/>
-              <a:defRPr sz="900"/>
-            </a:lvl8pPr>
-            <a:lvl9pPr marL="3657600" indent="0">
-              <a:buNone/>
-              <a:defRPr sz="900"/>
-            </a:lvl9pPr>
-          </a:lstStyle>
-          <a:p>
-            <a:pPr lvl="0"/>
-            <a:r>
-              <a:rPr lang="en-US"/>
-              <a:t>Click to edit Master text styles</a:t>
-            </a:r>
-          </a:p>
-        </p:txBody>
-      </p:sp>
-      <p:sp>
-        <p:nvSpPr>
-          <p:cNvPr id="7" name="Date Placeholder 4"/>
+        </p:txBody>
+      </p:sp>
+      <p:sp>
+        <p:nvSpPr>
+          <p:cNvPr id="5" name="Date Placeholder 4"/>
           <p:cNvSpPr>
             <a:spLocks noGrp="1"/>
           </p:cNvSpPr>
@@ -4732,8 +4655,8 @@
           <a:lstStyle/>
           <a:p>
             <a:fld id="{4509A250-FF31-4206-8172-F9D3106AACB1}" type="datetimeFigureOut">
-              <a:rPr lang="en-US" dirty="0"/>
-              <a:t>02-Apr-23</a:t>
+              <a:rPr lang="en-US" smtClean="0"/>
+              <a:t>03-Apr-23</a:t>
             </a:fld>
             <a:endParaRPr lang="en-US" dirty="0"/>
           </a:p>
@@ -4741,7 +4664,7 @@
       </p:sp>
       <p:sp>
         <p:nvSpPr>
-          <p:cNvPr id="5" name="Footer Placeholder 5"/>
+          <p:cNvPr id="6" name="Footer Placeholder 5"/>
           <p:cNvSpPr>
             <a:spLocks noGrp="1"/>
           </p:cNvSpPr>
@@ -4760,7 +4683,7 @@
       </p:sp>
       <p:sp>
         <p:nvSpPr>
-          <p:cNvPr id="6" name="Slide Number Placeholder 6"/>
+          <p:cNvPr id="7" name="Slide Number Placeholder 6"/>
           <p:cNvSpPr>
             <a:spLocks noGrp="1"/>
           </p:cNvSpPr>
@@ -4774,7 +4697,7 @@
           <a:lstStyle/>
           <a:p>
             <a:fld id="{D57F1E4F-1CFF-5643-939E-02111984F565}" type="slidenum">
-              <a:rPr lang="en-US" dirty="0"/>
+              <a:rPr lang="en-US" smtClean="0"/>
               <a:t>‹#›</a:t>
             </a:fld>
             <a:endParaRPr lang="en-US" dirty="0"/>
@@ -4782,6 +4705,11 @@
         </p:txBody>
       </p:sp>
     </p:spTree>
+    <p:extLst>
+      <p:ext uri="{BB962C8B-B14F-4D97-AF65-F5344CB8AC3E}">
+        <p14:creationId xmlns:p14="http://schemas.microsoft.com/office/powerpoint/2010/main" val="2272389717"/>
+      </p:ext>
+    </p:extLst>
   </p:cSld>
   <p:clrMapOvr>
     <a:masterClrMapping/>
@@ -4818,8 +4746,8 @@
         </p:nvSpPr>
         <p:spPr>
           <a:xfrm>
-            <a:off x="1153907" y="1854192"/>
-            <a:ext cx="5092906" cy="1574808"/>
+            <a:off x="917227" y="609600"/>
+            <a:ext cx="5929773" cy="2362200"/>
           </a:xfrm>
         </p:spPr>
         <p:txBody>
@@ -4827,8 +4755,8 @@
             <a:normAutofit/>
           </a:bodyPr>
           <a:lstStyle>
-            <a:lvl1pPr algn="l">
-              <a:defRPr sz="3600" b="0"/>
+            <a:lvl1pPr>
+              <a:defRPr sz="3200"/>
             </a:lvl1pPr>
           </a:lstStyle>
           <a:p>
@@ -4852,132 +4780,144 @@
         </p:nvSpPr>
         <p:spPr>
           <a:xfrm>
-            <a:off x="6949546" y="1143000"/>
-            <a:ext cx="3200400" cy="4572000"/>
-          </a:xfrm>
-          <a:prstGeom prst="roundRect">
-            <a:avLst>
-              <a:gd name="adj" fmla="val 1858"/>
-            </a:avLst>
-          </a:prstGeom>
+            <a:off x="7424804" y="758881"/>
+            <a:ext cx="3255356" cy="4883038"/>
+          </a:xfrm>
+          <a:noFill/>
+          <a:ln w="190500" cap="sq">
+            <a:solidFill>
+              <a:srgbClr val="FFFFFF"/>
+            </a:solidFill>
+            <a:miter lim="800000"/>
+          </a:ln>
           <a:effectLst>
-            <a:outerShdw blurRad="50800" dist="50800" dir="5400000" algn="tl" rotWithShape="0">
+            <a:outerShdw blurRad="55000" dist="18000" dir="5400000" algn="tl" rotWithShape="0">
               <a:srgbClr val="000000">
-                <a:alpha val="43000"/>
+                <a:alpha val="40000"/>
               </a:srgbClr>
             </a:outerShdw>
           </a:effectLst>
-        </p:spPr>
-        <p:txBody>
-          <a:bodyPr anchor="t">
+          <a:scene3d>
+            <a:camera prst="orthographicFront"/>
+            <a:lightRig rig="twoPt" dir="t">
+              <a:rot lat="0" lon="0" rev="7200000"/>
+            </a:lightRig>
+          </a:scene3d>
+          <a:sp3d>
+            <a:bevelT w="25400" h="19050"/>
+            <a:contourClr>
+              <a:srgbClr val="FFFFFF"/>
+            </a:contourClr>
+          </a:sp3d>
+        </p:spPr>
+        <p:txBody>
+          <a:bodyPr anchor="t"/>
+          <a:lstStyle>
+            <a:lvl1pPr marL="0" indent="0" algn="ctr">
+              <a:buNone/>
+              <a:defRPr sz="3200"/>
+            </a:lvl1pPr>
+            <a:lvl2pPr marL="457200" indent="0">
+              <a:buNone/>
+              <a:defRPr sz="2800"/>
+            </a:lvl2pPr>
+            <a:lvl3pPr marL="914400" indent="0">
+              <a:buNone/>
+              <a:defRPr sz="2400"/>
+            </a:lvl3pPr>
+            <a:lvl4pPr marL="1371600" indent="0">
+              <a:buNone/>
+              <a:defRPr sz="2000"/>
+            </a:lvl4pPr>
+            <a:lvl5pPr marL="1828800" indent="0">
+              <a:buNone/>
+              <a:defRPr sz="2000"/>
+            </a:lvl5pPr>
+            <a:lvl6pPr marL="2286000" indent="0">
+              <a:buNone/>
+              <a:defRPr sz="2000"/>
+            </a:lvl6pPr>
+            <a:lvl7pPr marL="2743200" indent="0">
+              <a:buNone/>
+              <a:defRPr sz="2000"/>
+            </a:lvl7pPr>
+            <a:lvl8pPr marL="3200400" indent="0">
+              <a:buNone/>
+              <a:defRPr sz="2000"/>
+            </a:lvl8pPr>
+            <a:lvl9pPr marL="3657600" indent="0">
+              <a:buNone/>
+              <a:defRPr sz="2000"/>
+            </a:lvl9pPr>
+          </a:lstStyle>
+          <a:p>
+            <a:r>
+              <a:rPr lang="en-US"/>
+              <a:t>Click icon to add picture</a:t>
+            </a:r>
+            <a:endParaRPr lang="en-US" dirty="0"/>
+          </a:p>
+        </p:txBody>
+      </p:sp>
+      <p:sp>
+        <p:nvSpPr>
+          <p:cNvPr id="4" name="Text Placeholder 3"/>
+          <p:cNvSpPr>
+            <a:spLocks noGrp="1"/>
+          </p:cNvSpPr>
+          <p:nvPr>
+            <p:ph type="body" sz="half" idx="2"/>
+          </p:nvPr>
+        </p:nvSpPr>
+        <p:spPr>
+          <a:xfrm>
+            <a:off x="913794" y="2971800"/>
+            <a:ext cx="5934950" cy="2819400"/>
+          </a:xfrm>
+        </p:spPr>
+        <p:txBody>
+          <a:bodyPr>
             <a:normAutofit/>
           </a:bodyPr>
           <a:lstStyle>
             <a:lvl1pPr marL="0" indent="0" algn="ctr">
               <a:buNone/>
-              <a:defRPr sz="1600"/>
+              <a:defRPr sz="1800"/>
             </a:lvl1pPr>
             <a:lvl2pPr marL="457200" indent="0">
               <a:buNone/>
-              <a:defRPr sz="1600"/>
+              <a:defRPr sz="1400"/>
             </a:lvl2pPr>
             <a:lvl3pPr marL="914400" indent="0">
               <a:buNone/>
-              <a:defRPr sz="1600"/>
+              <a:defRPr sz="1200"/>
             </a:lvl3pPr>
             <a:lvl4pPr marL="1371600" indent="0">
               <a:buNone/>
-              <a:defRPr sz="1600"/>
+              <a:defRPr sz="1000"/>
             </a:lvl4pPr>
             <a:lvl5pPr marL="1828800" indent="0">
               <a:buNone/>
-              <a:defRPr sz="1600"/>
+              <a:defRPr sz="1000"/>
             </a:lvl5pPr>
             <a:lvl6pPr marL="2286000" indent="0">
               <a:buNone/>
-              <a:defRPr sz="1600"/>
+              <a:defRPr sz="1000"/>
             </a:lvl6pPr>
             <a:lvl7pPr marL="2743200" indent="0">
               <a:buNone/>
-              <a:defRPr sz="1600"/>
+              <a:defRPr sz="1000"/>
             </a:lvl7pPr>
             <a:lvl8pPr marL="3200400" indent="0">
               <a:buNone/>
-              <a:defRPr sz="1600"/>
+              <a:defRPr sz="1000"/>
             </a:lvl8pPr>
             <a:lvl9pPr marL="3657600" indent="0">
               <a:buNone/>
-              <a:defRPr sz="1600"/>
+              <a:defRPr sz="1000"/>
             </a:lvl9pPr>
           </a:lstStyle>
           <a:p>
-            <a:r>
-              <a:rPr lang="en-US"/>
-              <a:t>Click icon to add picture</a:t>
-            </a:r>
-            <a:endParaRPr lang="en-US" dirty="0"/>
-          </a:p>
-        </p:txBody>
-      </p:sp>
-      <p:sp>
-        <p:nvSpPr>
-          <p:cNvPr id="4" name="Text Placeholder 3"/>
-          <p:cNvSpPr>
-            <a:spLocks noGrp="1"/>
-          </p:cNvSpPr>
-          <p:nvPr>
-            <p:ph type="body" sz="half" idx="2"/>
-          </p:nvPr>
-        </p:nvSpPr>
-        <p:spPr>
-          <a:xfrm>
-            <a:off x="1154954" y="3657600"/>
-            <a:ext cx="5084979" cy="1371600"/>
-          </a:xfrm>
-        </p:spPr>
-        <p:txBody>
-          <a:bodyPr>
-            <a:normAutofit/>
-          </a:bodyPr>
-          <a:lstStyle>
-            <a:lvl1pPr marL="0" indent="0">
-              <a:buNone/>
-              <a:defRPr sz="1400"/>
-            </a:lvl1pPr>
-            <a:lvl2pPr marL="457200" indent="0">
-              <a:buNone/>
-              <a:defRPr sz="1200"/>
-            </a:lvl2pPr>
-            <a:lvl3pPr marL="914400" indent="0">
-              <a:buNone/>
-              <a:defRPr sz="1000"/>
-            </a:lvl3pPr>
-            <a:lvl4pPr marL="1371600" indent="0">
-              <a:buNone/>
-              <a:defRPr sz="900"/>
-            </a:lvl4pPr>
-            <a:lvl5pPr marL="1828800" indent="0">
-              <a:buNone/>
-              <a:defRPr sz="900"/>
-            </a:lvl5pPr>
-            <a:lvl6pPr marL="2286000" indent="0">
-              <a:buNone/>
-              <a:defRPr sz="900"/>
-            </a:lvl6pPr>
-            <a:lvl7pPr marL="2743200" indent="0">
-              <a:buNone/>
-              <a:defRPr sz="900"/>
-            </a:lvl7pPr>
-            <a:lvl8pPr marL="3200400" indent="0">
-              <a:buNone/>
-              <a:defRPr sz="900"/>
-            </a:lvl8pPr>
-            <a:lvl9pPr marL="3657600" indent="0">
-              <a:buNone/>
-              <a:defRPr sz="900"/>
-            </a:lvl9pPr>
-          </a:lstStyle>
-          <a:p>
             <a:pPr lvl="0"/>
             <a:r>
               <a:rPr lang="en-US"/>
@@ -5002,8 +4942,8 @@
           <a:lstStyle/>
           <a:p>
             <a:fld id="{4509A250-FF31-4206-8172-F9D3106AACB1}" type="datetimeFigureOut">
-              <a:rPr lang="en-US" dirty="0"/>
-              <a:t>02-Apr-23</a:t>
+              <a:rPr lang="en-US" smtClean="0"/>
+              <a:t>03-Apr-23</a:t>
             </a:fld>
             <a:endParaRPr lang="en-US" dirty="0"/>
           </a:p>
@@ -5044,7 +4984,7 @@
           <a:lstStyle/>
           <a:p>
             <a:fld id="{D57F1E4F-1CFF-5643-939E-02111984F565}" type="slidenum">
-              <a:rPr lang="en-US" dirty="0"/>
+              <a:rPr lang="en-US" smtClean="0"/>
               <a:t>‹#›</a:t>
             </a:fld>
             <a:endParaRPr lang="en-US" dirty="0"/>
@@ -5052,6 +4992,11 @@
         </p:txBody>
       </p:sp>
     </p:spTree>
+    <p:extLst>
+      <p:ext uri="{BB962C8B-B14F-4D97-AF65-F5344CB8AC3E}">
+        <p14:creationId xmlns:p14="http://schemas.microsoft.com/office/powerpoint/2010/main" val="3649643209"/>
+      </p:ext>
+    </p:extLst>
   </p:cSld>
   <p:clrMapOvr>
     <a:masterClrMapping/>
@@ -5081,243 +5026,28 @@
           <a:chExt cx="0" cy="0"/>
         </a:xfrm>
       </p:grpSpPr>
-      <p:pic>
-        <p:nvPicPr>
-          <p:cNvPr id="8" name="Picture 7"/>
-          <p:cNvPicPr>
-            <a:picLocks noChangeAspect="1"/>
-          </p:cNvPicPr>
-          <p:nvPr/>
-        </p:nvPicPr>
-        <p:blipFill rotWithShape="1">
-          <a:blip r:embed="rId19">
-            <a:extLst>
-              <a:ext uri="{28A0092B-C50C-407E-A947-70E740481C1C}">
-                <a14:useLocalDpi xmlns:a14="http://schemas.microsoft.com/office/drawing/2010/main" val="0"/>
-              </a:ext>
-            </a:extLst>
-          </a:blip>
-          <a:srcRect l="3613"/>
-          <a:stretch/>
-        </p:blipFill>
-        <p:spPr>
-          <a:xfrm>
-            <a:off x="0" y="2669685"/>
-            <a:ext cx="4037012" cy="4188315"/>
+      <p:sp>
+        <p:nvSpPr>
+          <p:cNvPr id="2" name="Title Placeholder 1"/>
+          <p:cNvSpPr>
+            <a:spLocks noGrp="1"/>
+          </p:cNvSpPr>
+          <p:nvPr>
+            <p:ph type="title"/>
+          </p:nvPr>
+        </p:nvSpPr>
+        <p:spPr>
+          <a:xfrm>
+            <a:off x="913795" y="609600"/>
+            <a:ext cx="10353761" cy="1326321"/>
           </a:xfrm>
           <a:prstGeom prst="rect">
             <a:avLst/>
           </a:prstGeom>
         </p:spPr>
-      </p:pic>
-      <p:pic>
-        <p:nvPicPr>
-          <p:cNvPr id="7" name="Picture 6"/>
-          <p:cNvPicPr>
-            <a:picLocks noChangeAspect="1"/>
-          </p:cNvPicPr>
-          <p:nvPr/>
-        </p:nvPicPr>
-        <p:blipFill rotWithShape="1">
-          <a:blip r:embed="rId20">
-            <a:extLst>
-              <a:ext uri="{28A0092B-C50C-407E-A947-70E740481C1C}">
-                <a14:useLocalDpi xmlns:a14="http://schemas.microsoft.com/office/drawing/2010/main" val="0"/>
-              </a:ext>
-            </a:extLst>
-          </a:blip>
-          <a:srcRect l="35640"/>
-          <a:stretch/>
-        </p:blipFill>
-        <p:spPr>
-          <a:xfrm>
-            <a:off x="0" y="2892347"/>
-            <a:ext cx="1522412" cy="2365453"/>
-          </a:xfrm>
-          <a:prstGeom prst="rect">
-            <a:avLst/>
-          </a:prstGeom>
-        </p:spPr>
-      </p:pic>
-      <p:sp>
-        <p:nvSpPr>
-          <p:cNvPr id="16" name="Oval 15"/>
-          <p:cNvSpPr/>
-          <p:nvPr/>
-        </p:nvSpPr>
-        <p:spPr>
-          <a:xfrm>
-            <a:off x="8609012" y="1676400"/>
-            <a:ext cx="2819400" cy="2819400"/>
-          </a:xfrm>
-          <a:prstGeom prst="ellipse">
-            <a:avLst/>
-          </a:prstGeom>
-          <a:gradFill flip="none" rotWithShape="1">
-            <a:gsLst>
-              <a:gs pos="0">
-                <a:schemeClr val="accent1">
-                  <a:lumMod val="60000"/>
-                  <a:lumOff val="40000"/>
-                  <a:alpha val="7000"/>
-                </a:schemeClr>
-              </a:gs>
-              <a:gs pos="69000">
-                <a:schemeClr val="accent1">
-                  <a:lumMod val="60000"/>
-                  <a:lumOff val="40000"/>
-                  <a:alpha val="0"/>
-                </a:schemeClr>
-              </a:gs>
-              <a:gs pos="36000">
-                <a:schemeClr val="accent1">
-                  <a:lumMod val="60000"/>
-                  <a:lumOff val="40000"/>
-                  <a:alpha val="6000"/>
-                </a:schemeClr>
-              </a:gs>
-            </a:gsLst>
-            <a:path path="circle">
-              <a:fillToRect l="50000" t="50000" r="50000" b="50000"/>
-            </a:path>
-            <a:tileRect/>
-          </a:gradFill>
-          <a:ln>
-            <a:noFill/>
-          </a:ln>
-          <a:effectLst/>
-        </p:spPr>
-        <p:style>
-          <a:lnRef idx="1">
-            <a:schemeClr val="accent1"/>
-          </a:lnRef>
-          <a:fillRef idx="3">
-            <a:schemeClr val="accent1"/>
-          </a:fillRef>
-          <a:effectRef idx="2">
-            <a:schemeClr val="accent1"/>
-          </a:effectRef>
-          <a:fontRef idx="minor">
-            <a:schemeClr val="lt1"/>
-          </a:fontRef>
-        </p:style>
-      </p:sp>
-      <p:pic>
-        <p:nvPicPr>
-          <p:cNvPr id="9" name="Picture 8"/>
-          <p:cNvPicPr>
-            <a:picLocks noChangeAspect="1"/>
-          </p:cNvPicPr>
-          <p:nvPr/>
-        </p:nvPicPr>
-        <p:blipFill rotWithShape="1">
-          <a:blip r:embed="rId21">
-            <a:extLst>
-              <a:ext uri="{28A0092B-C50C-407E-A947-70E740481C1C}">
-                <a14:useLocalDpi xmlns:a14="http://schemas.microsoft.com/office/drawing/2010/main" val="0"/>
-              </a:ext>
-            </a:extLst>
-          </a:blip>
-          <a:srcRect t="28713"/>
-          <a:stretch/>
-        </p:blipFill>
-        <p:spPr>
-          <a:xfrm>
-            <a:off x="8000197" y="0"/>
-            <a:ext cx="1603387" cy="1143000"/>
-          </a:xfrm>
-          <a:prstGeom prst="rect">
-            <a:avLst/>
-          </a:prstGeom>
-        </p:spPr>
-      </p:pic>
-      <p:pic>
-        <p:nvPicPr>
-          <p:cNvPr id="10" name="Picture 9"/>
-          <p:cNvPicPr>
-            <a:picLocks noChangeAspect="1"/>
-          </p:cNvPicPr>
-          <p:nvPr/>
-        </p:nvPicPr>
-        <p:blipFill rotWithShape="1">
-          <a:blip r:embed="rId22">
-            <a:extLst>
-              <a:ext uri="{28A0092B-C50C-407E-A947-70E740481C1C}">
-                <a14:useLocalDpi xmlns:a14="http://schemas.microsoft.com/office/drawing/2010/main" val="0"/>
-              </a:ext>
-            </a:extLst>
-          </a:blip>
-          <a:srcRect b="24199"/>
-          <a:stretch/>
-        </p:blipFill>
-        <p:spPr>
-          <a:xfrm>
-            <a:off x="8609012" y="6092866"/>
-            <a:ext cx="993734" cy="765134"/>
-          </a:xfrm>
-          <a:prstGeom prst="rect">
-            <a:avLst/>
-          </a:prstGeom>
-        </p:spPr>
-      </p:pic>
-      <p:sp>
-        <p:nvSpPr>
-          <p:cNvPr id="14" name="Rectangle 13"/>
-          <p:cNvSpPr/>
-          <p:nvPr/>
-        </p:nvSpPr>
-        <p:spPr>
-          <a:xfrm>
-            <a:off x="10437812" y="0"/>
-            <a:ext cx="685800" cy="1143000"/>
-          </a:xfrm>
-          <a:prstGeom prst="rect">
-            <a:avLst/>
-          </a:prstGeom>
-          <a:solidFill>
-            <a:schemeClr val="accent1"/>
-          </a:solidFill>
-          <a:ln>
-            <a:noFill/>
-          </a:ln>
-        </p:spPr>
-        <p:style>
-          <a:lnRef idx="1">
-            <a:schemeClr val="accent1"/>
-          </a:lnRef>
-          <a:fillRef idx="3">
-            <a:schemeClr val="accent1"/>
-          </a:fillRef>
-          <a:effectRef idx="2">
-            <a:schemeClr val="accent1"/>
-          </a:effectRef>
-          <a:fontRef idx="minor">
-            <a:schemeClr val="lt1"/>
-          </a:fontRef>
-        </p:style>
-      </p:sp>
-      <p:sp>
-        <p:nvSpPr>
-          <p:cNvPr id="2" name="Title Placeholder 1"/>
-          <p:cNvSpPr>
-            <a:spLocks noGrp="1"/>
-          </p:cNvSpPr>
-          <p:nvPr>
-            <p:ph type="title"/>
-          </p:nvPr>
-        </p:nvSpPr>
-        <p:spPr>
-          <a:xfrm>
-            <a:off x="646111" y="452718"/>
-            <a:ext cx="9404723" cy="1400530"/>
-          </a:xfrm>
-          <a:prstGeom prst="rect">
-            <a:avLst/>
-          </a:prstGeom>
-        </p:spPr>
-        <p:txBody>
-          <a:bodyPr vert="horz" lIns="91440" tIns="45720" rIns="91440" bIns="45720" rtlCol="0" anchor="t">
-            <a:noAutofit/>
+        <p:txBody>
+          <a:bodyPr vert="horz" lIns="91440" tIns="45720" rIns="91440" bIns="45720" rtlCol="0" anchor="ctr">
+            <a:normAutofit/>
           </a:bodyPr>
           <a:lstStyle/>
           <a:p>
@@ -5341,8 +5071,8 @@
         </p:nvSpPr>
         <p:spPr>
           <a:xfrm>
-            <a:off x="1103312" y="2052918"/>
-            <a:ext cx="8946541" cy="4195481"/>
+            <a:off x="913795" y="2096064"/>
+            <a:ext cx="10353762" cy="3695136"/>
           </a:xfrm>
           <a:prstGeom prst="rect">
             <a:avLst/>
@@ -5402,99 +5132,19 @@
           </p:nvPr>
         </p:nvSpPr>
         <p:spPr>
-          <a:xfrm rot="5400000">
-            <a:off x="10155639" y="1790701"/>
-            <a:ext cx="990599" cy="304799"/>
+          <a:xfrm>
+            <a:off x="7678736" y="5883275"/>
+            <a:ext cx="2743200" cy="365125"/>
           </a:xfrm>
           <a:prstGeom prst="rect">
             <a:avLst/>
           </a:prstGeom>
         </p:spPr>
         <p:txBody>
-          <a:bodyPr vert="horz" lIns="91440" tIns="45720" rIns="91440" bIns="45720" rtlCol="0" anchor="t"/>
+          <a:bodyPr vert="horz" lIns="91440" tIns="45720" rIns="91440" bIns="45720" rtlCol="0" anchor="ctr"/>
           <a:lstStyle>
-            <a:lvl1pPr algn="l">
-              <a:defRPr sz="1100" b="0" i="0">
-                <a:solidFill>
-                  <a:schemeClr val="tx1">
-                    <a:tint val="75000"/>
-                    <a:alpha val="60000"/>
-                  </a:schemeClr>
-                </a:solidFill>
-              </a:defRPr>
-            </a:lvl1pPr>
-          </a:lstStyle>
-          <a:p>
-            <a:fld id="{4AAD347D-5ACD-4C99-B74B-A9C85AD731AF}" type="datetimeFigureOut">
-              <a:rPr lang="en-US" dirty="0"/>
-              <a:t>02-Apr-23</a:t>
-            </a:fld>
-            <a:endParaRPr lang="en-US" dirty="0"/>
-          </a:p>
-        </p:txBody>
-      </p:sp>
-      <p:sp>
-        <p:nvSpPr>
-          <p:cNvPr id="5" name="Footer Placeholder 4"/>
-          <p:cNvSpPr>
-            <a:spLocks noGrp="1"/>
-          </p:cNvSpPr>
-          <p:nvPr>
-            <p:ph type="ftr" sz="quarter" idx="3"/>
-          </p:nvPr>
-        </p:nvSpPr>
-        <p:spPr>
-          <a:xfrm rot="5400000">
-            <a:off x="8951573" y="3225297"/>
-            <a:ext cx="3859795" cy="304801"/>
-          </a:xfrm>
-          <a:prstGeom prst="rect">
-            <a:avLst/>
-          </a:prstGeom>
-        </p:spPr>
-        <p:txBody>
-          <a:bodyPr vert="horz" lIns="91440" tIns="45720" rIns="91440" bIns="45720" rtlCol="0" anchor="b"/>
-          <a:lstStyle>
-            <a:lvl1pPr algn="l">
-              <a:defRPr sz="1100" b="0" i="0">
-                <a:solidFill>
-                  <a:schemeClr val="tx1">
-                    <a:tint val="75000"/>
-                    <a:alpha val="60000"/>
-                  </a:schemeClr>
-                </a:solidFill>
-              </a:defRPr>
-            </a:lvl1pPr>
-          </a:lstStyle>
-          <a:p>
-            <a:endParaRPr lang="en-US" dirty="0"/>
-          </a:p>
-        </p:txBody>
-      </p:sp>
-      <p:sp>
-        <p:nvSpPr>
-          <p:cNvPr id="6" name="Slide Number Placeholder 5"/>
-          <p:cNvSpPr>
-            <a:spLocks noGrp="1"/>
-          </p:cNvSpPr>
-          <p:nvPr>
-            <p:ph type="sldNum" sz="quarter" idx="4"/>
-          </p:nvPr>
-        </p:nvSpPr>
-        <p:spPr>
-          <a:xfrm>
-            <a:off x="10352540" y="295729"/>
-            <a:ext cx="838199" cy="767687"/>
-          </a:xfrm>
-          <a:prstGeom prst="rect">
-            <a:avLst/>
-          </a:prstGeom>
-        </p:spPr>
-        <p:txBody>
-          <a:bodyPr vert="horz" lIns="91440" tIns="45720" rIns="91440" bIns="45720" rtlCol="0" anchor="b"/>
-          <a:lstStyle>
-            <a:lvl1pPr algn="ctr">
-              <a:defRPr sz="2800" b="0" i="0">
+            <a:lvl1pPr algn="r">
+              <a:defRPr sz="1000">
                 <a:solidFill>
                   <a:schemeClr val="tx1">
                     <a:tint val="75000"/>
@@ -5504,8 +5154,86 @@
             </a:lvl1pPr>
           </a:lstStyle>
           <a:p>
+            <a:fld id="{4AAD347D-5ACD-4C99-B74B-A9C85AD731AF}" type="datetimeFigureOut">
+              <a:rPr lang="en-US" smtClean="0"/>
+              <a:t>03-Apr-23</a:t>
+            </a:fld>
+            <a:endParaRPr lang="en-US" dirty="0"/>
+          </a:p>
+        </p:txBody>
+      </p:sp>
+      <p:sp>
+        <p:nvSpPr>
+          <p:cNvPr id="5" name="Footer Placeholder 4"/>
+          <p:cNvSpPr>
+            <a:spLocks noGrp="1"/>
+          </p:cNvSpPr>
+          <p:nvPr>
+            <p:ph type="ftr" sz="quarter" idx="3"/>
+          </p:nvPr>
+        </p:nvSpPr>
+        <p:spPr>
+          <a:xfrm>
+            <a:off x="913794" y="5883275"/>
+            <a:ext cx="6672865" cy="365125"/>
+          </a:xfrm>
+          <a:prstGeom prst="rect">
+            <a:avLst/>
+          </a:prstGeom>
+        </p:spPr>
+        <p:txBody>
+          <a:bodyPr vert="horz" lIns="91440" tIns="45720" rIns="91440" bIns="45720" rtlCol="0" anchor="ctr"/>
+          <a:lstStyle>
+            <a:lvl1pPr algn="l">
+              <a:defRPr sz="1000">
+                <a:solidFill>
+                  <a:schemeClr val="tx1">
+                    <a:tint val="75000"/>
+                  </a:schemeClr>
+                </a:solidFill>
+              </a:defRPr>
+            </a:lvl1pPr>
+          </a:lstStyle>
+          <a:p>
+            <a:endParaRPr lang="en-US" dirty="0"/>
+          </a:p>
+        </p:txBody>
+      </p:sp>
+      <p:sp>
+        <p:nvSpPr>
+          <p:cNvPr id="6" name="Slide Number Placeholder 5"/>
+          <p:cNvSpPr>
+            <a:spLocks noGrp="1"/>
+          </p:cNvSpPr>
+          <p:nvPr>
+            <p:ph type="sldNum" sz="quarter" idx="4"/>
+          </p:nvPr>
+        </p:nvSpPr>
+        <p:spPr>
+          <a:xfrm>
+            <a:off x="10514011" y="5883275"/>
+            <a:ext cx="753545" cy="365125"/>
+          </a:xfrm>
+          <a:prstGeom prst="rect">
+            <a:avLst/>
+          </a:prstGeom>
+        </p:spPr>
+        <p:txBody>
+          <a:bodyPr vert="horz" lIns="91440" tIns="45720" rIns="91440" bIns="45720" rtlCol="0" anchor="ctr"/>
+          <a:lstStyle>
+            <a:lvl1pPr algn="r">
+              <a:defRPr sz="1000">
+                <a:solidFill>
+                  <a:schemeClr val="tx1">
+                    <a:tint val="75000"/>
+                  </a:schemeClr>
+                </a:solidFill>
+              </a:defRPr>
+            </a:lvl1pPr>
+          </a:lstStyle>
+          <a:p>
             <a:fld id="{D57F1E4F-1CFF-5643-939E-02111984F565}" type="slidenum">
-              <a:rPr lang="en-US" dirty="0"/>
+              <a:rPr lang="en-US" smtClean="0"/>
               <a:t>‹#›</a:t>
             </a:fld>
             <a:endParaRPr lang="en-US" dirty="0"/>
@@ -5513,298 +5241,284 @@
         </p:txBody>
       </p:sp>
     </p:spTree>
+    <p:extLst>
+      <p:ext uri="{BB962C8B-B14F-4D97-AF65-F5344CB8AC3E}">
+        <p14:creationId xmlns:p14="http://schemas.microsoft.com/office/powerpoint/2010/main" val="3889389481"/>
+      </p:ext>
+    </p:extLst>
   </p:cSld>
   <p:clrMap bg1="dk1" tx1="lt1" bg2="dk2" tx2="lt2" accent1="accent1" accent2="accent2" accent3="accent3" accent4="accent4" accent5="accent5" accent6="accent6" hlink="hlink" folHlink="folHlink"/>
   <p:sldLayoutIdLst>
-    <p:sldLayoutId id="2147483649" r:id="rId1"/>
-    <p:sldLayoutId id="2147483650" r:id="rId2"/>
-    <p:sldLayoutId id="2147483651" r:id="rId3"/>
-    <p:sldLayoutId id="2147483652" r:id="rId4"/>
-    <p:sldLayoutId id="2147483653" r:id="rId5"/>
-    <p:sldLayoutId id="2147483654" r:id="rId6"/>
-    <p:sldLayoutId id="2147483655" r:id="rId7"/>
-    <p:sldLayoutId id="2147483656" r:id="rId8"/>
-    <p:sldLayoutId id="2147483668" r:id="rId9"/>
-    <p:sldLayoutId id="2147483667" r:id="rId10"/>
-    <p:sldLayoutId id="2147483661" r:id="rId11"/>
-    <p:sldLayoutId id="2147483664" r:id="rId12"/>
-    <p:sldLayoutId id="2147483662" r:id="rId13"/>
-    <p:sldLayoutId id="2147483669" r:id="rId14"/>
-    <p:sldLayoutId id="2147483670" r:id="rId15"/>
-    <p:sldLayoutId id="2147483658" r:id="rId16"/>
-    <p:sldLayoutId id="2147483659" r:id="rId17"/>
+    <p:sldLayoutId id="2147483869" r:id="rId1"/>
+    <p:sldLayoutId id="2147483870" r:id="rId2"/>
+    <p:sldLayoutId id="2147483871" r:id="rId3"/>
+    <p:sldLayoutId id="2147483872" r:id="rId4"/>
+    <p:sldLayoutId id="2147483873" r:id="rId5"/>
+    <p:sldLayoutId id="2147483874" r:id="rId6"/>
+    <p:sldLayoutId id="2147483875" r:id="rId7"/>
+    <p:sldLayoutId id="2147483876" r:id="rId8"/>
+    <p:sldLayoutId id="2147483877" r:id="rId9"/>
+    <p:sldLayoutId id="2147483878" r:id="rId10"/>
+    <p:sldLayoutId id="2147483879" r:id="rId11"/>
+    <p:sldLayoutId id="2147483880" r:id="rId12"/>
+    <p:sldLayoutId id="2147483881" r:id="rId13"/>
+    <p:sldLayoutId id="2147483882" r:id="rId14"/>
+    <p:sldLayoutId id="2147483883" r:id="rId15"/>
+    <p:sldLayoutId id="2147483884" r:id="rId16"/>
+    <p:sldLayoutId id="2147483885" r:id="rId17"/>
   </p:sldLayoutIdLst>
   <p:hf sldNum="0" hdr="0" ftr="0" dt="0"/>
   <p:txStyles>
     <p:titleStyle>
-      <a:lvl1pPr algn="l" defTabSz="457200" rtl="0" eaLnBrk="1" latinLnBrk="0" hangingPunct="1">
+      <a:lvl1pPr algn="ctr" defTabSz="914400" rtl="0" eaLnBrk="1" latinLnBrk="0" hangingPunct="1">
+        <a:lnSpc>
+          <a:spcPct val="90000"/>
+        </a:lnSpc>
         <a:spcBef>
           <a:spcPct val="0"/>
         </a:spcBef>
         <a:buNone/>
-        <a:defRPr sz="4200" b="0" i="0" kern="1200">
+        <a:defRPr sz="3400" b="1" i="0" kern="1200" cap="all">
           <a:solidFill>
-            <a:schemeClr val="tx2"/>
+            <a:schemeClr val="tx1"/>
           </a:solidFill>
+          <a:effectLst>
+            <a:outerShdw blurRad="50800" dist="63500" dir="2700000" algn="tl" rotWithShape="0">
+              <a:srgbClr val="000000">
+                <a:alpha val="48000"/>
+              </a:srgbClr>
+            </a:outerShdw>
+          </a:effectLst>
           <a:latin typeface="+mj-lt"/>
           <a:ea typeface="+mj-ea"/>
           <a:cs typeface="+mj-cs"/>
         </a:defRPr>
       </a:lvl1pPr>
-      <a:lvl2pPr eaLnBrk="1" hangingPunct="1">
-        <a:defRPr>
-          <a:solidFill>
-            <a:schemeClr val="tx2"/>
-          </a:solidFill>
-        </a:defRPr>
-      </a:lvl2pPr>
-      <a:lvl3pPr eaLnBrk="1" hangingPunct="1">
-        <a:defRPr>
-          <a:solidFill>
-            <a:schemeClr val="tx2"/>
-          </a:solidFill>
-        </a:defRPr>
-      </a:lvl3pPr>
-      <a:lvl4pPr eaLnBrk="1" hangingPunct="1">
-        <a:defRPr>
-          <a:solidFill>
-            <a:schemeClr val="tx2"/>
-          </a:solidFill>
-        </a:defRPr>
-      </a:lvl4pPr>
-      <a:lvl5pPr eaLnBrk="1" hangingPunct="1">
-        <a:defRPr>
-          <a:solidFill>
-            <a:schemeClr val="tx2"/>
-          </a:solidFill>
-        </a:defRPr>
-      </a:lvl5pPr>
-      <a:lvl6pPr eaLnBrk="1" hangingPunct="1">
-        <a:defRPr>
-          <a:solidFill>
-            <a:schemeClr val="tx2"/>
-          </a:solidFill>
-        </a:defRPr>
-      </a:lvl6pPr>
-      <a:lvl7pPr eaLnBrk="1" hangingPunct="1">
-        <a:defRPr>
-          <a:solidFill>
-            <a:schemeClr val="tx2"/>
-          </a:solidFill>
-        </a:defRPr>
-      </a:lvl7pPr>
-      <a:lvl8pPr eaLnBrk="1" hangingPunct="1">
-        <a:defRPr>
-          <a:solidFill>
-            <a:schemeClr val="tx2"/>
-          </a:solidFill>
-        </a:defRPr>
-      </a:lvl8pPr>
-      <a:lvl9pPr eaLnBrk="1" hangingPunct="1">
-        <a:defRPr>
-          <a:solidFill>
-            <a:schemeClr val="tx2"/>
-          </a:solidFill>
-        </a:defRPr>
-      </a:lvl9pPr>
     </p:titleStyle>
     <p:bodyStyle>
-      <a:lvl1pPr marL="342900" indent="-342900" algn="l" defTabSz="457200" rtl="0" eaLnBrk="1" latinLnBrk="0" hangingPunct="1">
+      <a:lvl1pPr marL="228600" indent="-228600" algn="l" defTabSz="914400" rtl="0" eaLnBrk="1" latinLnBrk="0" hangingPunct="1">
+        <a:lnSpc>
+          <a:spcPct val="120000"/>
+        </a:lnSpc>
         <a:spcBef>
           <a:spcPts val="1000"/>
         </a:spcBef>
-        <a:spcAft>
-          <a:spcPts val="0"/>
-        </a:spcAft>
-        <a:buClr>
-          <a:schemeClr val="accent1"/>
-        </a:buClr>
-        <a:buSzPct val="80000"/>
-        <a:buFont typeface="Wingdings 3" charset="2"/>
-        <a:buChar char=""/>
-        <a:defRPr sz="2000" b="0" i="0" kern="1200">
+        <a:buFont typeface="Arial" panose="020B0604020202020204" pitchFamily="34" charset="0"/>
+        <a:buChar char="•"/>
+        <a:defRPr sz="2000" kern="1200">
           <a:solidFill>
             <a:schemeClr val="tx1"/>
           </a:solidFill>
-          <a:latin typeface="+mj-lt"/>
-          <a:ea typeface="+mj-ea"/>
-          <a:cs typeface="+mj-cs"/>
+          <a:effectLst>
+            <a:outerShdw blurRad="50800" dist="38100" dir="2700000" algn="tl" rotWithShape="0">
+              <a:srgbClr val="000000">
+                <a:alpha val="48000"/>
+              </a:srgbClr>
+            </a:outerShdw>
+          </a:effectLst>
+          <a:latin typeface="+mn-lt"/>
+          <a:ea typeface="+mn-ea"/>
+          <a:cs typeface="+mn-cs"/>
         </a:defRPr>
       </a:lvl1pPr>
-      <a:lvl2pPr marL="742950" indent="-285750" algn="l" defTabSz="457200" rtl="0" eaLnBrk="1" latinLnBrk="0" hangingPunct="1">
+      <a:lvl2pPr marL="685800" indent="-228600" algn="l" defTabSz="914400" rtl="0" eaLnBrk="1" latinLnBrk="0" hangingPunct="1">
+        <a:lnSpc>
+          <a:spcPct val="120000"/>
+        </a:lnSpc>
         <a:spcBef>
-          <a:spcPts val="1000"/>
+          <a:spcPts val="500"/>
         </a:spcBef>
-        <a:spcAft>
-          <a:spcPts val="0"/>
-        </a:spcAft>
-        <a:buClr>
-          <a:schemeClr val="accent1"/>
-        </a:buClr>
-        <a:buSzPct val="80000"/>
-        <a:buFont typeface="Wingdings 3" charset="2"/>
-        <a:buChar char=""/>
-        <a:defRPr sz="1800" b="0" i="0" kern="1200">
+        <a:buFont typeface="Arial" panose="020B0604020202020204" pitchFamily="34" charset="0"/>
+        <a:buChar char="•"/>
+        <a:defRPr sz="1800" kern="1200">
           <a:solidFill>
             <a:schemeClr val="tx1"/>
           </a:solidFill>
-          <a:latin typeface="+mj-lt"/>
-          <a:ea typeface="+mj-ea"/>
-          <a:cs typeface="+mj-cs"/>
+          <a:effectLst>
+            <a:outerShdw blurRad="50800" dist="38100" dir="2700000" algn="tl" rotWithShape="0">
+              <a:srgbClr val="000000">
+                <a:alpha val="48000"/>
+              </a:srgbClr>
+            </a:outerShdw>
+          </a:effectLst>
+          <a:latin typeface="+mn-lt"/>
+          <a:ea typeface="+mn-ea"/>
+          <a:cs typeface="+mn-cs"/>
         </a:defRPr>
       </a:lvl2pPr>
-      <a:lvl3pPr marL="1143000" indent="-228600" algn="l" defTabSz="457200" rtl="0" eaLnBrk="1" latinLnBrk="0" hangingPunct="1">
+      <a:lvl3pPr marL="1143000" indent="-228600" algn="l" defTabSz="914400" rtl="0" eaLnBrk="1" latinLnBrk="0" hangingPunct="1">
+        <a:lnSpc>
+          <a:spcPct val="120000"/>
+        </a:lnSpc>
         <a:spcBef>
-          <a:spcPts val="1000"/>
+          <a:spcPts val="500"/>
         </a:spcBef>
-        <a:spcAft>
-          <a:spcPts val="0"/>
-        </a:spcAft>
-        <a:buClr>
-          <a:schemeClr val="accent1"/>
-        </a:buClr>
-        <a:buSzPct val="80000"/>
-        <a:buFont typeface="Wingdings 3" charset="2"/>
-        <a:buChar char=""/>
-        <a:defRPr sz="1600" b="0" i="0" kern="1200">
+        <a:buFont typeface="Arial" panose="020B0604020202020204" pitchFamily="34" charset="0"/>
+        <a:buChar char="•"/>
+        <a:defRPr sz="1600" kern="1200">
           <a:solidFill>
             <a:schemeClr val="tx1"/>
           </a:solidFill>
-          <a:latin typeface="+mj-lt"/>
-          <a:ea typeface="+mj-ea"/>
-          <a:cs typeface="+mj-cs"/>
+          <a:effectLst>
+            <a:outerShdw blurRad="50800" dist="38100" dir="2700000" algn="tl" rotWithShape="0">
+              <a:srgbClr val="000000">
+                <a:alpha val="48000"/>
+              </a:srgbClr>
+            </a:outerShdw>
+          </a:effectLst>
+          <a:latin typeface="+mn-lt"/>
+          <a:ea typeface="+mn-ea"/>
+          <a:cs typeface="+mn-cs"/>
         </a:defRPr>
       </a:lvl3pPr>
-      <a:lvl4pPr marL="1600200" indent="-228600" algn="l" defTabSz="457200" rtl="0" eaLnBrk="1" latinLnBrk="0" hangingPunct="1">
+      <a:lvl4pPr marL="1600200" indent="-228600" algn="l" defTabSz="914400" rtl="0" eaLnBrk="1" latinLnBrk="0" hangingPunct="1">
+        <a:lnSpc>
+          <a:spcPct val="120000"/>
+        </a:lnSpc>
         <a:spcBef>
-          <a:spcPts val="1000"/>
+          <a:spcPts val="500"/>
         </a:spcBef>
-        <a:spcAft>
-          <a:spcPts val="0"/>
-        </a:spcAft>
-        <a:buClr>
-          <a:schemeClr val="accent1"/>
-        </a:buClr>
-        <a:buSzPct val="80000"/>
-        <a:buFont typeface="Wingdings 3" charset="2"/>
-        <a:buChar char=""/>
-        <a:defRPr sz="1400" b="0" i="0" kern="1200">
+        <a:buFont typeface="Arial" panose="020B0604020202020204" pitchFamily="34" charset="0"/>
+        <a:buChar char="•"/>
+        <a:defRPr sz="1400" kern="1200">
           <a:solidFill>
             <a:schemeClr val="tx1"/>
           </a:solidFill>
-          <a:latin typeface="+mj-lt"/>
-          <a:ea typeface="+mj-ea"/>
-          <a:cs typeface="+mj-cs"/>
+          <a:effectLst>
+            <a:outerShdw blurRad="50800" dist="38100" dir="2700000" algn="tl" rotWithShape="0">
+              <a:srgbClr val="000000">
+                <a:alpha val="48000"/>
+              </a:srgbClr>
+            </a:outerShdw>
+          </a:effectLst>
+          <a:latin typeface="+mn-lt"/>
+          <a:ea typeface="+mn-ea"/>
+          <a:cs typeface="+mn-cs"/>
         </a:defRPr>
       </a:lvl4pPr>
-      <a:lvl5pPr marL="2057400" indent="-228600" algn="l" defTabSz="457200" rtl="0" eaLnBrk="1" latinLnBrk="0" hangingPunct="1">
+      <a:lvl5pPr marL="2057400" indent="-228600" algn="l" defTabSz="914400" rtl="0" eaLnBrk="1" latinLnBrk="0" hangingPunct="1">
+        <a:lnSpc>
+          <a:spcPct val="120000"/>
+        </a:lnSpc>
         <a:spcBef>
-          <a:spcPts val="1000"/>
+          <a:spcPts val="500"/>
         </a:spcBef>
-        <a:spcAft>
-          <a:spcPts val="0"/>
-        </a:spcAft>
-        <a:buClr>
-          <a:schemeClr val="accent1"/>
-        </a:buClr>
-        <a:buSzPct val="80000"/>
-        <a:buFont typeface="Wingdings 3" charset="2"/>
-        <a:buChar char=""/>
-        <a:defRPr sz="1400" b="0" i="0" kern="1200">
+        <a:buFont typeface="Arial" panose="020B0604020202020204" pitchFamily="34" charset="0"/>
+        <a:buChar char="•"/>
+        <a:defRPr sz="1200" kern="1200">
           <a:solidFill>
             <a:schemeClr val="tx1"/>
           </a:solidFill>
-          <a:latin typeface="+mj-lt"/>
-          <a:ea typeface="+mj-ea"/>
-          <a:cs typeface="+mj-cs"/>
+          <a:effectLst>
+            <a:outerShdw blurRad="50800" dist="38100" dir="2700000" algn="tl" rotWithShape="0">
+              <a:srgbClr val="000000">
+                <a:alpha val="48000"/>
+              </a:srgbClr>
+            </a:outerShdw>
+          </a:effectLst>
+          <a:latin typeface="+mn-lt"/>
+          <a:ea typeface="+mn-ea"/>
+          <a:cs typeface="+mn-cs"/>
         </a:defRPr>
       </a:lvl5pPr>
-      <a:lvl6pPr marL="2514600" indent="-228600" algn="l" defTabSz="457200" rtl="0" eaLnBrk="1" latinLnBrk="0" hangingPunct="1">
+      <a:lvl6pPr marL="2514600" indent="-228600" algn="l" defTabSz="914400" rtl="0" eaLnBrk="1" latinLnBrk="0" hangingPunct="1">
+        <a:lnSpc>
+          <a:spcPct val="120000"/>
+        </a:lnSpc>
         <a:spcBef>
-          <a:spcPts val="1000"/>
+          <a:spcPts val="500"/>
         </a:spcBef>
-        <a:spcAft>
-          <a:spcPts val="0"/>
-        </a:spcAft>
-        <a:buClr>
-          <a:schemeClr val="accent1"/>
-        </a:buClr>
-        <a:buSzPct val="80000"/>
-        <a:buFont typeface="Wingdings 3" charset="2"/>
-        <a:buChar char=""/>
-        <a:defRPr sz="1400" b="0" i="0" kern="1200">
+        <a:buFont typeface="Arial" panose="020B0604020202020204" pitchFamily="34" charset="0"/>
+        <a:buChar char="•"/>
+        <a:defRPr sz="1200" kern="1200">
           <a:solidFill>
             <a:schemeClr val="tx1"/>
           </a:solidFill>
-          <a:latin typeface="+mj-lt"/>
-          <a:ea typeface="+mj-ea"/>
-          <a:cs typeface="+mj-cs"/>
+          <a:effectLst>
+            <a:outerShdw blurRad="50800" dist="38100" dir="2700000" algn="tl" rotWithShape="0">
+              <a:srgbClr val="000000">
+                <a:alpha val="48000"/>
+              </a:srgbClr>
+            </a:outerShdw>
+          </a:effectLst>
+          <a:latin typeface="+mn-lt"/>
+          <a:ea typeface="+mn-ea"/>
+          <a:cs typeface="+mn-cs"/>
         </a:defRPr>
       </a:lvl6pPr>
-      <a:lvl7pPr marL="2971800" indent="-228600" algn="l" defTabSz="457200" rtl="0" eaLnBrk="1" latinLnBrk="0" hangingPunct="1">
+      <a:lvl7pPr marL="2971800" indent="-228600" algn="l" defTabSz="914400" rtl="0" eaLnBrk="1" latinLnBrk="0" hangingPunct="1">
+        <a:lnSpc>
+          <a:spcPct val="120000"/>
+        </a:lnSpc>
         <a:spcBef>
-          <a:spcPts val="1000"/>
+          <a:spcPts val="500"/>
         </a:spcBef>
-        <a:spcAft>
-          <a:spcPts val="0"/>
-        </a:spcAft>
-        <a:buClr>
-          <a:schemeClr val="accent1"/>
-        </a:buClr>
-        <a:buSzPct val="80000"/>
-        <a:buFont typeface="Wingdings 3" charset="2"/>
-        <a:buChar char=""/>
-        <a:defRPr sz="1400" b="0" i="0" kern="1200">
+        <a:buFont typeface="Arial" panose="020B0604020202020204" pitchFamily="34" charset="0"/>
+        <a:buChar char="•"/>
+        <a:defRPr sz="1200" kern="1200">
           <a:solidFill>
             <a:schemeClr val="tx1"/>
           </a:solidFill>
-          <a:latin typeface="+mj-lt"/>
-          <a:ea typeface="+mj-ea"/>
-          <a:cs typeface="+mj-cs"/>
+          <a:effectLst>
+            <a:outerShdw blurRad="50800" dist="38100" dir="2700000" algn="tl" rotWithShape="0">
+              <a:srgbClr val="000000">
+                <a:alpha val="48000"/>
+              </a:srgbClr>
+            </a:outerShdw>
+          </a:effectLst>
+          <a:latin typeface="+mn-lt"/>
+          <a:ea typeface="+mn-ea"/>
+          <a:cs typeface="+mn-cs"/>
         </a:defRPr>
       </a:lvl7pPr>
-      <a:lvl8pPr marL="3429000" indent="-228600" algn="l" defTabSz="457200" rtl="0" eaLnBrk="1" latinLnBrk="0" hangingPunct="1">
+      <a:lvl8pPr marL="3429000" indent="-228600" algn="l" defTabSz="914400" rtl="0" eaLnBrk="1" latinLnBrk="0" hangingPunct="1">
+        <a:lnSpc>
+          <a:spcPct val="120000"/>
+        </a:lnSpc>
         <a:spcBef>
-          <a:spcPts val="1000"/>
+          <a:spcPts val="500"/>
         </a:spcBef>
-        <a:spcAft>
-          <a:spcPts val="0"/>
-        </a:spcAft>
-        <a:buClr>
-          <a:schemeClr val="accent1"/>
-        </a:buClr>
-        <a:buSzPct val="80000"/>
-        <a:buFont typeface="Wingdings 3" charset="2"/>
-        <a:buChar char=""/>
-        <a:defRPr sz="1400" b="0" i="0" kern="1200">
+        <a:buFont typeface="Arial" panose="020B0604020202020204" pitchFamily="34" charset="0"/>
+        <a:buChar char="•"/>
+        <a:defRPr sz="1200" kern="1200">
           <a:solidFill>
             <a:schemeClr val="tx1"/>
           </a:solidFill>
-          <a:latin typeface="+mj-lt"/>
-          <a:ea typeface="+mj-ea"/>
-          <a:cs typeface="+mj-cs"/>
+          <a:effectLst>
+            <a:outerShdw blurRad="50800" dist="38100" dir="2700000" algn="tl" rotWithShape="0">
+              <a:srgbClr val="000000">
+                <a:alpha val="48000"/>
+              </a:srgbClr>
+            </a:outerShdw>
+          </a:effectLst>
+          <a:latin typeface="+mn-lt"/>
+          <a:ea typeface="+mn-ea"/>
+          <a:cs typeface="+mn-cs"/>
         </a:defRPr>
       </a:lvl8pPr>
-      <a:lvl9pPr marL="3886200" indent="-228600" algn="l" defTabSz="457200" rtl="0" eaLnBrk="1" latinLnBrk="0" hangingPunct="1">
+      <a:lvl9pPr marL="3886200" indent="-228600" algn="l" defTabSz="914400" rtl="0" eaLnBrk="1" latinLnBrk="0" hangingPunct="1">
+        <a:lnSpc>
+          <a:spcPct val="120000"/>
+        </a:lnSpc>
         <a:spcBef>
-          <a:spcPts val="1000"/>
+          <a:spcPts val="500"/>
         </a:spcBef>
-        <a:spcAft>
-          <a:spcPts val="0"/>
-        </a:spcAft>
-        <a:buClr>
-          <a:schemeClr val="accent1"/>
-        </a:buClr>
-        <a:buSzPct val="80000"/>
-        <a:buFont typeface="Wingdings 3" charset="2"/>
-        <a:buChar char=""/>
-        <a:defRPr sz="1400" b="0" i="0" kern="1200">
+        <a:buFont typeface="Arial" panose="020B0604020202020204" pitchFamily="34" charset="0"/>
+        <a:buChar char="•"/>
+        <a:defRPr sz="1200" kern="1200">
           <a:solidFill>
             <a:schemeClr val="tx1"/>
           </a:solidFill>
-          <a:latin typeface="+mj-lt"/>
-          <a:ea typeface="+mj-ea"/>
-          <a:cs typeface="+mj-cs"/>
+          <a:effectLst>
+            <a:outerShdw blurRad="50800" dist="38100" dir="2700000" algn="tl" rotWithShape="0">
+              <a:srgbClr val="000000">
+                <a:alpha val="48000"/>
+              </a:srgbClr>
+            </a:outerShdw>
+          </a:effectLst>
+          <a:latin typeface="+mn-lt"/>
+          <a:ea typeface="+mn-ea"/>
+          <a:cs typeface="+mn-cs"/>
         </a:defRPr>
       </a:lvl9pPr>
     </p:bodyStyle>
@@ -5812,7 +5526,7 @@
       <a:defPPr>
         <a:defRPr lang="en-US"/>
       </a:defPPr>
-      <a:lvl1pPr marL="0" algn="l" defTabSz="457200" rtl="0" eaLnBrk="1" latinLnBrk="0" hangingPunct="1">
+      <a:lvl1pPr marL="0" algn="l" defTabSz="914400" rtl="0" eaLnBrk="1" latinLnBrk="0" hangingPunct="1">
         <a:defRPr sz="1800" kern="1200">
           <a:solidFill>
             <a:schemeClr val="tx1"/>
@@ -5822,7 +5536,7 @@
           <a:cs typeface="+mn-cs"/>
         </a:defRPr>
       </a:lvl1pPr>
-      <a:lvl2pPr marL="457200" algn="l" defTabSz="457200" rtl="0" eaLnBrk="1" latinLnBrk="0" hangingPunct="1">
+      <a:lvl2pPr marL="457200" algn="l" defTabSz="914400" rtl="0" eaLnBrk="1" latinLnBrk="0" hangingPunct="1">
         <a:defRPr sz="1800" kern="1200">
           <a:solidFill>
             <a:schemeClr val="tx1"/>
@@ -5832,7 +5546,7 @@
           <a:cs typeface="+mn-cs"/>
         </a:defRPr>
       </a:lvl2pPr>
-      <a:lvl3pPr marL="914400" algn="l" defTabSz="457200" rtl="0" eaLnBrk="1" latinLnBrk="0" hangingPunct="1">
+      <a:lvl3pPr marL="914400" algn="l" defTabSz="914400" rtl="0" eaLnBrk="1" latinLnBrk="0" hangingPunct="1">
         <a:defRPr sz="1800" kern="1200">
           <a:solidFill>
             <a:schemeClr val="tx1"/>
@@ -5842,7 +5556,7 @@
           <a:cs typeface="+mn-cs"/>
         </a:defRPr>
       </a:lvl3pPr>
-      <a:lvl4pPr marL="1371600" algn="l" defTabSz="457200" rtl="0" eaLnBrk="1" latinLnBrk="0" hangingPunct="1">
+      <a:lvl4pPr marL="1371600" algn="l" defTabSz="914400" rtl="0" eaLnBrk="1" latinLnBrk="0" hangingPunct="1">
         <a:defRPr sz="1800" kern="1200">
           <a:solidFill>
             <a:schemeClr val="tx1"/>
@@ -5852,7 +5566,7 @@
           <a:cs typeface="+mn-cs"/>
         </a:defRPr>
       </a:lvl4pPr>
-      <a:lvl5pPr marL="1828800" algn="l" defTabSz="457200" rtl="0" eaLnBrk="1" latinLnBrk="0" hangingPunct="1">
+      <a:lvl5pPr marL="1828800" algn="l" defTabSz="914400" rtl="0" eaLnBrk="1" latinLnBrk="0" hangingPunct="1">
         <a:defRPr sz="1800" kern="1200">
           <a:solidFill>
             <a:schemeClr val="tx1"/>
@@ -5862,7 +5576,7 @@
           <a:cs typeface="+mn-cs"/>
         </a:defRPr>
       </a:lvl5pPr>
-      <a:lvl6pPr marL="2286000" algn="l" defTabSz="457200" rtl="0" eaLnBrk="1" latinLnBrk="0" hangingPunct="1">
+      <a:lvl6pPr marL="2286000" algn="l" defTabSz="914400" rtl="0" eaLnBrk="1" latinLnBrk="0" hangingPunct="1">
         <a:defRPr sz="1800" kern="1200">
           <a:solidFill>
             <a:schemeClr val="tx1"/>
@@ -5872,7 +5586,7 @@
           <a:cs typeface="+mn-cs"/>
         </a:defRPr>
       </a:lvl6pPr>
-      <a:lvl7pPr marL="2743200" algn="l" defTabSz="457200" rtl="0" eaLnBrk="1" latinLnBrk="0" hangingPunct="1">
+      <a:lvl7pPr marL="2743200" algn="l" defTabSz="914400" rtl="0" eaLnBrk="1" latinLnBrk="0" hangingPunct="1">
         <a:defRPr sz="1800" kern="1200">
           <a:solidFill>
             <a:schemeClr val="tx1"/>
@@ -5882,7 +5596,7 @@
           <a:cs typeface="+mn-cs"/>
         </a:defRPr>
       </a:lvl7pPr>
-      <a:lvl8pPr marL="3200400" algn="l" defTabSz="457200" rtl="0" eaLnBrk="1" latinLnBrk="0" hangingPunct="1">
+      <a:lvl8pPr marL="3200400" algn="l" defTabSz="914400" rtl="0" eaLnBrk="1" latinLnBrk="0" hangingPunct="1">
         <a:defRPr sz="1800" kern="1200">
           <a:solidFill>
             <a:schemeClr val="tx1"/>
@@ -5892,7 +5606,7 @@
           <a:cs typeface="+mn-cs"/>
         </a:defRPr>
       </a:lvl8pPr>
-      <a:lvl9pPr marL="3657600" algn="l" defTabSz="457200" rtl="0" eaLnBrk="1" latinLnBrk="0" hangingPunct="1">
+      <a:lvl9pPr marL="3657600" algn="l" defTabSz="914400" rtl="0" eaLnBrk="1" latinLnBrk="0" hangingPunct="1">
         <a:defRPr sz="1800" kern="1200">
           <a:solidFill>
             <a:schemeClr val="tx1"/>
@@ -6169,6 +5883,69 @@
 </p:sld>
 </file>
 
+<file path=ppt/slides/slide10.xml><?xml version="1.0" encoding="utf-8"?>
+<p:sld xmlns:a="http://schemas.openxmlformats.org/drawingml/2006/main" xmlns:r="http://schemas.openxmlformats.org/officeDocument/2006/relationships" xmlns:p="http://schemas.openxmlformats.org/presentationml/2006/main">
+  <p:cSld>
+    <p:spTree>
+      <p:nvGrpSpPr>
+        <p:cNvPr id="1" name=""/>
+        <p:cNvGrpSpPr/>
+        <p:nvPr/>
+      </p:nvGrpSpPr>
+      <p:grpSpPr>
+        <a:xfrm>
+          <a:off x="0" y="0"/>
+          <a:ext cx="0" cy="0"/>
+          <a:chOff x="0" y="0"/>
+          <a:chExt cx="0" cy="0"/>
+        </a:xfrm>
+      </p:grpSpPr>
+      <p:sp>
+        <p:nvSpPr>
+          <p:cNvPr id="2" name="Title 1">
+            <a:extLst>
+              <a:ext uri="{FF2B5EF4-FFF2-40B4-BE49-F238E27FC236}">
+                <a16:creationId xmlns:a16="http://schemas.microsoft.com/office/drawing/2014/main" id="{C54A244A-731F-B840-0AFA-95816BC463DB}"/>
+              </a:ext>
+            </a:extLst>
+          </p:cNvPr>
+          <p:cNvSpPr>
+            <a:spLocks noGrp="1"/>
+          </p:cNvSpPr>
+          <p:nvPr>
+            <p:ph type="title"/>
+          </p:nvPr>
+        </p:nvSpPr>
+        <p:spPr>
+          <a:xfrm>
+            <a:off x="717852" y="2615681"/>
+            <a:ext cx="10353761" cy="1326321"/>
+          </a:xfrm>
+        </p:spPr>
+        <p:txBody>
+          <a:bodyPr/>
+          <a:lstStyle/>
+          <a:p>
+            <a:r>
+              <a:rPr lang="en-US" dirty="0"/>
+              <a:t>THANK YOU</a:t>
+            </a:r>
+          </a:p>
+        </p:txBody>
+      </p:sp>
+    </p:spTree>
+    <p:extLst>
+      <p:ext uri="{BB962C8B-B14F-4D97-AF65-F5344CB8AC3E}">
+        <p14:creationId xmlns:p14="http://schemas.microsoft.com/office/powerpoint/2010/main" val="3585359165"/>
+      </p:ext>
+    </p:extLst>
+  </p:cSld>
+  <p:clrMapOvr>
+    <a:masterClrMapping/>
+  </p:clrMapOvr>
+</p:sld>
+</file>
+
 <file path=ppt/slides/slide2.xml><?xml version="1.0" encoding="utf-8"?>
 <p:sld xmlns:a="http://schemas.openxmlformats.org/drawingml/2006/main" xmlns:r="http://schemas.openxmlformats.org/officeDocument/2006/relationships" xmlns:p="http://schemas.openxmlformats.org/presentationml/2006/main">
   <p:cSld>
@@ -6227,33 +6004,81 @@
             <a:spLocks noGrp="1"/>
           </p:cNvSpPr>
           <p:nvPr>
-            <p:ph sz="half" idx="2"/>
-          </p:nvPr>
-        </p:nvSpPr>
-        <p:spPr>
-          <a:xfrm>
-            <a:off x="6727513" y="1474237"/>
-            <a:ext cx="4926422" cy="4931045"/>
+            <p:ph sz="half" idx="1"/>
+          </p:nvPr>
+        </p:nvSpPr>
+        <p:spPr>
+          <a:xfrm>
+            <a:off x="6619467" y="2205037"/>
+            <a:ext cx="4926422" cy="4200245"/>
           </a:xfrm>
         </p:spPr>
         <p:txBody>
           <a:bodyPr>
-            <a:normAutofit/>
+            <a:normAutofit lnSpcReduction="10000"/>
           </a:bodyPr>
           <a:lstStyle/>
           <a:p>
             <a:r>
               <a:rPr lang="en-US" sz="1400" dirty="0"/>
-              <a:t>Decades old business -&gt; facing </a:t>
-            </a:r>
-            <a:r>
-              <a:rPr lang="en-US" sz="1400"/>
-              <a:t>multiple systemic issues</a:t>
-            </a:r>
-            <a:endParaRPr lang="en-US" sz="1400" dirty="0"/>
-          </a:p>
-          <a:p>
-            <a:endParaRPr lang="en-US" sz="1400"/>
+              <a:t>Decades old business -&gt; facing multiple systemic issues</a:t>
+            </a:r>
+          </a:p>
+          <a:p>
+            <a:r>
+              <a:rPr lang="en-US" sz="1400" dirty="0"/>
+              <a:t>Has turnover in crores</a:t>
+            </a:r>
+          </a:p>
+          <a:p>
+            <a:r>
+              <a:rPr lang="en-US" sz="1400" dirty="0"/>
+              <a:t>Various factors influence performance months in advance</a:t>
+            </a:r>
+          </a:p>
+          <a:p>
+            <a:r>
+              <a:rPr lang="en-US" sz="1400" dirty="0"/>
+              <a:t>Complex interrelationships exist between factors</a:t>
+            </a:r>
+          </a:p>
+          <a:p>
+            <a:r>
+              <a:rPr lang="en-US" sz="1400" dirty="0"/>
+              <a:t>Need a unified framework to maintain the business with </a:t>
+            </a:r>
+            <a:r>
+              <a:rPr lang="en-US" sz="1400" dirty="0" err="1"/>
+              <a:t>predicitive</a:t>
+            </a:r>
+            <a:r>
+              <a:rPr lang="en-US" sz="1400" dirty="0"/>
+              <a:t> analytics</a:t>
+            </a:r>
+          </a:p>
+          <a:p>
+            <a:r>
+              <a:rPr lang="en-US" sz="1400" dirty="0"/>
+              <a:t>Need a unified framework for setting up a Decision Making Process</a:t>
+            </a:r>
+          </a:p>
+          <a:p>
+            <a:r>
+              <a:rPr lang="en-US" sz="1400" dirty="0"/>
+              <a:t>Primary Objectives :</a:t>
+            </a:r>
+          </a:p>
+          <a:p>
+            <a:r>
+              <a:rPr lang="en-US" sz="1400" dirty="0"/>
+              <a:t>1) Optimizing Cash Flow</a:t>
+            </a:r>
+          </a:p>
+          <a:p>
+            <a:r>
+              <a:rPr lang="en-US" sz="1400" dirty="0"/>
+              <a:t>2) Staggered Sale In Credit For Bad Debt Management</a:t>
+            </a:r>
           </a:p>
         </p:txBody>
       </p:sp>
@@ -6300,10 +6125,2790 @@
 </p:sld>
 </file>
 
+<file path=ppt/slides/slide3.xml><?xml version="1.0" encoding="utf-8"?>
+<p:sld xmlns:a="http://schemas.openxmlformats.org/drawingml/2006/main" xmlns:r="http://schemas.openxmlformats.org/officeDocument/2006/relationships" xmlns:p="http://schemas.openxmlformats.org/presentationml/2006/main">
+  <p:cSld>
+    <p:spTree>
+      <p:nvGrpSpPr>
+        <p:cNvPr id="1" name=""/>
+        <p:cNvGrpSpPr/>
+        <p:nvPr/>
+      </p:nvGrpSpPr>
+      <p:grpSpPr>
+        <a:xfrm>
+          <a:off x="0" y="0"/>
+          <a:ext cx="0" cy="0"/>
+          <a:chOff x="0" y="0"/>
+          <a:chExt cx="0" cy="0"/>
+        </a:xfrm>
+      </p:grpSpPr>
+      <p:sp>
+        <p:nvSpPr>
+          <p:cNvPr id="5" name="TextBox 4">
+            <a:extLst>
+              <a:ext uri="{FF2B5EF4-FFF2-40B4-BE49-F238E27FC236}">
+                <a16:creationId xmlns:a16="http://schemas.microsoft.com/office/drawing/2014/main" id="{AF0A29AE-CFCA-B80D-5A84-60B0E85B91E5}"/>
+              </a:ext>
+            </a:extLst>
+          </p:cNvPr>
+          <p:cNvSpPr txBox="1"/>
+          <p:nvPr/>
+        </p:nvSpPr>
+        <p:spPr>
+          <a:xfrm>
+            <a:off x="3729136" y="223229"/>
+            <a:ext cx="4096139" cy="523220"/>
+          </a:xfrm>
+          <a:prstGeom prst="rect">
+            <a:avLst/>
+          </a:prstGeom>
+          <a:noFill/>
+        </p:spPr>
+        <p:txBody>
+          <a:bodyPr wrap="square" rtlCol="0">
+            <a:spAutoFit/>
+          </a:bodyPr>
+          <a:lstStyle/>
+          <a:p>
+            <a:r>
+              <a:rPr lang="en-US" sz="2800" dirty="0"/>
+              <a:t>Workflow And Factors</a:t>
+            </a:r>
+          </a:p>
+        </p:txBody>
+      </p:sp>
+      <p:pic>
+        <p:nvPicPr>
+          <p:cNvPr id="7" name="Picture 6" descr="Diagram&#10;&#10;Description automatically generated">
+            <a:extLst>
+              <a:ext uri="{FF2B5EF4-FFF2-40B4-BE49-F238E27FC236}">
+                <a16:creationId xmlns:a16="http://schemas.microsoft.com/office/drawing/2014/main" id="{557E2AB0-4FCD-ABA7-BCDD-C9C2E57C85A7}"/>
+              </a:ext>
+            </a:extLst>
+          </p:cNvPr>
+          <p:cNvPicPr>
+            <a:picLocks noChangeAspect="1"/>
+          </p:cNvPicPr>
+          <p:nvPr/>
+        </p:nvPicPr>
+        <p:blipFill rotWithShape="1">
+          <a:blip r:embed="rId2"/>
+          <a:srcRect t="1786" b="1957"/>
+          <a:stretch/>
+        </p:blipFill>
+        <p:spPr>
+          <a:xfrm>
+            <a:off x="7184570" y="1200353"/>
+            <a:ext cx="3191072" cy="5485139"/>
+          </a:xfrm>
+          <a:prstGeom prst="rect">
+            <a:avLst/>
+          </a:prstGeom>
+        </p:spPr>
+      </p:pic>
+      <p:sp>
+        <p:nvSpPr>
+          <p:cNvPr id="8" name="Content Placeholder 3">
+            <a:extLst>
+              <a:ext uri="{FF2B5EF4-FFF2-40B4-BE49-F238E27FC236}">
+                <a16:creationId xmlns:a16="http://schemas.microsoft.com/office/drawing/2014/main" id="{A83863F0-F5F6-CD43-A2E4-BF552A5C4D5F}"/>
+              </a:ext>
+            </a:extLst>
+          </p:cNvPr>
+          <p:cNvSpPr txBox="1">
+            <a:spLocks/>
+          </p:cNvSpPr>
+          <p:nvPr/>
+        </p:nvSpPr>
+        <p:spPr>
+          <a:xfrm>
+            <a:off x="553991" y="5383706"/>
+            <a:ext cx="4926422" cy="1389266"/>
+          </a:xfrm>
+          <a:prstGeom prst="rect">
+            <a:avLst/>
+          </a:prstGeom>
+        </p:spPr>
+        <p:txBody>
+          <a:bodyPr vert="horz" lIns="91440" tIns="45720" rIns="91440" bIns="45720" rtlCol="0">
+            <a:normAutofit fontScale="85000" lnSpcReduction="20000"/>
+          </a:bodyPr>
+          <a:lstStyle>
+            <a:lvl1pPr marL="342900" indent="-342900" algn="l" defTabSz="457200" rtl="0" eaLnBrk="1" latinLnBrk="0" hangingPunct="1">
+              <a:spcBef>
+                <a:spcPts val="1000"/>
+              </a:spcBef>
+              <a:spcAft>
+                <a:spcPts val="0"/>
+              </a:spcAft>
+              <a:buClr>
+                <a:schemeClr val="accent1"/>
+              </a:buClr>
+              <a:buSzPct val="80000"/>
+              <a:buFont typeface="Wingdings 3" charset="2"/>
+              <a:buChar char=""/>
+              <a:defRPr sz="1800" b="0" i="0" kern="1200">
+                <a:solidFill>
+                  <a:schemeClr val="tx1"/>
+                </a:solidFill>
+                <a:latin typeface="+mj-lt"/>
+                <a:ea typeface="+mj-ea"/>
+                <a:cs typeface="+mj-cs"/>
+              </a:defRPr>
+            </a:lvl1pPr>
+            <a:lvl2pPr marL="742950" indent="-285750" algn="l" defTabSz="457200" rtl="0" eaLnBrk="1" latinLnBrk="0" hangingPunct="1">
+              <a:spcBef>
+                <a:spcPts val="1000"/>
+              </a:spcBef>
+              <a:spcAft>
+                <a:spcPts val="0"/>
+              </a:spcAft>
+              <a:buClr>
+                <a:schemeClr val="accent1"/>
+              </a:buClr>
+              <a:buSzPct val="80000"/>
+              <a:buFont typeface="Wingdings 3" charset="2"/>
+              <a:buChar char=""/>
+              <a:defRPr sz="1600" b="0" i="0" kern="1200">
+                <a:solidFill>
+                  <a:schemeClr val="tx1"/>
+                </a:solidFill>
+                <a:latin typeface="+mj-lt"/>
+                <a:ea typeface="+mj-ea"/>
+                <a:cs typeface="+mj-cs"/>
+              </a:defRPr>
+            </a:lvl2pPr>
+            <a:lvl3pPr marL="1143000" indent="-228600" algn="l" defTabSz="457200" rtl="0" eaLnBrk="1" latinLnBrk="0" hangingPunct="1">
+              <a:spcBef>
+                <a:spcPts val="1000"/>
+              </a:spcBef>
+              <a:spcAft>
+                <a:spcPts val="0"/>
+              </a:spcAft>
+              <a:buClr>
+                <a:schemeClr val="accent1"/>
+              </a:buClr>
+              <a:buSzPct val="80000"/>
+              <a:buFont typeface="Wingdings 3" charset="2"/>
+              <a:buChar char=""/>
+              <a:defRPr sz="1400" b="0" i="0" kern="1200">
+                <a:solidFill>
+                  <a:schemeClr val="tx1"/>
+                </a:solidFill>
+                <a:latin typeface="+mj-lt"/>
+                <a:ea typeface="+mj-ea"/>
+                <a:cs typeface="+mj-cs"/>
+              </a:defRPr>
+            </a:lvl3pPr>
+            <a:lvl4pPr marL="1600200" indent="-228600" algn="l" defTabSz="457200" rtl="0" eaLnBrk="1" latinLnBrk="0" hangingPunct="1">
+              <a:spcBef>
+                <a:spcPts val="1000"/>
+              </a:spcBef>
+              <a:spcAft>
+                <a:spcPts val="0"/>
+              </a:spcAft>
+              <a:buClr>
+                <a:schemeClr val="accent1"/>
+              </a:buClr>
+              <a:buSzPct val="80000"/>
+              <a:buFont typeface="Wingdings 3" charset="2"/>
+              <a:buChar char=""/>
+              <a:defRPr sz="1200" b="0" i="0" kern="1200">
+                <a:solidFill>
+                  <a:schemeClr val="tx1"/>
+                </a:solidFill>
+                <a:latin typeface="+mj-lt"/>
+                <a:ea typeface="+mj-ea"/>
+                <a:cs typeface="+mj-cs"/>
+              </a:defRPr>
+            </a:lvl4pPr>
+            <a:lvl5pPr marL="2057400" indent="-228600" algn="l" defTabSz="457200" rtl="0" eaLnBrk="1" latinLnBrk="0" hangingPunct="1">
+              <a:spcBef>
+                <a:spcPts val="1000"/>
+              </a:spcBef>
+              <a:spcAft>
+                <a:spcPts val="0"/>
+              </a:spcAft>
+              <a:buClr>
+                <a:schemeClr val="accent1"/>
+              </a:buClr>
+              <a:buSzPct val="80000"/>
+              <a:buFont typeface="Wingdings 3" charset="2"/>
+              <a:buChar char=""/>
+              <a:defRPr sz="1200" b="0" i="0" kern="1200">
+                <a:solidFill>
+                  <a:schemeClr val="tx1"/>
+                </a:solidFill>
+                <a:latin typeface="+mj-lt"/>
+                <a:ea typeface="+mj-ea"/>
+                <a:cs typeface="+mj-cs"/>
+              </a:defRPr>
+            </a:lvl5pPr>
+            <a:lvl6pPr marL="2514600" indent="-228600" algn="l" defTabSz="457200" rtl="0" eaLnBrk="1" latinLnBrk="0" hangingPunct="1">
+              <a:spcBef>
+                <a:spcPts val="1000"/>
+              </a:spcBef>
+              <a:spcAft>
+                <a:spcPts val="0"/>
+              </a:spcAft>
+              <a:buClr>
+                <a:schemeClr val="accent1"/>
+              </a:buClr>
+              <a:buSzPct val="80000"/>
+              <a:buFont typeface="Wingdings 3" charset="2"/>
+              <a:buChar char=""/>
+              <a:defRPr sz="1200" b="0" i="0" kern="1200">
+                <a:solidFill>
+                  <a:schemeClr val="tx1"/>
+                </a:solidFill>
+                <a:latin typeface="+mj-lt"/>
+                <a:ea typeface="+mj-ea"/>
+                <a:cs typeface="+mj-cs"/>
+              </a:defRPr>
+            </a:lvl6pPr>
+            <a:lvl7pPr marL="2971800" indent="-228600" algn="l" defTabSz="457200" rtl="0" eaLnBrk="1" latinLnBrk="0" hangingPunct="1">
+              <a:spcBef>
+                <a:spcPts val="1000"/>
+              </a:spcBef>
+              <a:spcAft>
+                <a:spcPts val="0"/>
+              </a:spcAft>
+              <a:buClr>
+                <a:schemeClr val="accent1"/>
+              </a:buClr>
+              <a:buSzPct val="80000"/>
+              <a:buFont typeface="Wingdings 3" charset="2"/>
+              <a:buChar char=""/>
+              <a:defRPr sz="1200" b="0" i="0" kern="1200">
+                <a:solidFill>
+                  <a:schemeClr val="tx1"/>
+                </a:solidFill>
+                <a:latin typeface="+mj-lt"/>
+                <a:ea typeface="+mj-ea"/>
+                <a:cs typeface="+mj-cs"/>
+              </a:defRPr>
+            </a:lvl7pPr>
+            <a:lvl8pPr marL="3429000" indent="-228600" algn="l" defTabSz="457200" rtl="0" eaLnBrk="1" latinLnBrk="0" hangingPunct="1">
+              <a:spcBef>
+                <a:spcPts val="1000"/>
+              </a:spcBef>
+              <a:spcAft>
+                <a:spcPts val="0"/>
+              </a:spcAft>
+              <a:buClr>
+                <a:schemeClr val="accent1"/>
+              </a:buClr>
+              <a:buSzPct val="80000"/>
+              <a:buFont typeface="Wingdings 3" charset="2"/>
+              <a:buChar char=""/>
+              <a:defRPr sz="1200" b="0" i="0" kern="1200">
+                <a:solidFill>
+                  <a:schemeClr val="tx1"/>
+                </a:solidFill>
+                <a:latin typeface="+mj-lt"/>
+                <a:ea typeface="+mj-ea"/>
+                <a:cs typeface="+mj-cs"/>
+              </a:defRPr>
+            </a:lvl8pPr>
+            <a:lvl9pPr marL="3886200" indent="-228600" algn="l" defTabSz="457200" rtl="0" eaLnBrk="1" latinLnBrk="0" hangingPunct="1">
+              <a:spcBef>
+                <a:spcPts val="1000"/>
+              </a:spcBef>
+              <a:spcAft>
+                <a:spcPts val="0"/>
+              </a:spcAft>
+              <a:buClr>
+                <a:schemeClr val="accent1"/>
+              </a:buClr>
+              <a:buSzPct val="80000"/>
+              <a:buFont typeface="Wingdings 3" charset="2"/>
+              <a:buChar char=""/>
+              <a:defRPr sz="1200" b="0" i="0" kern="1200">
+                <a:solidFill>
+                  <a:schemeClr val="tx1"/>
+                </a:solidFill>
+                <a:latin typeface="+mj-lt"/>
+                <a:ea typeface="+mj-ea"/>
+                <a:cs typeface="+mj-cs"/>
+              </a:defRPr>
+            </a:lvl9pPr>
+          </a:lstStyle>
+          <a:p>
+            <a:pPr marL="0" indent="0">
+              <a:buNone/>
+            </a:pPr>
+            <a:r>
+              <a:rPr lang="en-US" sz="1400" dirty="0"/>
+              <a:t>Factors Affecting The Business Are :</a:t>
+            </a:r>
+          </a:p>
+          <a:p>
+            <a:r>
+              <a:rPr lang="en-US" sz="1400" dirty="0"/>
+              <a:t>Yarn Purchase Price</a:t>
+            </a:r>
+          </a:p>
+          <a:p>
+            <a:r>
+              <a:rPr lang="en-US" sz="1400" dirty="0"/>
+              <a:t>Procurement Time And Delay In Processing</a:t>
+            </a:r>
+          </a:p>
+          <a:p>
+            <a:r>
+              <a:rPr lang="en-US" sz="1400" dirty="0"/>
+              <a:t>The Rise Of Bad Debt</a:t>
+            </a:r>
+          </a:p>
+          <a:p>
+            <a:r>
+              <a:rPr lang="en-US" sz="1400" dirty="0"/>
+              <a:t>And Hence The Disturbances The Arise In Cash Flow</a:t>
+            </a:r>
+          </a:p>
+        </p:txBody>
+      </p:sp>
+      <p:pic>
+        <p:nvPicPr>
+          <p:cNvPr id="10" name="Picture 9" descr="Graphical user interface, table&#10;&#10;Description automatically generated">
+            <a:extLst>
+              <a:ext uri="{FF2B5EF4-FFF2-40B4-BE49-F238E27FC236}">
+                <a16:creationId xmlns:a16="http://schemas.microsoft.com/office/drawing/2014/main" id="{4BBB1693-1BA7-68A4-0134-B3CE63BC65A0}"/>
+              </a:ext>
+            </a:extLst>
+          </p:cNvPr>
+          <p:cNvPicPr>
+            <a:picLocks noChangeAspect="1"/>
+          </p:cNvPicPr>
+          <p:nvPr/>
+        </p:nvPicPr>
+        <p:blipFill>
+          <a:blip r:embed="rId3"/>
+          <a:stretch>
+            <a:fillRect/>
+          </a:stretch>
+        </p:blipFill>
+        <p:spPr>
+          <a:xfrm>
+            <a:off x="383763" y="1153700"/>
+            <a:ext cx="6377262" cy="4044723"/>
+          </a:xfrm>
+          <a:prstGeom prst="rect">
+            <a:avLst/>
+          </a:prstGeom>
+        </p:spPr>
+      </p:pic>
+      <p:sp>
+        <p:nvSpPr>
+          <p:cNvPr id="11" name="TextBox 10">
+            <a:extLst>
+              <a:ext uri="{FF2B5EF4-FFF2-40B4-BE49-F238E27FC236}">
+                <a16:creationId xmlns:a16="http://schemas.microsoft.com/office/drawing/2014/main" id="{3A43A2FF-629F-2D6E-AC78-C07ACD9B7EFA}"/>
+              </a:ext>
+            </a:extLst>
+          </p:cNvPr>
+          <p:cNvSpPr txBox="1"/>
+          <p:nvPr/>
+        </p:nvSpPr>
+        <p:spPr>
+          <a:xfrm>
+            <a:off x="278646" y="784368"/>
+            <a:ext cx="5817354" cy="369332"/>
+          </a:xfrm>
+          <a:prstGeom prst="rect">
+            <a:avLst/>
+          </a:prstGeom>
+          <a:noFill/>
+        </p:spPr>
+        <p:txBody>
+          <a:bodyPr wrap="square" rtlCol="0">
+            <a:spAutoFit/>
+          </a:bodyPr>
+          <a:lstStyle/>
+          <a:p>
+            <a:r>
+              <a:rPr lang="en-US" dirty="0"/>
+              <a:t>Glance At Balance Sheet</a:t>
+            </a:r>
+          </a:p>
+        </p:txBody>
+      </p:sp>
+      <p:sp>
+        <p:nvSpPr>
+          <p:cNvPr id="2" name="TextBox 1">
+            <a:extLst>
+              <a:ext uri="{FF2B5EF4-FFF2-40B4-BE49-F238E27FC236}">
+                <a16:creationId xmlns:a16="http://schemas.microsoft.com/office/drawing/2014/main" id="{CC7D5943-FA2B-7F99-AF7F-D7A48AFF293B}"/>
+              </a:ext>
+            </a:extLst>
+          </p:cNvPr>
+          <p:cNvSpPr txBox="1"/>
+          <p:nvPr/>
+        </p:nvSpPr>
+        <p:spPr>
+          <a:xfrm>
+            <a:off x="7669763" y="746449"/>
+            <a:ext cx="2780523" cy="369332"/>
+          </a:xfrm>
+          <a:prstGeom prst="rect">
+            <a:avLst/>
+          </a:prstGeom>
+          <a:noFill/>
+        </p:spPr>
+        <p:txBody>
+          <a:bodyPr wrap="square" rtlCol="0">
+            <a:spAutoFit/>
+          </a:bodyPr>
+          <a:lstStyle/>
+          <a:p>
+            <a:r>
+              <a:rPr lang="en-US" dirty="0"/>
+              <a:t>Business Model</a:t>
+            </a:r>
+          </a:p>
+        </p:txBody>
+      </p:sp>
+    </p:spTree>
+    <p:extLst>
+      <p:ext uri="{BB962C8B-B14F-4D97-AF65-F5344CB8AC3E}">
+        <p14:creationId xmlns:p14="http://schemas.microsoft.com/office/powerpoint/2010/main" val="921101460"/>
+      </p:ext>
+    </p:extLst>
+  </p:cSld>
+  <p:clrMapOvr>
+    <a:masterClrMapping/>
+  </p:clrMapOvr>
+</p:sld>
+</file>
+
+<file path=ppt/slides/slide4.xml><?xml version="1.0" encoding="utf-8"?>
+<p:sld xmlns:a="http://schemas.openxmlformats.org/drawingml/2006/main" xmlns:r="http://schemas.openxmlformats.org/officeDocument/2006/relationships" xmlns:p="http://schemas.openxmlformats.org/presentationml/2006/main">
+  <p:cSld>
+    <p:spTree>
+      <p:nvGrpSpPr>
+        <p:cNvPr id="1" name=""/>
+        <p:cNvGrpSpPr/>
+        <p:nvPr/>
+      </p:nvGrpSpPr>
+      <p:grpSpPr>
+        <a:xfrm>
+          <a:off x="0" y="0"/>
+          <a:ext cx="0" cy="0"/>
+          <a:chOff x="0" y="0"/>
+          <a:chExt cx="0" cy="0"/>
+        </a:xfrm>
+      </p:grpSpPr>
+      <p:sp>
+        <p:nvSpPr>
+          <p:cNvPr id="2" name="Title 1">
+            <a:extLst>
+              <a:ext uri="{FF2B5EF4-FFF2-40B4-BE49-F238E27FC236}">
+                <a16:creationId xmlns:a16="http://schemas.microsoft.com/office/drawing/2014/main" id="{CC5444F2-7449-A010-2696-DFCA3AD81152}"/>
+              </a:ext>
+            </a:extLst>
+          </p:cNvPr>
+          <p:cNvSpPr>
+            <a:spLocks noGrp="1"/>
+          </p:cNvSpPr>
+          <p:nvPr>
+            <p:ph type="title"/>
+          </p:nvPr>
+        </p:nvSpPr>
+        <p:spPr>
+          <a:xfrm>
+            <a:off x="384855" y="340751"/>
+            <a:ext cx="8367260" cy="732270"/>
+          </a:xfrm>
+        </p:spPr>
+        <p:txBody>
+          <a:bodyPr>
+            <a:normAutofit fontScale="90000"/>
+          </a:bodyPr>
+          <a:lstStyle/>
+          <a:p>
+            <a:r>
+              <a:rPr lang="en-US" dirty="0"/>
+              <a:t>Requirement Of Business Owner</a:t>
+            </a:r>
+          </a:p>
+        </p:txBody>
+      </p:sp>
+      <p:sp>
+        <p:nvSpPr>
+          <p:cNvPr id="6" name="Content Placeholder 3">
+            <a:extLst>
+              <a:ext uri="{FF2B5EF4-FFF2-40B4-BE49-F238E27FC236}">
+                <a16:creationId xmlns:a16="http://schemas.microsoft.com/office/drawing/2014/main" id="{CDDA91D2-3838-6DFC-2C33-B650A0A79CA3}"/>
+              </a:ext>
+            </a:extLst>
+          </p:cNvPr>
+          <p:cNvSpPr txBox="1">
+            <a:spLocks/>
+          </p:cNvSpPr>
+          <p:nvPr/>
+        </p:nvSpPr>
+        <p:spPr>
+          <a:xfrm>
+            <a:off x="516669" y="1184931"/>
+            <a:ext cx="4926422" cy="951779"/>
+          </a:xfrm>
+          <a:prstGeom prst="rect">
+            <a:avLst/>
+          </a:prstGeom>
+        </p:spPr>
+        <p:txBody>
+          <a:bodyPr vert="horz" lIns="91440" tIns="45720" rIns="91440" bIns="45720" rtlCol="0">
+            <a:normAutofit fontScale="92500"/>
+          </a:bodyPr>
+          <a:lstStyle>
+            <a:lvl1pPr marL="342900" indent="-342900" algn="l" defTabSz="457200" rtl="0" eaLnBrk="1" latinLnBrk="0" hangingPunct="1">
+              <a:spcBef>
+                <a:spcPts val="1000"/>
+              </a:spcBef>
+              <a:spcAft>
+                <a:spcPts val="0"/>
+              </a:spcAft>
+              <a:buClr>
+                <a:schemeClr val="accent1"/>
+              </a:buClr>
+              <a:buSzPct val="80000"/>
+              <a:buFont typeface="Wingdings 3" charset="2"/>
+              <a:buChar char=""/>
+              <a:defRPr sz="1800" b="0" i="0" kern="1200">
+                <a:solidFill>
+                  <a:schemeClr val="tx1"/>
+                </a:solidFill>
+                <a:latin typeface="+mj-lt"/>
+                <a:ea typeface="+mj-ea"/>
+                <a:cs typeface="+mj-cs"/>
+              </a:defRPr>
+            </a:lvl1pPr>
+            <a:lvl2pPr marL="742950" indent="-285750" algn="l" defTabSz="457200" rtl="0" eaLnBrk="1" latinLnBrk="0" hangingPunct="1">
+              <a:spcBef>
+                <a:spcPts val="1000"/>
+              </a:spcBef>
+              <a:spcAft>
+                <a:spcPts val="0"/>
+              </a:spcAft>
+              <a:buClr>
+                <a:schemeClr val="accent1"/>
+              </a:buClr>
+              <a:buSzPct val="80000"/>
+              <a:buFont typeface="Wingdings 3" charset="2"/>
+              <a:buChar char=""/>
+              <a:defRPr sz="1600" b="0" i="0" kern="1200">
+                <a:solidFill>
+                  <a:schemeClr val="tx1"/>
+                </a:solidFill>
+                <a:latin typeface="+mj-lt"/>
+                <a:ea typeface="+mj-ea"/>
+                <a:cs typeface="+mj-cs"/>
+              </a:defRPr>
+            </a:lvl2pPr>
+            <a:lvl3pPr marL="1143000" indent="-228600" algn="l" defTabSz="457200" rtl="0" eaLnBrk="1" latinLnBrk="0" hangingPunct="1">
+              <a:spcBef>
+                <a:spcPts val="1000"/>
+              </a:spcBef>
+              <a:spcAft>
+                <a:spcPts val="0"/>
+              </a:spcAft>
+              <a:buClr>
+                <a:schemeClr val="accent1"/>
+              </a:buClr>
+              <a:buSzPct val="80000"/>
+              <a:buFont typeface="Wingdings 3" charset="2"/>
+              <a:buChar char=""/>
+              <a:defRPr sz="1400" b="0" i="0" kern="1200">
+                <a:solidFill>
+                  <a:schemeClr val="tx1"/>
+                </a:solidFill>
+                <a:latin typeface="+mj-lt"/>
+                <a:ea typeface="+mj-ea"/>
+                <a:cs typeface="+mj-cs"/>
+              </a:defRPr>
+            </a:lvl3pPr>
+            <a:lvl4pPr marL="1600200" indent="-228600" algn="l" defTabSz="457200" rtl="0" eaLnBrk="1" latinLnBrk="0" hangingPunct="1">
+              <a:spcBef>
+                <a:spcPts val="1000"/>
+              </a:spcBef>
+              <a:spcAft>
+                <a:spcPts val="0"/>
+              </a:spcAft>
+              <a:buClr>
+                <a:schemeClr val="accent1"/>
+              </a:buClr>
+              <a:buSzPct val="80000"/>
+              <a:buFont typeface="Wingdings 3" charset="2"/>
+              <a:buChar char=""/>
+              <a:defRPr sz="1200" b="0" i="0" kern="1200">
+                <a:solidFill>
+                  <a:schemeClr val="tx1"/>
+                </a:solidFill>
+                <a:latin typeface="+mj-lt"/>
+                <a:ea typeface="+mj-ea"/>
+                <a:cs typeface="+mj-cs"/>
+              </a:defRPr>
+            </a:lvl4pPr>
+            <a:lvl5pPr marL="2057400" indent="-228600" algn="l" defTabSz="457200" rtl="0" eaLnBrk="1" latinLnBrk="0" hangingPunct="1">
+              <a:spcBef>
+                <a:spcPts val="1000"/>
+              </a:spcBef>
+              <a:spcAft>
+                <a:spcPts val="0"/>
+              </a:spcAft>
+              <a:buClr>
+                <a:schemeClr val="accent1"/>
+              </a:buClr>
+              <a:buSzPct val="80000"/>
+              <a:buFont typeface="Wingdings 3" charset="2"/>
+              <a:buChar char=""/>
+              <a:defRPr sz="1200" b="0" i="0" kern="1200">
+                <a:solidFill>
+                  <a:schemeClr val="tx1"/>
+                </a:solidFill>
+                <a:latin typeface="+mj-lt"/>
+                <a:ea typeface="+mj-ea"/>
+                <a:cs typeface="+mj-cs"/>
+              </a:defRPr>
+            </a:lvl5pPr>
+            <a:lvl6pPr marL="2514600" indent="-228600" algn="l" defTabSz="457200" rtl="0" eaLnBrk="1" latinLnBrk="0" hangingPunct="1">
+              <a:spcBef>
+                <a:spcPts val="1000"/>
+              </a:spcBef>
+              <a:spcAft>
+                <a:spcPts val="0"/>
+              </a:spcAft>
+              <a:buClr>
+                <a:schemeClr val="accent1"/>
+              </a:buClr>
+              <a:buSzPct val="80000"/>
+              <a:buFont typeface="Wingdings 3" charset="2"/>
+              <a:buChar char=""/>
+              <a:defRPr sz="1200" b="0" i="0" kern="1200">
+                <a:solidFill>
+                  <a:schemeClr val="tx1"/>
+                </a:solidFill>
+                <a:latin typeface="+mj-lt"/>
+                <a:ea typeface="+mj-ea"/>
+                <a:cs typeface="+mj-cs"/>
+              </a:defRPr>
+            </a:lvl6pPr>
+            <a:lvl7pPr marL="2971800" indent="-228600" algn="l" defTabSz="457200" rtl="0" eaLnBrk="1" latinLnBrk="0" hangingPunct="1">
+              <a:spcBef>
+                <a:spcPts val="1000"/>
+              </a:spcBef>
+              <a:spcAft>
+                <a:spcPts val="0"/>
+              </a:spcAft>
+              <a:buClr>
+                <a:schemeClr val="accent1"/>
+              </a:buClr>
+              <a:buSzPct val="80000"/>
+              <a:buFont typeface="Wingdings 3" charset="2"/>
+              <a:buChar char=""/>
+              <a:defRPr sz="1200" b="0" i="0" kern="1200">
+                <a:solidFill>
+                  <a:schemeClr val="tx1"/>
+                </a:solidFill>
+                <a:latin typeface="+mj-lt"/>
+                <a:ea typeface="+mj-ea"/>
+                <a:cs typeface="+mj-cs"/>
+              </a:defRPr>
+            </a:lvl7pPr>
+            <a:lvl8pPr marL="3429000" indent="-228600" algn="l" defTabSz="457200" rtl="0" eaLnBrk="1" latinLnBrk="0" hangingPunct="1">
+              <a:spcBef>
+                <a:spcPts val="1000"/>
+              </a:spcBef>
+              <a:spcAft>
+                <a:spcPts val="0"/>
+              </a:spcAft>
+              <a:buClr>
+                <a:schemeClr val="accent1"/>
+              </a:buClr>
+              <a:buSzPct val="80000"/>
+              <a:buFont typeface="Wingdings 3" charset="2"/>
+              <a:buChar char=""/>
+              <a:defRPr sz="1200" b="0" i="0" kern="1200">
+                <a:solidFill>
+                  <a:schemeClr val="tx1"/>
+                </a:solidFill>
+                <a:latin typeface="+mj-lt"/>
+                <a:ea typeface="+mj-ea"/>
+                <a:cs typeface="+mj-cs"/>
+              </a:defRPr>
+            </a:lvl8pPr>
+            <a:lvl9pPr marL="3886200" indent="-228600" algn="l" defTabSz="457200" rtl="0" eaLnBrk="1" latinLnBrk="0" hangingPunct="1">
+              <a:spcBef>
+                <a:spcPts val="1000"/>
+              </a:spcBef>
+              <a:spcAft>
+                <a:spcPts val="0"/>
+              </a:spcAft>
+              <a:buClr>
+                <a:schemeClr val="accent1"/>
+              </a:buClr>
+              <a:buSzPct val="80000"/>
+              <a:buFont typeface="Wingdings 3" charset="2"/>
+              <a:buChar char=""/>
+              <a:defRPr sz="1200" b="0" i="0" kern="1200">
+                <a:solidFill>
+                  <a:schemeClr val="tx1"/>
+                </a:solidFill>
+                <a:latin typeface="+mj-lt"/>
+                <a:ea typeface="+mj-ea"/>
+                <a:cs typeface="+mj-cs"/>
+              </a:defRPr>
+            </a:lvl9pPr>
+          </a:lstStyle>
+          <a:p>
+            <a:r>
+              <a:rPr lang="en-US" sz="1400" dirty="0"/>
+              <a:t>Create A Model Comprising Entire Business System</a:t>
+            </a:r>
+          </a:p>
+          <a:p>
+            <a:r>
+              <a:rPr lang="en-US" sz="1400" dirty="0"/>
+              <a:t>Establish A Justified System For Sale In Credit To Regular Retailers And Defaulters.</a:t>
+            </a:r>
+          </a:p>
+        </p:txBody>
+      </p:sp>
+      <p:sp>
+        <p:nvSpPr>
+          <p:cNvPr id="7" name="TextBox 6">
+            <a:extLst>
+              <a:ext uri="{FF2B5EF4-FFF2-40B4-BE49-F238E27FC236}">
+                <a16:creationId xmlns:a16="http://schemas.microsoft.com/office/drawing/2014/main" id="{8A83809C-A2A1-C164-EA65-EF9D6F527F48}"/>
+              </a:ext>
+            </a:extLst>
+          </p:cNvPr>
+          <p:cNvSpPr txBox="1"/>
+          <p:nvPr/>
+        </p:nvSpPr>
+        <p:spPr>
+          <a:xfrm>
+            <a:off x="516669" y="2313992"/>
+            <a:ext cx="9401772" cy="369332"/>
+          </a:xfrm>
+          <a:prstGeom prst="rect">
+            <a:avLst/>
+          </a:prstGeom>
+          <a:noFill/>
+        </p:spPr>
+        <p:txBody>
+          <a:bodyPr wrap="square" rtlCol="0">
+            <a:spAutoFit/>
+          </a:bodyPr>
+          <a:lstStyle/>
+          <a:p>
+            <a:r>
+              <a:rPr lang="en-US" dirty="0"/>
+              <a:t>At A Glance : Yarn Purchase Trend And Sales Trend Across a Year</a:t>
+            </a:r>
+          </a:p>
+        </p:txBody>
+      </p:sp>
+      <p:pic>
+        <p:nvPicPr>
+          <p:cNvPr id="9" name="Picture 8" descr="Chart, bar chart&#10;&#10;Description automatically generated">
+            <a:extLst>
+              <a:ext uri="{FF2B5EF4-FFF2-40B4-BE49-F238E27FC236}">
+                <a16:creationId xmlns:a16="http://schemas.microsoft.com/office/drawing/2014/main" id="{7A8A129C-CCB3-7775-484A-D3336F7BA0DD}"/>
+              </a:ext>
+            </a:extLst>
+          </p:cNvPr>
+          <p:cNvPicPr>
+            <a:picLocks noChangeAspect="1"/>
+          </p:cNvPicPr>
+          <p:nvPr/>
+        </p:nvPicPr>
+        <p:blipFill>
+          <a:blip r:embed="rId2"/>
+          <a:stretch>
+            <a:fillRect/>
+          </a:stretch>
+        </p:blipFill>
+        <p:spPr>
+          <a:xfrm>
+            <a:off x="516669" y="2860605"/>
+            <a:ext cx="5579331" cy="3789987"/>
+          </a:xfrm>
+          <a:prstGeom prst="rect">
+            <a:avLst/>
+          </a:prstGeom>
+        </p:spPr>
+      </p:pic>
+      <p:pic>
+        <p:nvPicPr>
+          <p:cNvPr id="13" name="Picture 12" descr="Chart, bar chart&#10;&#10;Description automatically generated">
+            <a:extLst>
+              <a:ext uri="{FF2B5EF4-FFF2-40B4-BE49-F238E27FC236}">
+                <a16:creationId xmlns:a16="http://schemas.microsoft.com/office/drawing/2014/main" id="{3E4EF3E7-FC0B-F5C2-F5F4-C4CEAD1D716E}"/>
+              </a:ext>
+            </a:extLst>
+          </p:cNvPr>
+          <p:cNvPicPr>
+            <a:picLocks noChangeAspect="1"/>
+          </p:cNvPicPr>
+          <p:nvPr/>
+        </p:nvPicPr>
+        <p:blipFill>
+          <a:blip r:embed="rId3"/>
+          <a:stretch>
+            <a:fillRect/>
+          </a:stretch>
+        </p:blipFill>
+        <p:spPr>
+          <a:xfrm>
+            <a:off x="6214187" y="2860604"/>
+            <a:ext cx="5710335" cy="3789987"/>
+          </a:xfrm>
+          <a:prstGeom prst="rect">
+            <a:avLst/>
+          </a:prstGeom>
+        </p:spPr>
+      </p:pic>
+    </p:spTree>
+    <p:extLst>
+      <p:ext uri="{BB962C8B-B14F-4D97-AF65-F5344CB8AC3E}">
+        <p14:creationId xmlns:p14="http://schemas.microsoft.com/office/powerpoint/2010/main" val="148734158"/>
+      </p:ext>
+    </p:extLst>
+  </p:cSld>
+  <p:clrMapOvr>
+    <a:masterClrMapping/>
+  </p:clrMapOvr>
+</p:sld>
+</file>
+
+<file path=ppt/slides/slide5.xml><?xml version="1.0" encoding="utf-8"?>
+<p:sld xmlns:a="http://schemas.openxmlformats.org/drawingml/2006/main" xmlns:r="http://schemas.openxmlformats.org/officeDocument/2006/relationships" xmlns:p="http://schemas.openxmlformats.org/presentationml/2006/main">
+  <p:cSld>
+    <p:spTree>
+      <p:nvGrpSpPr>
+        <p:cNvPr id="1" name=""/>
+        <p:cNvGrpSpPr/>
+        <p:nvPr/>
+      </p:nvGrpSpPr>
+      <p:grpSpPr>
+        <a:xfrm>
+          <a:off x="0" y="0"/>
+          <a:ext cx="0" cy="0"/>
+          <a:chOff x="0" y="0"/>
+          <a:chExt cx="0" cy="0"/>
+        </a:xfrm>
+      </p:grpSpPr>
+      <p:sp>
+        <p:nvSpPr>
+          <p:cNvPr id="2" name="Title 1">
+            <a:extLst>
+              <a:ext uri="{FF2B5EF4-FFF2-40B4-BE49-F238E27FC236}">
+                <a16:creationId xmlns:a16="http://schemas.microsoft.com/office/drawing/2014/main" id="{9EEB8E19-8E99-2427-9ED7-D661D15A637D}"/>
+              </a:ext>
+            </a:extLst>
+          </p:cNvPr>
+          <p:cNvSpPr>
+            <a:spLocks noGrp="1"/>
+          </p:cNvSpPr>
+          <p:nvPr>
+            <p:ph type="title"/>
+          </p:nvPr>
+        </p:nvSpPr>
+        <p:spPr>
+          <a:xfrm>
+            <a:off x="646111" y="452718"/>
+            <a:ext cx="5670713" cy="816245"/>
+          </a:xfrm>
+        </p:spPr>
+        <p:txBody>
+          <a:bodyPr>
+            <a:normAutofit fontScale="90000"/>
+          </a:bodyPr>
+          <a:lstStyle/>
+          <a:p>
+            <a:r>
+              <a:rPr lang="en-US" dirty="0"/>
+              <a:t>State-Space Analysis</a:t>
+            </a:r>
+          </a:p>
+        </p:txBody>
+      </p:sp>
+      <p:sp>
+        <p:nvSpPr>
+          <p:cNvPr id="5" name="Content Placeholder 3">
+            <a:extLst>
+              <a:ext uri="{FF2B5EF4-FFF2-40B4-BE49-F238E27FC236}">
+                <a16:creationId xmlns:a16="http://schemas.microsoft.com/office/drawing/2014/main" id="{A2D294CB-C259-03C8-D25D-D4EF531BC9D0}"/>
+              </a:ext>
+            </a:extLst>
+          </p:cNvPr>
+          <p:cNvSpPr txBox="1">
+            <a:spLocks/>
+          </p:cNvSpPr>
+          <p:nvPr/>
+        </p:nvSpPr>
+        <p:spPr>
+          <a:xfrm>
+            <a:off x="646111" y="1343552"/>
+            <a:ext cx="4926422" cy="951779"/>
+          </a:xfrm>
+          <a:prstGeom prst="rect">
+            <a:avLst/>
+          </a:prstGeom>
+        </p:spPr>
+        <p:txBody>
+          <a:bodyPr vert="horz" lIns="91440" tIns="45720" rIns="91440" bIns="45720" rtlCol="0">
+            <a:normAutofit fontScale="92500"/>
+          </a:bodyPr>
+          <a:lstStyle>
+            <a:lvl1pPr marL="342900" indent="-342900" algn="l" defTabSz="457200" rtl="0" eaLnBrk="1" latinLnBrk="0" hangingPunct="1">
+              <a:spcBef>
+                <a:spcPts val="1000"/>
+              </a:spcBef>
+              <a:spcAft>
+                <a:spcPts val="0"/>
+              </a:spcAft>
+              <a:buClr>
+                <a:schemeClr val="accent1"/>
+              </a:buClr>
+              <a:buSzPct val="80000"/>
+              <a:buFont typeface="Wingdings 3" charset="2"/>
+              <a:buChar char=""/>
+              <a:defRPr sz="1800" b="0" i="0" kern="1200">
+                <a:solidFill>
+                  <a:schemeClr val="tx1"/>
+                </a:solidFill>
+                <a:latin typeface="+mj-lt"/>
+                <a:ea typeface="+mj-ea"/>
+                <a:cs typeface="+mj-cs"/>
+              </a:defRPr>
+            </a:lvl1pPr>
+            <a:lvl2pPr marL="742950" indent="-285750" algn="l" defTabSz="457200" rtl="0" eaLnBrk="1" latinLnBrk="0" hangingPunct="1">
+              <a:spcBef>
+                <a:spcPts val="1000"/>
+              </a:spcBef>
+              <a:spcAft>
+                <a:spcPts val="0"/>
+              </a:spcAft>
+              <a:buClr>
+                <a:schemeClr val="accent1"/>
+              </a:buClr>
+              <a:buSzPct val="80000"/>
+              <a:buFont typeface="Wingdings 3" charset="2"/>
+              <a:buChar char=""/>
+              <a:defRPr sz="1600" b="0" i="0" kern="1200">
+                <a:solidFill>
+                  <a:schemeClr val="tx1"/>
+                </a:solidFill>
+                <a:latin typeface="+mj-lt"/>
+                <a:ea typeface="+mj-ea"/>
+                <a:cs typeface="+mj-cs"/>
+              </a:defRPr>
+            </a:lvl2pPr>
+            <a:lvl3pPr marL="1143000" indent="-228600" algn="l" defTabSz="457200" rtl="0" eaLnBrk="1" latinLnBrk="0" hangingPunct="1">
+              <a:spcBef>
+                <a:spcPts val="1000"/>
+              </a:spcBef>
+              <a:spcAft>
+                <a:spcPts val="0"/>
+              </a:spcAft>
+              <a:buClr>
+                <a:schemeClr val="accent1"/>
+              </a:buClr>
+              <a:buSzPct val="80000"/>
+              <a:buFont typeface="Wingdings 3" charset="2"/>
+              <a:buChar char=""/>
+              <a:defRPr sz="1400" b="0" i="0" kern="1200">
+                <a:solidFill>
+                  <a:schemeClr val="tx1"/>
+                </a:solidFill>
+                <a:latin typeface="+mj-lt"/>
+                <a:ea typeface="+mj-ea"/>
+                <a:cs typeface="+mj-cs"/>
+              </a:defRPr>
+            </a:lvl3pPr>
+            <a:lvl4pPr marL="1600200" indent="-228600" algn="l" defTabSz="457200" rtl="0" eaLnBrk="1" latinLnBrk="0" hangingPunct="1">
+              <a:spcBef>
+                <a:spcPts val="1000"/>
+              </a:spcBef>
+              <a:spcAft>
+                <a:spcPts val="0"/>
+              </a:spcAft>
+              <a:buClr>
+                <a:schemeClr val="accent1"/>
+              </a:buClr>
+              <a:buSzPct val="80000"/>
+              <a:buFont typeface="Wingdings 3" charset="2"/>
+              <a:buChar char=""/>
+              <a:defRPr sz="1200" b="0" i="0" kern="1200">
+                <a:solidFill>
+                  <a:schemeClr val="tx1"/>
+                </a:solidFill>
+                <a:latin typeface="+mj-lt"/>
+                <a:ea typeface="+mj-ea"/>
+                <a:cs typeface="+mj-cs"/>
+              </a:defRPr>
+            </a:lvl4pPr>
+            <a:lvl5pPr marL="2057400" indent="-228600" algn="l" defTabSz="457200" rtl="0" eaLnBrk="1" latinLnBrk="0" hangingPunct="1">
+              <a:spcBef>
+                <a:spcPts val="1000"/>
+              </a:spcBef>
+              <a:spcAft>
+                <a:spcPts val="0"/>
+              </a:spcAft>
+              <a:buClr>
+                <a:schemeClr val="accent1"/>
+              </a:buClr>
+              <a:buSzPct val="80000"/>
+              <a:buFont typeface="Wingdings 3" charset="2"/>
+              <a:buChar char=""/>
+              <a:defRPr sz="1200" b="0" i="0" kern="1200">
+                <a:solidFill>
+                  <a:schemeClr val="tx1"/>
+                </a:solidFill>
+                <a:latin typeface="+mj-lt"/>
+                <a:ea typeface="+mj-ea"/>
+                <a:cs typeface="+mj-cs"/>
+              </a:defRPr>
+            </a:lvl5pPr>
+            <a:lvl6pPr marL="2514600" indent="-228600" algn="l" defTabSz="457200" rtl="0" eaLnBrk="1" latinLnBrk="0" hangingPunct="1">
+              <a:spcBef>
+                <a:spcPts val="1000"/>
+              </a:spcBef>
+              <a:spcAft>
+                <a:spcPts val="0"/>
+              </a:spcAft>
+              <a:buClr>
+                <a:schemeClr val="accent1"/>
+              </a:buClr>
+              <a:buSzPct val="80000"/>
+              <a:buFont typeface="Wingdings 3" charset="2"/>
+              <a:buChar char=""/>
+              <a:defRPr sz="1200" b="0" i="0" kern="1200">
+                <a:solidFill>
+                  <a:schemeClr val="tx1"/>
+                </a:solidFill>
+                <a:latin typeface="+mj-lt"/>
+                <a:ea typeface="+mj-ea"/>
+                <a:cs typeface="+mj-cs"/>
+              </a:defRPr>
+            </a:lvl6pPr>
+            <a:lvl7pPr marL="2971800" indent="-228600" algn="l" defTabSz="457200" rtl="0" eaLnBrk="1" latinLnBrk="0" hangingPunct="1">
+              <a:spcBef>
+                <a:spcPts val="1000"/>
+              </a:spcBef>
+              <a:spcAft>
+                <a:spcPts val="0"/>
+              </a:spcAft>
+              <a:buClr>
+                <a:schemeClr val="accent1"/>
+              </a:buClr>
+              <a:buSzPct val="80000"/>
+              <a:buFont typeface="Wingdings 3" charset="2"/>
+              <a:buChar char=""/>
+              <a:defRPr sz="1200" b="0" i="0" kern="1200">
+                <a:solidFill>
+                  <a:schemeClr val="tx1"/>
+                </a:solidFill>
+                <a:latin typeface="+mj-lt"/>
+                <a:ea typeface="+mj-ea"/>
+                <a:cs typeface="+mj-cs"/>
+              </a:defRPr>
+            </a:lvl7pPr>
+            <a:lvl8pPr marL="3429000" indent="-228600" algn="l" defTabSz="457200" rtl="0" eaLnBrk="1" latinLnBrk="0" hangingPunct="1">
+              <a:spcBef>
+                <a:spcPts val="1000"/>
+              </a:spcBef>
+              <a:spcAft>
+                <a:spcPts val="0"/>
+              </a:spcAft>
+              <a:buClr>
+                <a:schemeClr val="accent1"/>
+              </a:buClr>
+              <a:buSzPct val="80000"/>
+              <a:buFont typeface="Wingdings 3" charset="2"/>
+              <a:buChar char=""/>
+              <a:defRPr sz="1200" b="0" i="0" kern="1200">
+                <a:solidFill>
+                  <a:schemeClr val="tx1"/>
+                </a:solidFill>
+                <a:latin typeface="+mj-lt"/>
+                <a:ea typeface="+mj-ea"/>
+                <a:cs typeface="+mj-cs"/>
+              </a:defRPr>
+            </a:lvl8pPr>
+            <a:lvl9pPr marL="3886200" indent="-228600" algn="l" defTabSz="457200" rtl="0" eaLnBrk="1" latinLnBrk="0" hangingPunct="1">
+              <a:spcBef>
+                <a:spcPts val="1000"/>
+              </a:spcBef>
+              <a:spcAft>
+                <a:spcPts val="0"/>
+              </a:spcAft>
+              <a:buClr>
+                <a:schemeClr val="accent1"/>
+              </a:buClr>
+              <a:buSzPct val="80000"/>
+              <a:buFont typeface="Wingdings 3" charset="2"/>
+              <a:buChar char=""/>
+              <a:defRPr sz="1200" b="0" i="0" kern="1200">
+                <a:solidFill>
+                  <a:schemeClr val="tx1"/>
+                </a:solidFill>
+                <a:latin typeface="+mj-lt"/>
+                <a:ea typeface="+mj-ea"/>
+                <a:cs typeface="+mj-cs"/>
+              </a:defRPr>
+            </a:lvl9pPr>
+          </a:lstStyle>
+          <a:p>
+            <a:r>
+              <a:rPr lang="en-US" sz="1400" dirty="0"/>
+              <a:t>A Complex System Modelling Approach Is Required</a:t>
+            </a:r>
+          </a:p>
+          <a:p>
+            <a:r>
+              <a:rPr lang="en-US" sz="1400" dirty="0"/>
+              <a:t>Concepts State Space Analysis For Financial System Engineering Is Implemented</a:t>
+            </a:r>
+          </a:p>
+        </p:txBody>
+      </p:sp>
+      <p:pic>
+        <p:nvPicPr>
+          <p:cNvPr id="7" name="Picture 6" descr="Text&#10;&#10;Description automatically generated with medium confidence">
+            <a:extLst>
+              <a:ext uri="{FF2B5EF4-FFF2-40B4-BE49-F238E27FC236}">
+                <a16:creationId xmlns:a16="http://schemas.microsoft.com/office/drawing/2014/main" id="{5000A986-A115-662F-344F-A196FECF51E5}"/>
+              </a:ext>
+            </a:extLst>
+          </p:cNvPr>
+          <p:cNvPicPr>
+            <a:picLocks noChangeAspect="1"/>
+          </p:cNvPicPr>
+          <p:nvPr/>
+        </p:nvPicPr>
+        <p:blipFill>
+          <a:blip r:embed="rId2"/>
+          <a:stretch>
+            <a:fillRect/>
+          </a:stretch>
+        </p:blipFill>
+        <p:spPr>
+          <a:xfrm>
+            <a:off x="646111" y="2845809"/>
+            <a:ext cx="3585471" cy="951779"/>
+          </a:xfrm>
+          <a:prstGeom prst="rect">
+            <a:avLst/>
+          </a:prstGeom>
+        </p:spPr>
+      </p:pic>
+      <p:sp>
+        <p:nvSpPr>
+          <p:cNvPr id="8" name="TextBox 7">
+            <a:extLst>
+              <a:ext uri="{FF2B5EF4-FFF2-40B4-BE49-F238E27FC236}">
+                <a16:creationId xmlns:a16="http://schemas.microsoft.com/office/drawing/2014/main" id="{108339C2-B701-44F9-0DAB-ECD0F85D21F7}"/>
+              </a:ext>
+            </a:extLst>
+          </p:cNvPr>
+          <p:cNvSpPr txBox="1"/>
+          <p:nvPr/>
+        </p:nvSpPr>
+        <p:spPr>
+          <a:xfrm>
+            <a:off x="588392" y="2385904"/>
+            <a:ext cx="1237486" cy="369332"/>
+          </a:xfrm>
+          <a:prstGeom prst="rect">
+            <a:avLst/>
+          </a:prstGeom>
+          <a:noFill/>
+        </p:spPr>
+        <p:txBody>
+          <a:bodyPr wrap="square" rtlCol="0">
+            <a:spAutoFit/>
+          </a:bodyPr>
+          <a:lstStyle/>
+          <a:p>
+            <a:r>
+              <a:rPr lang="en-US" dirty="0"/>
+              <a:t>Equation</a:t>
+            </a:r>
+          </a:p>
+        </p:txBody>
+      </p:sp>
+      <p:sp>
+        <p:nvSpPr>
+          <p:cNvPr id="9" name="TextBox 8">
+            <a:extLst>
+              <a:ext uri="{FF2B5EF4-FFF2-40B4-BE49-F238E27FC236}">
+                <a16:creationId xmlns:a16="http://schemas.microsoft.com/office/drawing/2014/main" id="{D4E3AEDF-3022-04A8-ECE5-12079EB2A469}"/>
+              </a:ext>
+            </a:extLst>
+          </p:cNvPr>
+          <p:cNvSpPr txBox="1"/>
+          <p:nvPr/>
+        </p:nvSpPr>
+        <p:spPr>
+          <a:xfrm>
+            <a:off x="6316824" y="2352305"/>
+            <a:ext cx="4668041" cy="369332"/>
+          </a:xfrm>
+          <a:prstGeom prst="rect">
+            <a:avLst/>
+          </a:prstGeom>
+          <a:noFill/>
+        </p:spPr>
+        <p:txBody>
+          <a:bodyPr wrap="square" rtlCol="0">
+            <a:spAutoFit/>
+          </a:bodyPr>
+          <a:lstStyle/>
+          <a:p>
+            <a:r>
+              <a:rPr lang="en-US" dirty="0"/>
+              <a:t>Block Diagram Representation</a:t>
+            </a:r>
+          </a:p>
+        </p:txBody>
+      </p:sp>
+      <p:sp>
+        <p:nvSpPr>
+          <p:cNvPr id="12" name="Content Placeholder 3">
+            <a:extLst>
+              <a:ext uri="{FF2B5EF4-FFF2-40B4-BE49-F238E27FC236}">
+                <a16:creationId xmlns:a16="http://schemas.microsoft.com/office/drawing/2014/main" id="{C8DEFF6D-AB2F-9ADF-B7AB-83CF30F26B2C}"/>
+              </a:ext>
+            </a:extLst>
+          </p:cNvPr>
+          <p:cNvSpPr txBox="1">
+            <a:spLocks/>
+          </p:cNvSpPr>
+          <p:nvPr/>
+        </p:nvSpPr>
+        <p:spPr>
+          <a:xfrm>
+            <a:off x="588392" y="4274382"/>
+            <a:ext cx="3942528" cy="1495602"/>
+          </a:xfrm>
+          <a:prstGeom prst="rect">
+            <a:avLst/>
+          </a:prstGeom>
+        </p:spPr>
+        <p:txBody>
+          <a:bodyPr vert="horz" lIns="91440" tIns="45720" rIns="91440" bIns="45720" rtlCol="0">
+            <a:normAutofit/>
+          </a:bodyPr>
+          <a:lstStyle>
+            <a:lvl1pPr marL="342900" indent="-342900" algn="l" defTabSz="457200" rtl="0" eaLnBrk="1" latinLnBrk="0" hangingPunct="1">
+              <a:spcBef>
+                <a:spcPts val="1000"/>
+              </a:spcBef>
+              <a:spcAft>
+                <a:spcPts val="0"/>
+              </a:spcAft>
+              <a:buClr>
+                <a:schemeClr val="accent1"/>
+              </a:buClr>
+              <a:buSzPct val="80000"/>
+              <a:buFont typeface="Wingdings 3" charset="2"/>
+              <a:buChar char=""/>
+              <a:defRPr sz="1800" b="0" i="0" kern="1200">
+                <a:solidFill>
+                  <a:schemeClr val="tx1"/>
+                </a:solidFill>
+                <a:latin typeface="+mj-lt"/>
+                <a:ea typeface="+mj-ea"/>
+                <a:cs typeface="+mj-cs"/>
+              </a:defRPr>
+            </a:lvl1pPr>
+            <a:lvl2pPr marL="742950" indent="-285750" algn="l" defTabSz="457200" rtl="0" eaLnBrk="1" latinLnBrk="0" hangingPunct="1">
+              <a:spcBef>
+                <a:spcPts val="1000"/>
+              </a:spcBef>
+              <a:spcAft>
+                <a:spcPts val="0"/>
+              </a:spcAft>
+              <a:buClr>
+                <a:schemeClr val="accent1"/>
+              </a:buClr>
+              <a:buSzPct val="80000"/>
+              <a:buFont typeface="Wingdings 3" charset="2"/>
+              <a:buChar char=""/>
+              <a:defRPr sz="1600" b="0" i="0" kern="1200">
+                <a:solidFill>
+                  <a:schemeClr val="tx1"/>
+                </a:solidFill>
+                <a:latin typeface="+mj-lt"/>
+                <a:ea typeface="+mj-ea"/>
+                <a:cs typeface="+mj-cs"/>
+              </a:defRPr>
+            </a:lvl2pPr>
+            <a:lvl3pPr marL="1143000" indent="-228600" algn="l" defTabSz="457200" rtl="0" eaLnBrk="1" latinLnBrk="0" hangingPunct="1">
+              <a:spcBef>
+                <a:spcPts val="1000"/>
+              </a:spcBef>
+              <a:spcAft>
+                <a:spcPts val="0"/>
+              </a:spcAft>
+              <a:buClr>
+                <a:schemeClr val="accent1"/>
+              </a:buClr>
+              <a:buSzPct val="80000"/>
+              <a:buFont typeface="Wingdings 3" charset="2"/>
+              <a:buChar char=""/>
+              <a:defRPr sz="1400" b="0" i="0" kern="1200">
+                <a:solidFill>
+                  <a:schemeClr val="tx1"/>
+                </a:solidFill>
+                <a:latin typeface="+mj-lt"/>
+                <a:ea typeface="+mj-ea"/>
+                <a:cs typeface="+mj-cs"/>
+              </a:defRPr>
+            </a:lvl3pPr>
+            <a:lvl4pPr marL="1600200" indent="-228600" algn="l" defTabSz="457200" rtl="0" eaLnBrk="1" latinLnBrk="0" hangingPunct="1">
+              <a:spcBef>
+                <a:spcPts val="1000"/>
+              </a:spcBef>
+              <a:spcAft>
+                <a:spcPts val="0"/>
+              </a:spcAft>
+              <a:buClr>
+                <a:schemeClr val="accent1"/>
+              </a:buClr>
+              <a:buSzPct val="80000"/>
+              <a:buFont typeface="Wingdings 3" charset="2"/>
+              <a:buChar char=""/>
+              <a:defRPr sz="1200" b="0" i="0" kern="1200">
+                <a:solidFill>
+                  <a:schemeClr val="tx1"/>
+                </a:solidFill>
+                <a:latin typeface="+mj-lt"/>
+                <a:ea typeface="+mj-ea"/>
+                <a:cs typeface="+mj-cs"/>
+              </a:defRPr>
+            </a:lvl4pPr>
+            <a:lvl5pPr marL="2057400" indent="-228600" algn="l" defTabSz="457200" rtl="0" eaLnBrk="1" latinLnBrk="0" hangingPunct="1">
+              <a:spcBef>
+                <a:spcPts val="1000"/>
+              </a:spcBef>
+              <a:spcAft>
+                <a:spcPts val="0"/>
+              </a:spcAft>
+              <a:buClr>
+                <a:schemeClr val="accent1"/>
+              </a:buClr>
+              <a:buSzPct val="80000"/>
+              <a:buFont typeface="Wingdings 3" charset="2"/>
+              <a:buChar char=""/>
+              <a:defRPr sz="1200" b="0" i="0" kern="1200">
+                <a:solidFill>
+                  <a:schemeClr val="tx1"/>
+                </a:solidFill>
+                <a:latin typeface="+mj-lt"/>
+                <a:ea typeface="+mj-ea"/>
+                <a:cs typeface="+mj-cs"/>
+              </a:defRPr>
+            </a:lvl5pPr>
+            <a:lvl6pPr marL="2514600" indent="-228600" algn="l" defTabSz="457200" rtl="0" eaLnBrk="1" latinLnBrk="0" hangingPunct="1">
+              <a:spcBef>
+                <a:spcPts val="1000"/>
+              </a:spcBef>
+              <a:spcAft>
+                <a:spcPts val="0"/>
+              </a:spcAft>
+              <a:buClr>
+                <a:schemeClr val="accent1"/>
+              </a:buClr>
+              <a:buSzPct val="80000"/>
+              <a:buFont typeface="Wingdings 3" charset="2"/>
+              <a:buChar char=""/>
+              <a:defRPr sz="1200" b="0" i="0" kern="1200">
+                <a:solidFill>
+                  <a:schemeClr val="tx1"/>
+                </a:solidFill>
+                <a:latin typeface="+mj-lt"/>
+                <a:ea typeface="+mj-ea"/>
+                <a:cs typeface="+mj-cs"/>
+              </a:defRPr>
+            </a:lvl6pPr>
+            <a:lvl7pPr marL="2971800" indent="-228600" algn="l" defTabSz="457200" rtl="0" eaLnBrk="1" latinLnBrk="0" hangingPunct="1">
+              <a:spcBef>
+                <a:spcPts val="1000"/>
+              </a:spcBef>
+              <a:spcAft>
+                <a:spcPts val="0"/>
+              </a:spcAft>
+              <a:buClr>
+                <a:schemeClr val="accent1"/>
+              </a:buClr>
+              <a:buSzPct val="80000"/>
+              <a:buFont typeface="Wingdings 3" charset="2"/>
+              <a:buChar char=""/>
+              <a:defRPr sz="1200" b="0" i="0" kern="1200">
+                <a:solidFill>
+                  <a:schemeClr val="tx1"/>
+                </a:solidFill>
+                <a:latin typeface="+mj-lt"/>
+                <a:ea typeface="+mj-ea"/>
+                <a:cs typeface="+mj-cs"/>
+              </a:defRPr>
+            </a:lvl7pPr>
+            <a:lvl8pPr marL="3429000" indent="-228600" algn="l" defTabSz="457200" rtl="0" eaLnBrk="1" latinLnBrk="0" hangingPunct="1">
+              <a:spcBef>
+                <a:spcPts val="1000"/>
+              </a:spcBef>
+              <a:spcAft>
+                <a:spcPts val="0"/>
+              </a:spcAft>
+              <a:buClr>
+                <a:schemeClr val="accent1"/>
+              </a:buClr>
+              <a:buSzPct val="80000"/>
+              <a:buFont typeface="Wingdings 3" charset="2"/>
+              <a:buChar char=""/>
+              <a:defRPr sz="1200" b="0" i="0" kern="1200">
+                <a:solidFill>
+                  <a:schemeClr val="tx1"/>
+                </a:solidFill>
+                <a:latin typeface="+mj-lt"/>
+                <a:ea typeface="+mj-ea"/>
+                <a:cs typeface="+mj-cs"/>
+              </a:defRPr>
+            </a:lvl8pPr>
+            <a:lvl9pPr marL="3886200" indent="-228600" algn="l" defTabSz="457200" rtl="0" eaLnBrk="1" latinLnBrk="0" hangingPunct="1">
+              <a:spcBef>
+                <a:spcPts val="1000"/>
+              </a:spcBef>
+              <a:spcAft>
+                <a:spcPts val="0"/>
+              </a:spcAft>
+              <a:buClr>
+                <a:schemeClr val="accent1"/>
+              </a:buClr>
+              <a:buSzPct val="80000"/>
+              <a:buFont typeface="Wingdings 3" charset="2"/>
+              <a:buChar char=""/>
+              <a:defRPr sz="1200" b="0" i="0" kern="1200">
+                <a:solidFill>
+                  <a:schemeClr val="tx1"/>
+                </a:solidFill>
+                <a:latin typeface="+mj-lt"/>
+                <a:ea typeface="+mj-ea"/>
+                <a:cs typeface="+mj-cs"/>
+              </a:defRPr>
+            </a:lvl9pPr>
+          </a:lstStyle>
+          <a:p>
+            <a:pPr marL="0" indent="0">
+              <a:buNone/>
+            </a:pPr>
+            <a:r>
+              <a:rPr lang="en-US" sz="1400" dirty="0"/>
+              <a:t>State Variables Vector :</a:t>
+            </a:r>
+          </a:p>
+          <a:p>
+            <a:r>
+              <a:rPr lang="en-US" sz="1400" dirty="0"/>
+              <a:t>Yarn Price</a:t>
+            </a:r>
+          </a:p>
+          <a:p>
+            <a:r>
+              <a:rPr lang="en-US" sz="1400" dirty="0"/>
+              <a:t>Expected Sales</a:t>
+            </a:r>
+          </a:p>
+          <a:p>
+            <a:r>
+              <a:rPr lang="en-US" sz="1400" dirty="0"/>
+              <a:t>Losses Accumulated At Time ‘T’</a:t>
+            </a:r>
+          </a:p>
+        </p:txBody>
+      </p:sp>
+      <p:pic>
+        <p:nvPicPr>
+          <p:cNvPr id="4" name="Picture 3" descr="A diagram of a system&#10;&#10;Description automatically generated with low confidence">
+            <a:extLst>
+              <a:ext uri="{FF2B5EF4-FFF2-40B4-BE49-F238E27FC236}">
+                <a16:creationId xmlns:a16="http://schemas.microsoft.com/office/drawing/2014/main" id="{73342476-EFC3-60A8-CB42-30309B2FBC78}"/>
+              </a:ext>
+            </a:extLst>
+          </p:cNvPr>
+          <p:cNvPicPr>
+            <a:picLocks noChangeAspect="1"/>
+          </p:cNvPicPr>
+          <p:nvPr/>
+        </p:nvPicPr>
+        <p:blipFill>
+          <a:blip r:embed="rId3"/>
+          <a:stretch>
+            <a:fillRect/>
+          </a:stretch>
+        </p:blipFill>
+        <p:spPr>
+          <a:xfrm>
+            <a:off x="4813600" y="2923423"/>
+            <a:ext cx="6790008" cy="2591025"/>
+          </a:xfrm>
+          <a:prstGeom prst="rect">
+            <a:avLst/>
+          </a:prstGeom>
+        </p:spPr>
+      </p:pic>
+    </p:spTree>
+    <p:extLst>
+      <p:ext uri="{BB962C8B-B14F-4D97-AF65-F5344CB8AC3E}">
+        <p14:creationId xmlns:p14="http://schemas.microsoft.com/office/powerpoint/2010/main" val="74033064"/>
+      </p:ext>
+    </p:extLst>
+  </p:cSld>
+  <p:clrMapOvr>
+    <a:masterClrMapping/>
+  </p:clrMapOvr>
+</p:sld>
+</file>
+
+<file path=ppt/slides/slide6.xml><?xml version="1.0" encoding="utf-8"?>
+<p:sld xmlns:a="http://schemas.openxmlformats.org/drawingml/2006/main" xmlns:r="http://schemas.openxmlformats.org/officeDocument/2006/relationships" xmlns:p="http://schemas.openxmlformats.org/presentationml/2006/main">
+  <p:cSld>
+    <p:bg>
+      <p:bgPr>
+        <a:blipFill rotWithShape="1">
+          <a:blip r:embed="rId2">
+            <a:duotone>
+              <a:schemeClr val="bg2">
+                <a:shade val="18000"/>
+                <a:satMod val="160000"/>
+                <a:lumMod val="28000"/>
+              </a:schemeClr>
+              <a:schemeClr val="bg2">
+                <a:tint val="95000"/>
+                <a:satMod val="160000"/>
+                <a:lumMod val="116000"/>
+              </a:schemeClr>
+            </a:duotone>
+          </a:blip>
+          <a:stretch/>
+        </a:blipFill>
+        <a:effectLst/>
+      </p:bgPr>
+    </p:bg>
+    <p:spTree>
+      <p:nvGrpSpPr>
+        <p:cNvPr id="1" name=""/>
+        <p:cNvGrpSpPr/>
+        <p:nvPr/>
+      </p:nvGrpSpPr>
+      <p:grpSpPr>
+        <a:xfrm>
+          <a:off x="0" y="0"/>
+          <a:ext cx="0" cy="0"/>
+          <a:chOff x="0" y="0"/>
+          <a:chExt cx="0" cy="0"/>
+        </a:xfrm>
+      </p:grpSpPr>
+      <p:sp>
+        <p:nvSpPr>
+          <p:cNvPr id="34" name="Rectangle 33">
+            <a:extLst>
+              <a:ext uri="{FF2B5EF4-FFF2-40B4-BE49-F238E27FC236}">
+                <a16:creationId xmlns:a16="http://schemas.microsoft.com/office/drawing/2014/main" id="{BF99D510-C769-4A3F-B1BF-0A2F3822AED2}"/>
+              </a:ext>
+              <a:ext uri="{C183D7F6-B498-43B3-948B-1728B52AA6E4}">
+                <adec:decorative xmlns:adec="http://schemas.microsoft.com/office/drawing/2017/decorative" val="1"/>
+              </a:ext>
+            </a:extLst>
+          </p:cNvPr>
+          <p:cNvSpPr>
+            <a:spLocks noGrp="1" noRot="1" noChangeAspect="1" noMove="1" noResize="1" noEditPoints="1" noAdjustHandles="1" noChangeArrowheads="1" noChangeShapeType="1" noTextEdit="1"/>
+          </p:cNvSpPr>
+          <p:nvPr>
+            <p:extLst>
+              <p:ext uri="{386F3935-93C4-4BCD-93E2-E3B085C9AB24}">
+                <p16:designElem xmlns:p16="http://schemas.microsoft.com/office/powerpoint/2015/main" val="1"/>
+              </p:ext>
+            </p:extLst>
+          </p:nvPr>
+        </p:nvSpPr>
+        <p:spPr>
+          <a:xfrm>
+            <a:off x="752474" y="733425"/>
+            <a:ext cx="10693662" cy="5391150"/>
+          </a:xfrm>
+          <a:prstGeom prst="rect">
+            <a:avLst/>
+          </a:prstGeom>
+          <a:solidFill>
+            <a:srgbClr val="FFFFFF"/>
+          </a:solidFill>
+          <a:ln w="190500" cap="sq">
+            <a:solidFill>
+              <a:srgbClr val="FFFFFF"/>
+            </a:solidFill>
+            <a:miter lim="800000"/>
+          </a:ln>
+          <a:effectLst>
+            <a:outerShdw blurRad="54991" dist="17780" dir="5400000" algn="ctr" rotWithShape="0">
+              <a:schemeClr val="bg1">
+                <a:alpha val="40000"/>
+              </a:schemeClr>
+            </a:outerShdw>
+          </a:effectLst>
+          <a:scene3d>
+            <a:camera prst="orthographicFront"/>
+            <a:lightRig rig="twoPt" dir="t">
+              <a:rot lat="0" lon="0" rev="7200000"/>
+            </a:lightRig>
+          </a:scene3d>
+          <a:sp3d>
+            <a:bevelT w="25400" h="19050"/>
+          </a:sp3d>
+        </p:spPr>
+        <p:style>
+          <a:lnRef idx="2">
+            <a:schemeClr val="accent1">
+              <a:shade val="50000"/>
+            </a:schemeClr>
+          </a:lnRef>
+          <a:fillRef idx="1">
+            <a:schemeClr val="accent1"/>
+          </a:fillRef>
+          <a:effectRef idx="0">
+            <a:schemeClr val="accent1"/>
+          </a:effectRef>
+          <a:fontRef idx="minor">
+            <a:schemeClr val="lt1"/>
+          </a:fontRef>
+        </p:style>
+        <p:txBody>
+          <a:bodyPr rtlCol="0" anchor="ctr"/>
+          <a:lstStyle/>
+          <a:p>
+            <a:pPr algn="ctr"/>
+            <a:endParaRPr lang="en-US"/>
+          </a:p>
+        </p:txBody>
+      </p:sp>
+      <p:sp>
+        <p:nvSpPr>
+          <p:cNvPr id="36" name="Rectangle 35">
+            <a:extLst>
+              <a:ext uri="{FF2B5EF4-FFF2-40B4-BE49-F238E27FC236}">
+                <a16:creationId xmlns:a16="http://schemas.microsoft.com/office/drawing/2014/main" id="{62DD38F0-3136-4D36-9445-AAF26688FF04}"/>
+              </a:ext>
+              <a:ext uri="{C183D7F6-B498-43B3-948B-1728B52AA6E4}">
+                <adec:decorative xmlns:adec="http://schemas.microsoft.com/office/drawing/2017/decorative" val="1"/>
+              </a:ext>
+            </a:extLst>
+          </p:cNvPr>
+          <p:cNvSpPr>
+            <a:spLocks noGrp="1" noRot="1" noChangeAspect="1" noMove="1" noResize="1" noEditPoints="1" noAdjustHandles="1" noChangeArrowheads="1" noChangeShapeType="1" noTextEdit="1"/>
+          </p:cNvSpPr>
+          <p:nvPr>
+            <p:extLst>
+              <p:ext uri="{386F3935-93C4-4BCD-93E2-E3B085C9AB24}">
+                <p16:designElem xmlns:p16="http://schemas.microsoft.com/office/powerpoint/2015/main" val="1"/>
+              </p:ext>
+            </p:extLst>
+          </p:nvPr>
+        </p:nvSpPr>
+        <p:spPr>
+          <a:xfrm>
+            <a:off x="812496" y="799817"/>
+            <a:ext cx="10575170" cy="5258367"/>
+          </a:xfrm>
+          <a:prstGeom prst="rect">
+            <a:avLst/>
+          </a:prstGeom>
+          <a:noFill/>
+          <a:ln w="12700">
+            <a:solidFill>
+              <a:schemeClr val="bg2"/>
+            </a:solidFill>
+          </a:ln>
+        </p:spPr>
+        <p:style>
+          <a:lnRef idx="2">
+            <a:schemeClr val="accent1">
+              <a:shade val="50000"/>
+            </a:schemeClr>
+          </a:lnRef>
+          <a:fillRef idx="1">
+            <a:schemeClr val="accent1"/>
+          </a:fillRef>
+          <a:effectRef idx="0">
+            <a:schemeClr val="accent1"/>
+          </a:effectRef>
+          <a:fontRef idx="minor">
+            <a:schemeClr val="lt1"/>
+          </a:fontRef>
+        </p:style>
+        <p:txBody>
+          <a:bodyPr rtlCol="0" anchor="ctr"/>
+          <a:lstStyle/>
+          <a:p>
+            <a:pPr algn="ctr"/>
+            <a:endParaRPr lang="en-US"/>
+          </a:p>
+        </p:txBody>
+      </p:sp>
+      <p:sp>
+        <p:nvSpPr>
+          <p:cNvPr id="5" name="Content Placeholder 3">
+            <a:extLst>
+              <a:ext uri="{FF2B5EF4-FFF2-40B4-BE49-F238E27FC236}">
+                <a16:creationId xmlns:a16="http://schemas.microsoft.com/office/drawing/2014/main" id="{2E34C68D-177D-E255-5566-525757BD6160}"/>
+              </a:ext>
+            </a:extLst>
+          </p:cNvPr>
+          <p:cNvSpPr txBox="1">
+            <a:spLocks/>
+          </p:cNvSpPr>
+          <p:nvPr/>
+        </p:nvSpPr>
+        <p:spPr>
+          <a:xfrm>
+            <a:off x="4473155" y="1562590"/>
+            <a:ext cx="3143910" cy="1592285"/>
+          </a:xfrm>
+          <a:prstGeom prst="rect">
+            <a:avLst/>
+          </a:prstGeom>
+        </p:spPr>
+        <p:txBody>
+          <a:bodyPr vert="horz" lIns="91440" tIns="45720" rIns="91440" bIns="45720" rtlCol="0">
+            <a:normAutofit/>
+          </a:bodyPr>
+          <a:lstStyle>
+            <a:lvl1pPr marL="342900" indent="-342900" algn="l" defTabSz="457200" rtl="0" eaLnBrk="1" latinLnBrk="0" hangingPunct="1">
+              <a:spcBef>
+                <a:spcPts val="1000"/>
+              </a:spcBef>
+              <a:spcAft>
+                <a:spcPts val="0"/>
+              </a:spcAft>
+              <a:buClr>
+                <a:schemeClr val="accent1"/>
+              </a:buClr>
+              <a:buSzPct val="80000"/>
+              <a:buFont typeface="Wingdings 3" charset="2"/>
+              <a:buChar char=""/>
+              <a:defRPr sz="1800" b="0" i="0" kern="1200">
+                <a:solidFill>
+                  <a:schemeClr val="tx1"/>
+                </a:solidFill>
+                <a:latin typeface="+mj-lt"/>
+                <a:ea typeface="+mj-ea"/>
+                <a:cs typeface="+mj-cs"/>
+              </a:defRPr>
+            </a:lvl1pPr>
+            <a:lvl2pPr marL="742950" indent="-285750" algn="l" defTabSz="457200" rtl="0" eaLnBrk="1" latinLnBrk="0" hangingPunct="1">
+              <a:spcBef>
+                <a:spcPts val="1000"/>
+              </a:spcBef>
+              <a:spcAft>
+                <a:spcPts val="0"/>
+              </a:spcAft>
+              <a:buClr>
+                <a:schemeClr val="accent1"/>
+              </a:buClr>
+              <a:buSzPct val="80000"/>
+              <a:buFont typeface="Wingdings 3" charset="2"/>
+              <a:buChar char=""/>
+              <a:defRPr sz="1600" b="0" i="0" kern="1200">
+                <a:solidFill>
+                  <a:schemeClr val="tx1"/>
+                </a:solidFill>
+                <a:latin typeface="+mj-lt"/>
+                <a:ea typeface="+mj-ea"/>
+                <a:cs typeface="+mj-cs"/>
+              </a:defRPr>
+            </a:lvl2pPr>
+            <a:lvl3pPr marL="1143000" indent="-228600" algn="l" defTabSz="457200" rtl="0" eaLnBrk="1" latinLnBrk="0" hangingPunct="1">
+              <a:spcBef>
+                <a:spcPts val="1000"/>
+              </a:spcBef>
+              <a:spcAft>
+                <a:spcPts val="0"/>
+              </a:spcAft>
+              <a:buClr>
+                <a:schemeClr val="accent1"/>
+              </a:buClr>
+              <a:buSzPct val="80000"/>
+              <a:buFont typeface="Wingdings 3" charset="2"/>
+              <a:buChar char=""/>
+              <a:defRPr sz="1400" b="0" i="0" kern="1200">
+                <a:solidFill>
+                  <a:schemeClr val="tx1"/>
+                </a:solidFill>
+                <a:latin typeface="+mj-lt"/>
+                <a:ea typeface="+mj-ea"/>
+                <a:cs typeface="+mj-cs"/>
+              </a:defRPr>
+            </a:lvl3pPr>
+            <a:lvl4pPr marL="1600200" indent="-228600" algn="l" defTabSz="457200" rtl="0" eaLnBrk="1" latinLnBrk="0" hangingPunct="1">
+              <a:spcBef>
+                <a:spcPts val="1000"/>
+              </a:spcBef>
+              <a:spcAft>
+                <a:spcPts val="0"/>
+              </a:spcAft>
+              <a:buClr>
+                <a:schemeClr val="accent1"/>
+              </a:buClr>
+              <a:buSzPct val="80000"/>
+              <a:buFont typeface="Wingdings 3" charset="2"/>
+              <a:buChar char=""/>
+              <a:defRPr sz="1200" b="0" i="0" kern="1200">
+                <a:solidFill>
+                  <a:schemeClr val="tx1"/>
+                </a:solidFill>
+                <a:latin typeface="+mj-lt"/>
+                <a:ea typeface="+mj-ea"/>
+                <a:cs typeface="+mj-cs"/>
+              </a:defRPr>
+            </a:lvl4pPr>
+            <a:lvl5pPr marL="2057400" indent="-228600" algn="l" defTabSz="457200" rtl="0" eaLnBrk="1" latinLnBrk="0" hangingPunct="1">
+              <a:spcBef>
+                <a:spcPts val="1000"/>
+              </a:spcBef>
+              <a:spcAft>
+                <a:spcPts val="0"/>
+              </a:spcAft>
+              <a:buClr>
+                <a:schemeClr val="accent1"/>
+              </a:buClr>
+              <a:buSzPct val="80000"/>
+              <a:buFont typeface="Wingdings 3" charset="2"/>
+              <a:buChar char=""/>
+              <a:defRPr sz="1200" b="0" i="0" kern="1200">
+                <a:solidFill>
+                  <a:schemeClr val="tx1"/>
+                </a:solidFill>
+                <a:latin typeface="+mj-lt"/>
+                <a:ea typeface="+mj-ea"/>
+                <a:cs typeface="+mj-cs"/>
+              </a:defRPr>
+            </a:lvl5pPr>
+            <a:lvl6pPr marL="2514600" indent="-228600" algn="l" defTabSz="457200" rtl="0" eaLnBrk="1" latinLnBrk="0" hangingPunct="1">
+              <a:spcBef>
+                <a:spcPts val="1000"/>
+              </a:spcBef>
+              <a:spcAft>
+                <a:spcPts val="0"/>
+              </a:spcAft>
+              <a:buClr>
+                <a:schemeClr val="accent1"/>
+              </a:buClr>
+              <a:buSzPct val="80000"/>
+              <a:buFont typeface="Wingdings 3" charset="2"/>
+              <a:buChar char=""/>
+              <a:defRPr sz="1200" b="0" i="0" kern="1200">
+                <a:solidFill>
+                  <a:schemeClr val="tx1"/>
+                </a:solidFill>
+                <a:latin typeface="+mj-lt"/>
+                <a:ea typeface="+mj-ea"/>
+                <a:cs typeface="+mj-cs"/>
+              </a:defRPr>
+            </a:lvl6pPr>
+            <a:lvl7pPr marL="2971800" indent="-228600" algn="l" defTabSz="457200" rtl="0" eaLnBrk="1" latinLnBrk="0" hangingPunct="1">
+              <a:spcBef>
+                <a:spcPts val="1000"/>
+              </a:spcBef>
+              <a:spcAft>
+                <a:spcPts val="0"/>
+              </a:spcAft>
+              <a:buClr>
+                <a:schemeClr val="accent1"/>
+              </a:buClr>
+              <a:buSzPct val="80000"/>
+              <a:buFont typeface="Wingdings 3" charset="2"/>
+              <a:buChar char=""/>
+              <a:defRPr sz="1200" b="0" i="0" kern="1200">
+                <a:solidFill>
+                  <a:schemeClr val="tx1"/>
+                </a:solidFill>
+                <a:latin typeface="+mj-lt"/>
+                <a:ea typeface="+mj-ea"/>
+                <a:cs typeface="+mj-cs"/>
+              </a:defRPr>
+            </a:lvl7pPr>
+            <a:lvl8pPr marL="3429000" indent="-228600" algn="l" defTabSz="457200" rtl="0" eaLnBrk="1" latinLnBrk="0" hangingPunct="1">
+              <a:spcBef>
+                <a:spcPts val="1000"/>
+              </a:spcBef>
+              <a:spcAft>
+                <a:spcPts val="0"/>
+              </a:spcAft>
+              <a:buClr>
+                <a:schemeClr val="accent1"/>
+              </a:buClr>
+              <a:buSzPct val="80000"/>
+              <a:buFont typeface="Wingdings 3" charset="2"/>
+              <a:buChar char=""/>
+              <a:defRPr sz="1200" b="0" i="0" kern="1200">
+                <a:solidFill>
+                  <a:schemeClr val="tx1"/>
+                </a:solidFill>
+                <a:latin typeface="+mj-lt"/>
+                <a:ea typeface="+mj-ea"/>
+                <a:cs typeface="+mj-cs"/>
+              </a:defRPr>
+            </a:lvl8pPr>
+            <a:lvl9pPr marL="3886200" indent="-228600" algn="l" defTabSz="457200" rtl="0" eaLnBrk="1" latinLnBrk="0" hangingPunct="1">
+              <a:spcBef>
+                <a:spcPts val="1000"/>
+              </a:spcBef>
+              <a:spcAft>
+                <a:spcPts val="0"/>
+              </a:spcAft>
+              <a:buClr>
+                <a:schemeClr val="accent1"/>
+              </a:buClr>
+              <a:buSzPct val="80000"/>
+              <a:buFont typeface="Wingdings 3" charset="2"/>
+              <a:buChar char=""/>
+              <a:defRPr sz="1200" b="0" i="0" kern="1200">
+                <a:solidFill>
+                  <a:schemeClr val="tx1"/>
+                </a:solidFill>
+                <a:latin typeface="+mj-lt"/>
+                <a:ea typeface="+mj-ea"/>
+                <a:cs typeface="+mj-cs"/>
+              </a:defRPr>
+            </a:lvl9pPr>
+          </a:lstStyle>
+          <a:p>
+            <a:pPr marL="257175" indent="-257175" defTabSz="342900">
+              <a:lnSpc>
+                <a:spcPct val="90000"/>
+              </a:lnSpc>
+              <a:spcBef>
+                <a:spcPts val="750"/>
+              </a:spcBef>
+            </a:pPr>
+            <a:r>
+              <a:rPr lang="en-US" sz="1350" b="0" i="0" kern="1200">
+                <a:solidFill>
+                  <a:schemeClr val="tx1"/>
+                </a:solidFill>
+                <a:latin typeface="+mj-lt"/>
+                <a:ea typeface="+mj-ea"/>
+                <a:cs typeface="+mj-cs"/>
+              </a:rPr>
+              <a:t>Data available to us is discrete</a:t>
+            </a:r>
+          </a:p>
+          <a:p>
+            <a:pPr marL="257175" indent="-257175" defTabSz="342900">
+              <a:lnSpc>
+                <a:spcPct val="90000"/>
+              </a:lnSpc>
+              <a:spcBef>
+                <a:spcPts val="750"/>
+              </a:spcBef>
+            </a:pPr>
+            <a:r>
+              <a:rPr lang="en-US" sz="1350" b="0" i="0" kern="1200">
+                <a:solidFill>
+                  <a:schemeClr val="tx1"/>
+                </a:solidFill>
+                <a:latin typeface="+mj-lt"/>
+                <a:ea typeface="+mj-ea"/>
+                <a:cs typeface="+mj-cs"/>
+              </a:rPr>
+              <a:t>Smoothing Is Done Before Training The State Space System</a:t>
+            </a:r>
+          </a:p>
+          <a:p>
+            <a:pPr marL="257175" indent="-257175" defTabSz="342900">
+              <a:lnSpc>
+                <a:spcPct val="90000"/>
+              </a:lnSpc>
+              <a:spcBef>
+                <a:spcPts val="750"/>
+              </a:spcBef>
+            </a:pPr>
+            <a:r>
+              <a:rPr lang="en-US" sz="1350" b="0" i="0" kern="1200">
+                <a:solidFill>
+                  <a:schemeClr val="tx1"/>
+                </a:solidFill>
+                <a:latin typeface="+mj-lt"/>
+                <a:ea typeface="+mj-ea"/>
+                <a:cs typeface="+mj-cs"/>
+              </a:rPr>
+              <a:t>Regression Analysis Used For Smoothed Curve Representation</a:t>
+            </a:r>
+            <a:endParaRPr lang="en-US"/>
+          </a:p>
+        </p:txBody>
+      </p:sp>
+      <p:pic>
+        <p:nvPicPr>
+          <p:cNvPr id="10" name="Picture 9" descr="Diagram&#10;&#10;Description automatically generated">
+            <a:extLst>
+              <a:ext uri="{FF2B5EF4-FFF2-40B4-BE49-F238E27FC236}">
+                <a16:creationId xmlns:a16="http://schemas.microsoft.com/office/drawing/2014/main" id="{D9A21932-B225-6FAD-5CD8-1E62B55E16F9}"/>
+              </a:ext>
+            </a:extLst>
+          </p:cNvPr>
+          <p:cNvPicPr>
+            <a:picLocks noChangeAspect="1"/>
+          </p:cNvPicPr>
+          <p:nvPr/>
+        </p:nvPicPr>
+        <p:blipFill>
+          <a:blip r:embed="rId3"/>
+          <a:stretch>
+            <a:fillRect/>
+          </a:stretch>
+        </p:blipFill>
+        <p:spPr>
+          <a:xfrm>
+            <a:off x="7876869" y="1114868"/>
+            <a:ext cx="2549594" cy="2233221"/>
+          </a:xfrm>
+          <a:prstGeom prst="rect">
+            <a:avLst/>
+          </a:prstGeom>
+          <a:effectLst/>
+        </p:spPr>
+      </p:pic>
+      <p:pic>
+        <p:nvPicPr>
+          <p:cNvPr id="13" name="Picture 12" descr="Chart&#10;&#10;Description automatically generated">
+            <a:extLst>
+              <a:ext uri="{FF2B5EF4-FFF2-40B4-BE49-F238E27FC236}">
+                <a16:creationId xmlns:a16="http://schemas.microsoft.com/office/drawing/2014/main" id="{8E7E52CE-E02A-EB4A-B1AB-6948B58981AA}"/>
+              </a:ext>
+            </a:extLst>
+          </p:cNvPr>
+          <p:cNvPicPr>
+            <a:picLocks noChangeAspect="1"/>
+          </p:cNvPicPr>
+          <p:nvPr/>
+        </p:nvPicPr>
+        <p:blipFill>
+          <a:blip r:embed="rId4"/>
+          <a:stretch>
+            <a:fillRect/>
+          </a:stretch>
+        </p:blipFill>
+        <p:spPr>
+          <a:xfrm>
+            <a:off x="1781326" y="1115036"/>
+            <a:ext cx="2549594" cy="2281215"/>
+          </a:xfrm>
+          <a:prstGeom prst="rect">
+            <a:avLst/>
+          </a:prstGeom>
+        </p:spPr>
+      </p:pic>
+      <p:sp>
+        <p:nvSpPr>
+          <p:cNvPr id="14" name="TextBox 13">
+            <a:extLst>
+              <a:ext uri="{FF2B5EF4-FFF2-40B4-BE49-F238E27FC236}">
+                <a16:creationId xmlns:a16="http://schemas.microsoft.com/office/drawing/2014/main" id="{672F9A8E-92D2-4A25-348D-BCA3EF6EFFF0}"/>
+              </a:ext>
+            </a:extLst>
+          </p:cNvPr>
+          <p:cNvSpPr txBox="1"/>
+          <p:nvPr/>
+        </p:nvSpPr>
+        <p:spPr>
+          <a:xfrm>
+            <a:off x="8425235" y="3364148"/>
+            <a:ext cx="1646942" cy="300082"/>
+          </a:xfrm>
+          <a:prstGeom prst="rect">
+            <a:avLst/>
+          </a:prstGeom>
+          <a:noFill/>
+        </p:spPr>
+        <p:txBody>
+          <a:bodyPr wrap="square" rtlCol="0">
+            <a:spAutoFit/>
+          </a:bodyPr>
+          <a:lstStyle/>
+          <a:p>
+            <a:pPr defTabSz="342900">
+              <a:spcAft>
+                <a:spcPts val="600"/>
+              </a:spcAft>
+            </a:pPr>
+            <a:r>
+              <a:rPr lang="en-US" sz="1350" kern="1200">
+                <a:solidFill>
+                  <a:schemeClr val="bg1"/>
+                </a:solidFill>
+                <a:latin typeface="+mn-lt"/>
+                <a:ea typeface="+mn-ea"/>
+                <a:cs typeface="+mn-cs"/>
+              </a:rPr>
+              <a:t>Yarn Purchase</a:t>
+            </a:r>
+            <a:endParaRPr lang="en-US">
+              <a:solidFill>
+                <a:schemeClr val="bg1"/>
+              </a:solidFill>
+            </a:endParaRPr>
+          </a:p>
+        </p:txBody>
+      </p:sp>
+      <p:sp>
+        <p:nvSpPr>
+          <p:cNvPr id="15" name="TextBox 14">
+            <a:extLst>
+              <a:ext uri="{FF2B5EF4-FFF2-40B4-BE49-F238E27FC236}">
+                <a16:creationId xmlns:a16="http://schemas.microsoft.com/office/drawing/2014/main" id="{CA67D10A-5F21-71C2-9DA8-103D90B2B5D6}"/>
+              </a:ext>
+            </a:extLst>
+          </p:cNvPr>
+          <p:cNvSpPr txBox="1"/>
+          <p:nvPr/>
+        </p:nvSpPr>
+        <p:spPr>
+          <a:xfrm>
+            <a:off x="2262832" y="3396251"/>
+            <a:ext cx="1646942" cy="300082"/>
+          </a:xfrm>
+          <a:prstGeom prst="rect">
+            <a:avLst/>
+          </a:prstGeom>
+          <a:noFill/>
+        </p:spPr>
+        <p:txBody>
+          <a:bodyPr wrap="square" rtlCol="0">
+            <a:spAutoFit/>
+          </a:bodyPr>
+          <a:lstStyle/>
+          <a:p>
+            <a:pPr defTabSz="342900">
+              <a:spcAft>
+                <a:spcPts val="600"/>
+              </a:spcAft>
+            </a:pPr>
+            <a:r>
+              <a:rPr lang="en-US" sz="1350" kern="1200">
+                <a:solidFill>
+                  <a:schemeClr val="bg1"/>
+                </a:solidFill>
+                <a:latin typeface="+mn-lt"/>
+                <a:ea typeface="+mn-ea"/>
+                <a:cs typeface="+mn-cs"/>
+              </a:rPr>
+              <a:t>Sales Data</a:t>
+            </a:r>
+            <a:endParaRPr lang="en-US">
+              <a:solidFill>
+                <a:schemeClr val="bg1"/>
+              </a:solidFill>
+            </a:endParaRPr>
+          </a:p>
+        </p:txBody>
+      </p:sp>
+      <p:pic>
+        <p:nvPicPr>
+          <p:cNvPr id="23" name="Picture 22" descr="Chart, bar chart&#10;&#10;Description automatically generated">
+            <a:extLst>
+              <a:ext uri="{FF2B5EF4-FFF2-40B4-BE49-F238E27FC236}">
+                <a16:creationId xmlns:a16="http://schemas.microsoft.com/office/drawing/2014/main" id="{4912610A-845D-4128-CE16-4EAC41DC1143}"/>
+              </a:ext>
+            </a:extLst>
+          </p:cNvPr>
+          <p:cNvPicPr>
+            <a:picLocks noChangeAspect="1"/>
+          </p:cNvPicPr>
+          <p:nvPr/>
+        </p:nvPicPr>
+        <p:blipFill>
+          <a:blip r:embed="rId5"/>
+          <a:stretch>
+            <a:fillRect/>
+          </a:stretch>
+        </p:blipFill>
+        <p:spPr>
+          <a:xfrm>
+            <a:off x="3787379" y="3603163"/>
+            <a:ext cx="4515462" cy="2139970"/>
+          </a:xfrm>
+          <a:prstGeom prst="rect">
+            <a:avLst/>
+          </a:prstGeom>
+        </p:spPr>
+      </p:pic>
+      <p:sp>
+        <p:nvSpPr>
+          <p:cNvPr id="29" name="TextBox 28">
+            <a:extLst>
+              <a:ext uri="{FF2B5EF4-FFF2-40B4-BE49-F238E27FC236}">
+                <a16:creationId xmlns:a16="http://schemas.microsoft.com/office/drawing/2014/main" id="{2D88F286-C07D-2110-3E3A-C2FA95A914B1}"/>
+              </a:ext>
+            </a:extLst>
+          </p:cNvPr>
+          <p:cNvSpPr txBox="1"/>
+          <p:nvPr/>
+        </p:nvSpPr>
+        <p:spPr>
+          <a:xfrm>
+            <a:off x="4910440" y="3270561"/>
+            <a:ext cx="2514128" cy="300082"/>
+          </a:xfrm>
+          <a:prstGeom prst="rect">
+            <a:avLst/>
+          </a:prstGeom>
+          <a:noFill/>
+        </p:spPr>
+        <p:txBody>
+          <a:bodyPr wrap="square" rtlCol="0">
+            <a:spAutoFit/>
+          </a:bodyPr>
+          <a:lstStyle/>
+          <a:p>
+            <a:pPr defTabSz="342900">
+              <a:spcAft>
+                <a:spcPts val="600"/>
+              </a:spcAft>
+            </a:pPr>
+            <a:r>
+              <a:rPr lang="en-US" sz="1350" kern="1200">
+                <a:solidFill>
+                  <a:schemeClr val="bg1"/>
+                </a:solidFill>
+                <a:latin typeface="+mn-lt"/>
+                <a:ea typeface="+mn-ea"/>
+                <a:cs typeface="+mn-cs"/>
+              </a:rPr>
+              <a:t>Debtors Return Patterns</a:t>
+            </a:r>
+            <a:endParaRPr lang="en-US">
+              <a:solidFill>
+                <a:schemeClr val="bg1"/>
+              </a:solidFill>
+            </a:endParaRPr>
+          </a:p>
+        </p:txBody>
+      </p:sp>
+    </p:spTree>
+    <p:extLst>
+      <p:ext uri="{BB962C8B-B14F-4D97-AF65-F5344CB8AC3E}">
+        <p14:creationId xmlns:p14="http://schemas.microsoft.com/office/powerpoint/2010/main" val="956365220"/>
+      </p:ext>
+    </p:extLst>
+  </p:cSld>
+  <p:clrMapOvr>
+    <a:masterClrMapping/>
+  </p:clrMapOvr>
+</p:sld>
+</file>
+
+<file path=ppt/slides/slide7.xml><?xml version="1.0" encoding="utf-8"?>
+<p:sld xmlns:a="http://schemas.openxmlformats.org/drawingml/2006/main" xmlns:r="http://schemas.openxmlformats.org/officeDocument/2006/relationships" xmlns:p="http://schemas.openxmlformats.org/presentationml/2006/main">
+  <p:cSld>
+    <p:bg>
+      <p:bgPr>
+        <a:blipFill rotWithShape="1">
+          <a:blip r:embed="rId2">
+            <a:duotone>
+              <a:schemeClr val="bg2">
+                <a:shade val="69000"/>
+                <a:hueMod val="108000"/>
+                <a:satMod val="164000"/>
+                <a:lumMod val="74000"/>
+              </a:schemeClr>
+              <a:schemeClr val="bg2">
+                <a:tint val="96000"/>
+                <a:hueMod val="88000"/>
+                <a:satMod val="140000"/>
+                <a:lumMod val="132000"/>
+              </a:schemeClr>
+            </a:duotone>
+          </a:blip>
+          <a:stretch/>
+        </a:blipFill>
+        <a:effectLst/>
+      </p:bgPr>
+    </p:bg>
+    <p:spTree>
+      <p:nvGrpSpPr>
+        <p:cNvPr id="1" name=""/>
+        <p:cNvGrpSpPr/>
+        <p:nvPr/>
+      </p:nvGrpSpPr>
+      <p:grpSpPr>
+        <a:xfrm>
+          <a:off x="0" y="0"/>
+          <a:ext cx="0" cy="0"/>
+          <a:chOff x="0" y="0"/>
+          <a:chExt cx="0" cy="0"/>
+        </a:xfrm>
+      </p:grpSpPr>
+      <p:sp>
+        <p:nvSpPr>
+          <p:cNvPr id="4" name="TextBox 3">
+            <a:extLst>
+              <a:ext uri="{FF2B5EF4-FFF2-40B4-BE49-F238E27FC236}">
+                <a16:creationId xmlns:a16="http://schemas.microsoft.com/office/drawing/2014/main" id="{4C3F44F5-E80C-239F-920B-6890AAB4B39F}"/>
+              </a:ext>
+            </a:extLst>
+          </p:cNvPr>
+          <p:cNvSpPr txBox="1"/>
+          <p:nvPr/>
+        </p:nvSpPr>
+        <p:spPr>
+          <a:xfrm>
+            <a:off x="469603" y="332013"/>
+            <a:ext cx="3333676" cy="3096987"/>
+          </a:xfrm>
+          <a:prstGeom prst="rect">
+            <a:avLst/>
+          </a:prstGeom>
+        </p:spPr>
+        <p:txBody>
+          <a:bodyPr vert="horz" lIns="91440" tIns="45720" rIns="91440" bIns="45720" rtlCol="0" anchor="b">
+            <a:normAutofit/>
+          </a:bodyPr>
+          <a:lstStyle/>
+          <a:p>
+            <a:pPr>
+              <a:lnSpc>
+                <a:spcPct val="90000"/>
+              </a:lnSpc>
+              <a:spcBef>
+                <a:spcPct val="0"/>
+              </a:spcBef>
+              <a:spcAft>
+                <a:spcPts val="600"/>
+              </a:spcAft>
+            </a:pPr>
+            <a:r>
+              <a:rPr lang="en-US" sz="5400" dirty="0">
+                <a:solidFill>
+                  <a:schemeClr val="tx2"/>
+                </a:solidFill>
+                <a:latin typeface="+mj-lt"/>
+                <a:ea typeface="+mj-ea"/>
+                <a:cs typeface="+mj-cs"/>
+              </a:rPr>
+              <a:t>State Space Analysis Results</a:t>
+            </a:r>
+          </a:p>
+        </p:txBody>
+      </p:sp>
+      <p:pic>
+        <p:nvPicPr>
+          <p:cNvPr id="2" name="Picture 1" descr="A picture containing line chart&#10;&#10;Description automatically generated">
+            <a:extLst>
+              <a:ext uri="{FF2B5EF4-FFF2-40B4-BE49-F238E27FC236}">
+                <a16:creationId xmlns:a16="http://schemas.microsoft.com/office/drawing/2014/main" id="{969B89FE-8B57-42EB-8B07-07620710FA8F}"/>
+              </a:ext>
+            </a:extLst>
+          </p:cNvPr>
+          <p:cNvPicPr>
+            <a:picLocks noChangeAspect="1"/>
+          </p:cNvPicPr>
+          <p:nvPr/>
+        </p:nvPicPr>
+        <p:blipFill>
+          <a:blip r:embed="rId3"/>
+          <a:stretch>
+            <a:fillRect/>
+          </a:stretch>
+        </p:blipFill>
+        <p:spPr>
+          <a:xfrm>
+            <a:off x="5296286" y="170008"/>
+            <a:ext cx="6426111" cy="4692305"/>
+          </a:xfrm>
+          <a:prstGeom prst="rect">
+            <a:avLst/>
+          </a:prstGeom>
+          <a:effectLst/>
+        </p:spPr>
+      </p:pic>
+      <p:pic>
+        <p:nvPicPr>
+          <p:cNvPr id="8" name="Picture 7" descr="A picture containing text, scoreboard, meter&#10;&#10;Description automatically generated">
+            <a:extLst>
+              <a:ext uri="{FF2B5EF4-FFF2-40B4-BE49-F238E27FC236}">
+                <a16:creationId xmlns:a16="http://schemas.microsoft.com/office/drawing/2014/main" id="{EAB993FB-4180-2CB8-967F-1870E2796DC9}"/>
+              </a:ext>
+            </a:extLst>
+          </p:cNvPr>
+          <p:cNvPicPr>
+            <a:picLocks noChangeAspect="1"/>
+          </p:cNvPicPr>
+          <p:nvPr/>
+        </p:nvPicPr>
+        <p:blipFill>
+          <a:blip r:embed="rId4"/>
+          <a:stretch>
+            <a:fillRect/>
+          </a:stretch>
+        </p:blipFill>
+        <p:spPr>
+          <a:xfrm>
+            <a:off x="5296286" y="4947884"/>
+            <a:ext cx="6270662" cy="1740108"/>
+          </a:xfrm>
+          <a:prstGeom prst="rect">
+            <a:avLst/>
+          </a:prstGeom>
+          <a:effectLst/>
+        </p:spPr>
+      </p:pic>
+      <p:sp>
+        <p:nvSpPr>
+          <p:cNvPr id="24" name="TextBox 23">
+            <a:extLst>
+              <a:ext uri="{FF2B5EF4-FFF2-40B4-BE49-F238E27FC236}">
+                <a16:creationId xmlns:a16="http://schemas.microsoft.com/office/drawing/2014/main" id="{172033E3-9201-C2BE-76BA-8A553BD489B2}"/>
+              </a:ext>
+            </a:extLst>
+          </p:cNvPr>
+          <p:cNvSpPr txBox="1"/>
+          <p:nvPr/>
+        </p:nvSpPr>
+        <p:spPr>
+          <a:xfrm>
+            <a:off x="453643" y="3984171"/>
+            <a:ext cx="4096139" cy="646331"/>
+          </a:xfrm>
+          <a:prstGeom prst="rect">
+            <a:avLst/>
+          </a:prstGeom>
+          <a:noFill/>
+        </p:spPr>
+        <p:txBody>
+          <a:bodyPr wrap="square" rtlCol="0">
+            <a:spAutoFit/>
+          </a:bodyPr>
+          <a:lstStyle/>
+          <a:p>
+            <a:r>
+              <a:rPr lang="en-US" dirty="0"/>
+              <a:t>Bode Diagram And Derived State Space Matrices</a:t>
+            </a:r>
+          </a:p>
+        </p:txBody>
+      </p:sp>
+    </p:spTree>
+    <p:extLst>
+      <p:ext uri="{BB962C8B-B14F-4D97-AF65-F5344CB8AC3E}">
+        <p14:creationId xmlns:p14="http://schemas.microsoft.com/office/powerpoint/2010/main" val="1480225880"/>
+      </p:ext>
+    </p:extLst>
+  </p:cSld>
+  <p:clrMapOvr>
+    <a:masterClrMapping/>
+  </p:clrMapOvr>
+</p:sld>
+</file>
+
+<file path=ppt/slides/slide8.xml><?xml version="1.0" encoding="utf-8"?>
+<p:sld xmlns:a="http://schemas.openxmlformats.org/drawingml/2006/main" xmlns:r="http://schemas.openxmlformats.org/officeDocument/2006/relationships" xmlns:p="http://schemas.openxmlformats.org/presentationml/2006/main">
+  <p:cSld>
+    <p:spTree>
+      <p:nvGrpSpPr>
+        <p:cNvPr id="1" name=""/>
+        <p:cNvGrpSpPr/>
+        <p:nvPr/>
+      </p:nvGrpSpPr>
+      <p:grpSpPr>
+        <a:xfrm>
+          <a:off x="0" y="0"/>
+          <a:ext cx="0" cy="0"/>
+          <a:chOff x="0" y="0"/>
+          <a:chExt cx="0" cy="0"/>
+        </a:xfrm>
+      </p:grpSpPr>
+      <p:sp>
+        <p:nvSpPr>
+          <p:cNvPr id="5" name="TextBox 4">
+            <a:extLst>
+              <a:ext uri="{FF2B5EF4-FFF2-40B4-BE49-F238E27FC236}">
+                <a16:creationId xmlns:a16="http://schemas.microsoft.com/office/drawing/2014/main" id="{C98C1C04-4737-8FB9-6D11-48A278FA2FEB}"/>
+              </a:ext>
+            </a:extLst>
+          </p:cNvPr>
+          <p:cNvSpPr txBox="1"/>
+          <p:nvPr/>
+        </p:nvSpPr>
+        <p:spPr>
+          <a:xfrm>
+            <a:off x="559836" y="615821"/>
+            <a:ext cx="7165910" cy="369332"/>
+          </a:xfrm>
+          <a:prstGeom prst="rect">
+            <a:avLst/>
+          </a:prstGeom>
+          <a:noFill/>
+        </p:spPr>
+        <p:txBody>
+          <a:bodyPr wrap="square" rtlCol="0">
+            <a:spAutoFit/>
+          </a:bodyPr>
+          <a:lstStyle/>
+          <a:p>
+            <a:r>
+              <a:rPr lang="en-US" dirty="0"/>
+              <a:t>Debtor’s Credit Scoring System</a:t>
+            </a:r>
+          </a:p>
+        </p:txBody>
+      </p:sp>
+      <p:pic>
+        <p:nvPicPr>
+          <p:cNvPr id="11" name="Picture 10" descr="Text&#10;&#10;Description automatically generated">
+            <a:extLst>
+              <a:ext uri="{FF2B5EF4-FFF2-40B4-BE49-F238E27FC236}">
+                <a16:creationId xmlns:a16="http://schemas.microsoft.com/office/drawing/2014/main" id="{F631E84F-17AE-8F4E-9D1A-CED97148DCC6}"/>
+              </a:ext>
+            </a:extLst>
+          </p:cNvPr>
+          <p:cNvPicPr>
+            <a:picLocks noChangeAspect="1"/>
+          </p:cNvPicPr>
+          <p:nvPr/>
+        </p:nvPicPr>
+        <p:blipFill>
+          <a:blip r:embed="rId2"/>
+          <a:stretch>
+            <a:fillRect/>
+          </a:stretch>
+        </p:blipFill>
+        <p:spPr>
+          <a:xfrm>
+            <a:off x="508502" y="1128939"/>
+            <a:ext cx="5346677" cy="828735"/>
+          </a:xfrm>
+          <a:prstGeom prst="rect">
+            <a:avLst/>
+          </a:prstGeom>
+        </p:spPr>
+      </p:pic>
+      <p:pic>
+        <p:nvPicPr>
+          <p:cNvPr id="13" name="Picture 12" descr="Text&#10;&#10;Description automatically generated">
+            <a:extLst>
+              <a:ext uri="{FF2B5EF4-FFF2-40B4-BE49-F238E27FC236}">
+                <a16:creationId xmlns:a16="http://schemas.microsoft.com/office/drawing/2014/main" id="{285B7355-14F7-DC28-C976-72448B1F63C1}"/>
+              </a:ext>
+            </a:extLst>
+          </p:cNvPr>
+          <p:cNvPicPr>
+            <a:picLocks noChangeAspect="1"/>
+          </p:cNvPicPr>
+          <p:nvPr/>
+        </p:nvPicPr>
+        <p:blipFill>
+          <a:blip r:embed="rId3"/>
+          <a:stretch>
+            <a:fillRect/>
+          </a:stretch>
+        </p:blipFill>
+        <p:spPr>
+          <a:xfrm>
+            <a:off x="6485573" y="1128938"/>
+            <a:ext cx="4877699" cy="828735"/>
+          </a:xfrm>
+          <a:prstGeom prst="rect">
+            <a:avLst/>
+          </a:prstGeom>
+        </p:spPr>
+      </p:pic>
+      <p:pic>
+        <p:nvPicPr>
+          <p:cNvPr id="15" name="Picture 14" descr="A picture containing text&#10;&#10;Description automatically generated">
+            <a:extLst>
+              <a:ext uri="{FF2B5EF4-FFF2-40B4-BE49-F238E27FC236}">
+                <a16:creationId xmlns:a16="http://schemas.microsoft.com/office/drawing/2014/main" id="{20CEF659-B378-E16D-DC6D-9E4443A70091}"/>
+              </a:ext>
+            </a:extLst>
+          </p:cNvPr>
+          <p:cNvPicPr>
+            <a:picLocks noChangeAspect="1"/>
+          </p:cNvPicPr>
+          <p:nvPr/>
+        </p:nvPicPr>
+        <p:blipFill>
+          <a:blip r:embed="rId4"/>
+          <a:stretch>
+            <a:fillRect/>
+          </a:stretch>
+        </p:blipFill>
+        <p:spPr>
+          <a:xfrm>
+            <a:off x="3646810" y="2101458"/>
+            <a:ext cx="5041655" cy="656044"/>
+          </a:xfrm>
+          <a:prstGeom prst="rect">
+            <a:avLst/>
+          </a:prstGeom>
+        </p:spPr>
+      </p:pic>
+      <p:pic>
+        <p:nvPicPr>
+          <p:cNvPr id="17" name="Picture 16" descr="Table&#10;&#10;Description automatically generated">
+            <a:extLst>
+              <a:ext uri="{FF2B5EF4-FFF2-40B4-BE49-F238E27FC236}">
+                <a16:creationId xmlns:a16="http://schemas.microsoft.com/office/drawing/2014/main" id="{E92A1155-8309-1B6F-B1EA-08FDF8B78089}"/>
+              </a:ext>
+            </a:extLst>
+          </p:cNvPr>
+          <p:cNvPicPr>
+            <a:picLocks noChangeAspect="1"/>
+          </p:cNvPicPr>
+          <p:nvPr/>
+        </p:nvPicPr>
+        <p:blipFill>
+          <a:blip r:embed="rId5"/>
+          <a:stretch>
+            <a:fillRect/>
+          </a:stretch>
+        </p:blipFill>
+        <p:spPr>
+          <a:xfrm>
+            <a:off x="303946" y="3073978"/>
+            <a:ext cx="7643522" cy="2720576"/>
+          </a:xfrm>
+          <a:prstGeom prst="rect">
+            <a:avLst/>
+          </a:prstGeom>
+        </p:spPr>
+      </p:pic>
+      <p:pic>
+        <p:nvPicPr>
+          <p:cNvPr id="19" name="Picture 18" descr="Chart, pie chart&#10;&#10;Description automatically generated">
+            <a:extLst>
+              <a:ext uri="{FF2B5EF4-FFF2-40B4-BE49-F238E27FC236}">
+                <a16:creationId xmlns:a16="http://schemas.microsoft.com/office/drawing/2014/main" id="{B39BB383-30EB-5647-B339-7491F4A6B9F3}"/>
+              </a:ext>
+            </a:extLst>
+          </p:cNvPr>
+          <p:cNvPicPr>
+            <a:picLocks noChangeAspect="1"/>
+          </p:cNvPicPr>
+          <p:nvPr/>
+        </p:nvPicPr>
+        <p:blipFill rotWithShape="1">
+          <a:blip r:embed="rId6"/>
+          <a:srcRect l="14651" t="5895" r="15553" b="19021"/>
+          <a:stretch/>
+        </p:blipFill>
+        <p:spPr>
+          <a:xfrm>
+            <a:off x="8066294" y="3741575"/>
+            <a:ext cx="3988857" cy="2789182"/>
+          </a:xfrm>
+          <a:prstGeom prst="rect">
+            <a:avLst/>
+          </a:prstGeom>
+        </p:spPr>
+      </p:pic>
+    </p:spTree>
+    <p:extLst>
+      <p:ext uri="{BB962C8B-B14F-4D97-AF65-F5344CB8AC3E}">
+        <p14:creationId xmlns:p14="http://schemas.microsoft.com/office/powerpoint/2010/main" val="3516261560"/>
+      </p:ext>
+    </p:extLst>
+  </p:cSld>
+  <p:clrMapOvr>
+    <a:masterClrMapping/>
+  </p:clrMapOvr>
+</p:sld>
+</file>
+
+<file path=ppt/slides/slide9.xml><?xml version="1.0" encoding="utf-8"?>
+<p:sld xmlns:a="http://schemas.openxmlformats.org/drawingml/2006/main" xmlns:r="http://schemas.openxmlformats.org/officeDocument/2006/relationships" xmlns:p="http://schemas.openxmlformats.org/presentationml/2006/main">
+  <p:cSld>
+    <p:spTree>
+      <p:nvGrpSpPr>
+        <p:cNvPr id="1" name=""/>
+        <p:cNvGrpSpPr/>
+        <p:nvPr/>
+      </p:nvGrpSpPr>
+      <p:grpSpPr>
+        <a:xfrm>
+          <a:off x="0" y="0"/>
+          <a:ext cx="0" cy="0"/>
+          <a:chOff x="0" y="0"/>
+          <a:chExt cx="0" cy="0"/>
+        </a:xfrm>
+      </p:grpSpPr>
+      <p:sp>
+        <p:nvSpPr>
+          <p:cNvPr id="5" name="TextBox 4">
+            <a:extLst>
+              <a:ext uri="{FF2B5EF4-FFF2-40B4-BE49-F238E27FC236}">
+                <a16:creationId xmlns:a16="http://schemas.microsoft.com/office/drawing/2014/main" id="{FA028366-0B95-3843-3234-86432EF16DF3}"/>
+              </a:ext>
+            </a:extLst>
+          </p:cNvPr>
+          <p:cNvSpPr txBox="1"/>
+          <p:nvPr/>
+        </p:nvSpPr>
+        <p:spPr>
+          <a:xfrm>
+            <a:off x="2127379" y="2649893"/>
+            <a:ext cx="8724123" cy="923330"/>
+          </a:xfrm>
+          <a:prstGeom prst="rect">
+            <a:avLst/>
+          </a:prstGeom>
+          <a:noFill/>
+        </p:spPr>
+        <p:txBody>
+          <a:bodyPr wrap="square" rtlCol="0">
+            <a:spAutoFit/>
+          </a:bodyPr>
+          <a:lstStyle/>
+          <a:p>
+            <a:r>
+              <a:rPr lang="en-US" dirty="0"/>
+              <a:t>PITFALLS</a:t>
+            </a:r>
+          </a:p>
+          <a:p>
+            <a:r>
+              <a:rPr lang="en-US" dirty="0"/>
+              <a:t>RECOMMENDATIONS</a:t>
+            </a:r>
+          </a:p>
+          <a:p>
+            <a:r>
+              <a:rPr lang="en-US" dirty="0"/>
+              <a:t>FUTURE SCOPE</a:t>
+            </a:r>
+          </a:p>
+        </p:txBody>
+      </p:sp>
+    </p:spTree>
+    <p:extLst>
+      <p:ext uri="{BB962C8B-B14F-4D97-AF65-F5344CB8AC3E}">
+        <p14:creationId xmlns:p14="http://schemas.microsoft.com/office/powerpoint/2010/main" val="1891988820"/>
+      </p:ext>
+    </p:extLst>
+  </p:cSld>
+  <p:clrMapOvr>
+    <a:masterClrMapping/>
+  </p:clrMapOvr>
+</p:sld>
+</file>
+
 <file path=ppt/theme/theme1.xml><?xml version="1.0" encoding="utf-8"?>
-<a:theme xmlns:a="http://schemas.openxmlformats.org/drawingml/2006/main" name="Ion">
+<a:theme xmlns:a="http://schemas.openxmlformats.org/drawingml/2006/main" name="Damask">
   <a:themeElements>
-    <a:clrScheme name="Ion">
+    <a:clrScheme name="Damask">
       <a:dk1>
         <a:sysClr val="windowText" lastClr="000000"/>
       </a:dk1>
@@ -6311,42 +8916,42 @@
         <a:sysClr val="window" lastClr="FFFFFF"/>
       </a:lt1>
       <a:dk2>
-        <a:srgbClr val="EE5818"/>
+        <a:srgbClr val="2A5B7F"/>
       </a:dk2>
       <a:lt2>
-        <a:srgbClr val="EBEBEB"/>
+        <a:srgbClr val="ABDAFC"/>
       </a:lt2>
       <a:accent1>
-        <a:srgbClr val="F5A408"/>
+        <a:srgbClr val="9EC544"/>
       </a:accent1>
       <a:accent2>
-        <a:srgbClr val="FA731A"/>
+        <a:srgbClr val="50BEA3"/>
       </a:accent2>
       <a:accent3>
-        <a:srgbClr val="AB9281"/>
+        <a:srgbClr val="4A9CCC"/>
       </a:accent3>
       <a:accent4>
-        <a:srgbClr val="A18CD0"/>
+        <a:srgbClr val="9A66CA"/>
       </a:accent4>
       <a:accent5>
-        <a:srgbClr val="8EBBD2"/>
+        <a:srgbClr val="C54F71"/>
       </a:accent5>
       <a:accent6>
-        <a:srgbClr val="ACC995"/>
+        <a:srgbClr val="DE9C3C"/>
       </a:accent6>
       <a:hlink>
-        <a:srgbClr val="FAC96A"/>
+        <a:srgbClr val="6BA9DA"/>
       </a:hlink>
       <a:folHlink>
-        <a:srgbClr val="FCDB9B"/>
+        <a:srgbClr val="A0BCD3"/>
       </a:folHlink>
     </a:clrScheme>
-    <a:fontScheme name="Ion">
+    <a:fontScheme name="Damask">
       <a:majorFont>
-        <a:latin typeface="Century Gothic" panose="020B0502020202020204"/>
+        <a:latin typeface="Bookman Old Style" panose="02050604050505020204"/>
         <a:ea typeface=""/>
         <a:cs typeface=""/>
-        <a:font script="Jpan" typeface="メイリオ"/>
+        <a:font script="Jpan" typeface="ＭＳ Ｐゴシック"/>
         <a:font script="Hang" typeface="맑은 고딕"/>
         <a:font script="Hans" typeface="宋体"/>
         <a:font script="Hant" typeface="新細明體"/>
@@ -6378,10 +8983,10 @@
         <a:font script="Geor" typeface="Sylfaen"/>
       </a:majorFont>
       <a:minorFont>
-        <a:latin typeface="Century Gothic" panose="020B0502020202020204"/>
+        <a:latin typeface="Rockwell" panose="02060603020205020403"/>
         <a:ea typeface=""/>
         <a:cs typeface=""/>
-        <a:font script="Jpan" typeface="メイリオ"/>
+        <a:font script="Jpan" typeface="ＭＳ Ｐゴシック"/>
         <a:font script="Hang" typeface="맑은 고딕"/>
         <a:font script="Hans" typeface="宋体"/>
         <a:font script="Hant" typeface="新細明體"/>
@@ -6413,7 +9018,7 @@
         <a:font script="Geor" typeface="Sylfaen"/>
       </a:minorFont>
     </a:fontScheme>
-    <a:fmtScheme name="Ion">
+    <a:fmtScheme name="Damask">
       <a:fillStyleLst>
         <a:solidFill>
           <a:schemeClr val="phClr"/>
@@ -6422,15 +9027,16 @@
           <a:gsLst>
             <a:gs pos="0">
               <a:schemeClr val="phClr">
-                <a:tint val="64000"/>
-                <a:lumMod val="118000"/>
+                <a:tint val="48000"/>
+                <a:satMod val="105000"/>
+                <a:lumMod val="110000"/>
               </a:schemeClr>
             </a:gs>
             <a:gs pos="100000">
               <a:schemeClr val="phClr">
-                <a:tint val="92000"/>
-                <a:alpha val="100000"/>
-                <a:lumMod val="110000"/>
+                <a:tint val="78000"/>
+                <a:satMod val="109000"/>
+                <a:lumMod val="100000"/>
               </a:schemeClr>
             </a:gs>
           </a:gsLst>
@@ -6440,14 +9046,23 @@
           <a:gsLst>
             <a:gs pos="0">
               <a:schemeClr val="phClr">
-                <a:tint val="98000"/>
-                <a:lumMod val="114000"/>
+                <a:tint val="94000"/>
+                <a:satMod val="100000"/>
+                <a:lumMod val="104000"/>
+              </a:schemeClr>
+            </a:gs>
+            <a:gs pos="69000">
+              <a:schemeClr val="phClr">
+                <a:shade val="86000"/>
+                <a:satMod val="130000"/>
+                <a:lumMod val="102000"/>
               </a:schemeClr>
             </a:gs>
             <a:gs pos="100000">
               <a:schemeClr val="phClr">
-                <a:shade val="90000"/>
-                <a:lumMod val="84000"/>
+                <a:shade val="72000"/>
+                <a:satMod val="130000"/>
+                <a:lumMod val="100000"/>
               </a:schemeClr>
             </a:gs>
           </a:gsLst>
@@ -6455,19 +9070,19 @@
         </a:gradFill>
       </a:fillStyleLst>
       <a:lnStyleLst>
-        <a:ln w="9525" cap="rnd" cmpd="sng" algn="ctr">
+        <a:ln w="12700" cap="flat" cmpd="sng" algn="ctr">
           <a:solidFill>
             <a:schemeClr val="phClr"/>
           </a:solidFill>
           <a:prstDash val="solid"/>
         </a:ln>
-        <a:ln w="19050" cap="rnd" cmpd="sng" algn="ctr">
+        <a:ln w="19050" cap="flat" cmpd="sng" algn="ctr">
           <a:solidFill>
             <a:schemeClr val="phClr"/>
           </a:solidFill>
           <a:prstDash val="solid"/>
         </a:ln>
-        <a:ln w="28575" cap="rnd" cmpd="sng" algn="ctr">
+        <a:ln w="25400" cap="flat" cmpd="sng" algn="ctr">
           <a:solidFill>
             <a:schemeClr val="phClr"/>
           </a:solidFill>
@@ -6480,18 +9095,18 @@
         </a:effectStyle>
         <a:effectStyle>
           <a:effectLst>
-            <a:outerShdw blurRad="38100" dist="25400" dir="5400000" rotWithShape="0">
+            <a:outerShdw blurRad="50800" dist="38100" dir="5400000" sy="96000" rotWithShape="0">
               <a:srgbClr val="000000">
-                <a:alpha val="45000"/>
+                <a:alpha val="54000"/>
               </a:srgbClr>
             </a:outerShdw>
           </a:effectLst>
         </a:effectStyle>
         <a:effectStyle>
           <a:effectLst>
-            <a:outerShdw blurRad="63500" dist="38100" dir="5400000" rotWithShape="0">
+            <a:outerShdw blurRad="76200" dist="38100" dir="5400000" algn="ctr" rotWithShape="0">
               <a:srgbClr val="000000">
-                <a:alpha val="60000"/>
+                <a:alpha val="76000"/>
               </a:srgbClr>
             </a:outerShdw>
           </a:effectLst>
@@ -6499,10 +9114,10 @@
             <a:camera prst="orthographicFront">
               <a:rot lat="0" lon="0" rev="0"/>
             </a:camera>
-            <a:lightRig rig="threePt" dir="tl"/>
+            <a:lightRig rig="balanced" dir="t"/>
           </a:scene3d>
-          <a:sp3d prstMaterial="plastic">
-            <a:bevelT w="0" h="0"/>
+          <a:sp3d prstMaterial="matte">
+            <a:bevelT w="25400" h="25400" prst="relaxedInset"/>
           </a:sp3d>
         </a:effectStyle>
       </a:effectStyleLst>
@@ -6510,41 +9125,24 @@
         <a:solidFill>
           <a:schemeClr val="phClr"/>
         </a:solidFill>
-        <a:gradFill rotWithShape="1">
-          <a:gsLst>
-            <a:gs pos="0">
-              <a:schemeClr val="phClr">
-                <a:tint val="98000"/>
-                <a:hueMod val="104000"/>
-                <a:satMod val="128000"/>
-                <a:lumMod val="104000"/>
-              </a:schemeClr>
-            </a:gs>
-            <a:gs pos="100000">
-              <a:schemeClr val="phClr">
-                <a:shade val="76000"/>
-                <a:hueMod val="89000"/>
-                <a:satMod val="164000"/>
-                <a:lumMod val="68000"/>
-              </a:schemeClr>
-            </a:gs>
-          </a:gsLst>
-          <a:path path="circle">
-            <a:fillToRect l="45000" t="65000" r="125000" b="100000"/>
-          </a:path>
-        </a:gradFill>
+        <a:solidFill>
+          <a:schemeClr val="phClr">
+            <a:tint val="95000"/>
+            <a:satMod val="170000"/>
+          </a:schemeClr>
+        </a:solidFill>
         <a:blipFill rotWithShape="1">
           <a:blip xmlns:r="http://schemas.openxmlformats.org/officeDocument/2006/relationships" r:embed="rId1">
             <a:duotone>
               <a:schemeClr val="phClr">
-                <a:shade val="42000"/>
-                <a:hueMod val="42000"/>
-                <a:satMod val="124000"/>
-                <a:lumMod val="62000"/>
+                <a:shade val="18000"/>
+                <a:satMod val="160000"/>
+                <a:lumMod val="28000"/>
               </a:schemeClr>
               <a:schemeClr val="phClr">
-                <a:tint val="96000"/>
-                <a:satMod val="130000"/>
+                <a:tint val="95000"/>
+                <a:satMod val="160000"/>
+                <a:lumMod val="116000"/>
               </a:schemeClr>
             </a:duotone>
           </a:blip>
@@ -6557,7 +9155,7 @@
   <a:extraClrSchemeLst/>
   <a:extLst>
     <a:ext uri="{05A4C25C-085E-4340-85A3-A5531E510DB2}">
-      <thm15:themeFamily xmlns:thm15="http://schemas.microsoft.com/office/thememl/2012/main" name="Ion" id="{B8441ADB-2E43-4AF7-B97A-BD870242C6A8}" vid="{5A2F9111-B2DB-470C-BA56-608F9B658826}"/>
+      <thm15:themeFamily xmlns:thm15="http://schemas.microsoft.com/office/thememl/2012/main" name="Damask" id="{F9A299A0-33D0-4E0F-9F3F-7163E3744208}" vid="{746EEEEA-FB6A-406B-B510-531588D54811}"/>
     </a:ext>
   </a:extLst>
 </a:theme>
